--- a/project/4-presentation/TCC - Daniel Teixeira Wanderley-WSMJ09P90N.pptx
+++ b/project/4-presentation/TCC - Daniel Teixeira Wanderley-WSMJ09P90N.pptx
@@ -8,13 +8,19 @@
     <p:sldId id="256" r:id="rId5"/>
     <p:sldId id="258" r:id="rId6"/>
     <p:sldId id="266" r:id="rId7"/>
-    <p:sldId id="260" r:id="rId8"/>
-    <p:sldId id="261" r:id="rId9"/>
-    <p:sldId id="262" r:id="rId10"/>
-    <p:sldId id="263" r:id="rId11"/>
-    <p:sldId id="264" r:id="rId12"/>
-    <p:sldId id="265" r:id="rId13"/>
-    <p:sldId id="257" r:id="rId14"/>
+    <p:sldId id="269" r:id="rId8"/>
+    <p:sldId id="270" r:id="rId9"/>
+    <p:sldId id="271" r:id="rId10"/>
+    <p:sldId id="272" r:id="rId11"/>
+    <p:sldId id="260" r:id="rId12"/>
+    <p:sldId id="273" r:id="rId13"/>
+    <p:sldId id="268" r:id="rId14"/>
+    <p:sldId id="262" r:id="rId15"/>
+    <p:sldId id="263" r:id="rId16"/>
+    <p:sldId id="264" r:id="rId17"/>
+    <p:sldId id="265" r:id="rId18"/>
+    <p:sldId id="267" r:id="rId19"/>
+    <p:sldId id="257" r:id="rId20"/>
   </p:sldIdLst>
   <p:sldSz cx="12192000" cy="6858000"/>
   <p:notesSz cx="6858000" cy="9144000"/>
@@ -121,6 +127,18 @@
 </p:presentation>
 </file>
 
+<file path=ppt/commentAuthors.xml><?xml version="1.0" encoding="utf-8"?>
+<p:cmAuthorLst xmlns:a="http://schemas.openxmlformats.org/drawingml/2006/main" xmlns:r="http://schemas.openxmlformats.org/officeDocument/2006/relationships" xmlns:p="http://schemas.openxmlformats.org/presentationml/2006/main">
+  <p:cmAuthor id="1" name="Daniel Wanderley" initials="DW" lastIdx="1" clrIdx="0">
+    <p:extLst>
+      <p:ext uri="{19B8F6BF-5375-455C-9EA6-DF929625EA0E}">
+        <p15:presenceInfo xmlns:p15="http://schemas.microsoft.com/office/powerpoint/2012/main" userId="Daniel Wanderley" providerId="None"/>
+      </p:ext>
+    </p:extLst>
+  </p:cmAuthor>
+</p:cmAuthorLst>
+</file>
+
 <file path=ppt/slideLayouts/slideLayout1.xml><?xml version="1.0" encoding="utf-8"?>
 <p:sldLayout xmlns:a="http://schemas.openxmlformats.org/drawingml/2006/main" xmlns:r="http://schemas.openxmlformats.org/officeDocument/2006/relationships" xmlns:p="http://schemas.openxmlformats.org/presentationml/2006/main" type="title" preserve="1">
   <p:cSld name="Slide de Título">
@@ -322,7 +340,7 @@
           <a:p>
             <a:fld id="{62DBA4B0-FBB0-47D5-9BD1-542860085E96}" type="slidenum">
               <a:rPr lang="pt-BR" smtClean="0"/>
-              <a:t>‹#›</a:t>
+              <a:t>‹nº›</a:t>
             </a:fld>
             <a:endParaRPr lang="pt-BR"/>
           </a:p>
@@ -520,7 +538,7 @@
           <a:p>
             <a:fld id="{62DBA4B0-FBB0-47D5-9BD1-542860085E96}" type="slidenum">
               <a:rPr lang="pt-BR" smtClean="0"/>
-              <a:t>‹#›</a:t>
+              <a:t>‹nº›</a:t>
             </a:fld>
             <a:endParaRPr lang="pt-BR"/>
           </a:p>
@@ -728,7 +746,7 @@
           <a:p>
             <a:fld id="{62DBA4B0-FBB0-47D5-9BD1-542860085E96}" type="slidenum">
               <a:rPr lang="pt-BR" smtClean="0"/>
-              <a:t>‹#›</a:t>
+              <a:t>‹nº›</a:t>
             </a:fld>
             <a:endParaRPr lang="pt-BR"/>
           </a:p>
@@ -926,7 +944,7 @@
           <a:p>
             <a:fld id="{62DBA4B0-FBB0-47D5-9BD1-542860085E96}" type="slidenum">
               <a:rPr lang="pt-BR" smtClean="0"/>
-              <a:t>‹#›</a:t>
+              <a:t>‹nº›</a:t>
             </a:fld>
             <a:endParaRPr lang="pt-BR"/>
           </a:p>
@@ -1201,7 +1219,7 @@
           <a:p>
             <a:fld id="{62DBA4B0-FBB0-47D5-9BD1-542860085E96}" type="slidenum">
               <a:rPr lang="pt-BR" smtClean="0"/>
-              <a:t>‹#›</a:t>
+              <a:t>‹nº›</a:t>
             </a:fld>
             <a:endParaRPr lang="pt-BR"/>
           </a:p>
@@ -1466,7 +1484,7 @@
           <a:p>
             <a:fld id="{62DBA4B0-FBB0-47D5-9BD1-542860085E96}" type="slidenum">
               <a:rPr lang="pt-BR" smtClean="0"/>
-              <a:t>‹#›</a:t>
+              <a:t>‹nº›</a:t>
             </a:fld>
             <a:endParaRPr lang="pt-BR"/>
           </a:p>
@@ -1878,7 +1896,7 @@
           <a:p>
             <a:fld id="{62DBA4B0-FBB0-47D5-9BD1-542860085E96}" type="slidenum">
               <a:rPr lang="pt-BR" smtClean="0"/>
-              <a:t>‹#›</a:t>
+              <a:t>‹nº›</a:t>
             </a:fld>
             <a:endParaRPr lang="pt-BR"/>
           </a:p>
@@ -2019,7 +2037,7 @@
           <a:p>
             <a:fld id="{62DBA4B0-FBB0-47D5-9BD1-542860085E96}" type="slidenum">
               <a:rPr lang="pt-BR" smtClean="0"/>
-              <a:t>‹#›</a:t>
+              <a:t>‹nº›</a:t>
             </a:fld>
             <a:endParaRPr lang="pt-BR"/>
           </a:p>
@@ -2132,7 +2150,7 @@
           <a:p>
             <a:fld id="{62DBA4B0-FBB0-47D5-9BD1-542860085E96}" type="slidenum">
               <a:rPr lang="pt-BR" smtClean="0"/>
-              <a:t>‹#›</a:t>
+              <a:t>‹nº›</a:t>
             </a:fld>
             <a:endParaRPr lang="pt-BR"/>
           </a:p>
@@ -2443,7 +2461,7 @@
           <a:p>
             <a:fld id="{62DBA4B0-FBB0-47D5-9BD1-542860085E96}" type="slidenum">
               <a:rPr lang="pt-BR" smtClean="0"/>
-              <a:t>‹#›</a:t>
+              <a:t>‹nº›</a:t>
             </a:fld>
             <a:endParaRPr lang="pt-BR"/>
           </a:p>
@@ -2731,7 +2749,7 @@
           <a:p>
             <a:fld id="{62DBA4B0-FBB0-47D5-9BD1-542860085E96}" type="slidenum">
               <a:rPr lang="pt-BR" smtClean="0"/>
-              <a:t>‹#›</a:t>
+              <a:t>‹nº›</a:t>
             </a:fld>
             <a:endParaRPr lang="pt-BR"/>
           </a:p>
@@ -3008,7 +3026,7 @@
           <a:p>
             <a:fld id="{62DBA4B0-FBB0-47D5-9BD1-542860085E96}" type="slidenum">
               <a:rPr lang="pt-BR" smtClean="0"/>
-              <a:t>‹#›</a:t>
+              <a:t>‹nº›</a:t>
             </a:fld>
             <a:endParaRPr lang="pt-BR"/>
           </a:p>
@@ -3027,7 +3045,7 @@
           <p:nvPr userDrawn="1">
             <p:extLst>
               <p:ext uri="{1162E1C5-73C7-4A58-AE30-91384D911F3F}">
-                <p184:classification xmlns:p184="http://schemas.microsoft.com/office/powerpoint/2018/4/main" val="hdr"/>
+                <p184:classification xmlns:p184="http://schemas.microsoft.com/office/powerpoint/2018/4/main" xmlns="" val="hdr"/>
               </p:ext>
             </p:extLst>
           </p:nvPr>
@@ -3804,49 +3822,14 @@
       </p:grpSpPr>
       <p:sp>
         <p:nvSpPr>
-          <p:cNvPr id="11" name="Title 10">
-            <a:extLst>
-              <a:ext uri="{FF2B5EF4-FFF2-40B4-BE49-F238E27FC236}">
-                <a16:creationId xmlns:a16="http://schemas.microsoft.com/office/drawing/2014/main" id="{48F5E9CF-0284-8EA5-B6F1-323FCA78800A}"/>
-              </a:ext>
-            </a:extLst>
-          </p:cNvPr>
-          <p:cNvSpPr>
-            <a:spLocks noGrp="1"/>
-          </p:cNvSpPr>
-          <p:nvPr>
-            <p:ph type="ctrTitle"/>
-          </p:nvPr>
-        </p:nvSpPr>
-        <p:spPr>
-          <a:xfrm>
-            <a:off x="1524000" y="2575419"/>
-            <a:ext cx="9144000" cy="934543"/>
-          </a:xfrm>
-        </p:spPr>
-        <p:txBody>
-          <a:bodyPr/>
-          <a:lstStyle/>
-          <a:p>
-            <a:r>
-              <a:rPr lang="pt-BR" b="1" dirty="0"/>
-              <a:t>Muito obrigado</a:t>
-            </a:r>
-          </a:p>
-        </p:txBody>
-      </p:sp>
-      <p:sp>
-        <p:nvSpPr>
-          <p:cNvPr id="4" name="Rectangle 3">
-            <a:extLst>
-              <a:ext uri="{FF2B5EF4-FFF2-40B4-BE49-F238E27FC236}">
-                <a16:creationId xmlns:a16="http://schemas.microsoft.com/office/drawing/2014/main" id="{92F02D51-EF2F-7BA9-6069-A659D6A243F7}"/>
-              </a:ext>
-            </a:extLst>
-          </p:cNvPr>
-          <p:cNvSpPr>
-            <a:spLocks noGrp="1" noRot="1" noMove="1" noResize="1" noEditPoints="1" noAdjustHandles="1" noChangeArrowheads="1" noChangeShapeType="1"/>
-          </p:cNvSpPr>
+          <p:cNvPr id="2" name="Rectangle 1">
+            <a:extLst>
+              <a:ext uri="{FF2B5EF4-FFF2-40B4-BE49-F238E27FC236}">
+                <a16:creationId xmlns:a16="http://schemas.microsoft.com/office/drawing/2014/main" id="{82A3C9AA-781F-2788-A27C-A4DF89D5F5F7}"/>
+              </a:ext>
+            </a:extLst>
+          </p:cNvPr>
+          <p:cNvSpPr/>
           <p:nvPr/>
         </p:nvSpPr>
         <p:spPr>
@@ -3893,10 +3876,10 @@
       </p:sp>
       <p:sp>
         <p:nvSpPr>
-          <p:cNvPr id="15" name="Título 1">
-            <a:extLst>
-              <a:ext uri="{FF2B5EF4-FFF2-40B4-BE49-F238E27FC236}">
-                <a16:creationId xmlns:a16="http://schemas.microsoft.com/office/drawing/2014/main" id="{3A3D3EEA-1D4B-CEE1-B6E5-87B834624384}"/>
+          <p:cNvPr id="3" name="Title 2">
+            <a:extLst>
+              <a:ext uri="{FF2B5EF4-FFF2-40B4-BE49-F238E27FC236}">
+                <a16:creationId xmlns:a16="http://schemas.microsoft.com/office/drawing/2014/main" id="{EF41C3DC-A068-3CFD-C4B2-D8F09AA1D675}"/>
               </a:ext>
             </a:extLst>
           </p:cNvPr>
@@ -3907,19 +3890,19 @@
         </p:nvSpPr>
         <p:spPr>
           <a:xfrm>
-            <a:off x="4837655" y="6098607"/>
-            <a:ext cx="2508308" cy="473500"/>
+            <a:off x="559267" y="476411"/>
+            <a:ext cx="9144000" cy="505102"/>
           </a:xfrm>
           <a:prstGeom prst="rect">
             <a:avLst/>
           </a:prstGeom>
         </p:spPr>
         <p:txBody>
-          <a:bodyPr vert="horz" lIns="91440" tIns="45720" rIns="91440" bIns="45720" rtlCol="0" anchor="ctr">
-            <a:normAutofit fontScale="97500"/>
+          <a:bodyPr anchor="t">
+            <a:normAutofit fontScale="90000" lnSpcReduction="10000"/>
           </a:bodyPr>
           <a:lstStyle>
-            <a:lvl1pPr algn="ctr" defTabSz="914400" rtl="0" eaLnBrk="1" latinLnBrk="0" hangingPunct="1">
+            <a:lvl1pPr algn="l" defTabSz="914400" rtl="0" eaLnBrk="1" latinLnBrk="0" hangingPunct="1">
               <a:lnSpc>
                 <a:spcPct val="90000"/>
               </a:lnSpc>
@@ -3927,7 +3910,7 @@
                 <a:spcPct val="0"/>
               </a:spcBef>
               <a:buNone/>
-              <a:defRPr sz="6000" kern="1200">
+              <a:defRPr sz="4400" kern="1200">
                 <a:solidFill>
                   <a:schemeClr val="tx1"/>
                 </a:solidFill>
@@ -3939,44 +3922,334 @@
           </a:lstStyle>
           <a:p>
             <a:r>
-              <a:rPr lang="pt-BR" sz="2800" dirty="0">
+              <a:rPr lang="pt-BR" sz="3600" b="1" dirty="0">
                 <a:latin typeface="Arial" panose="020B0604020202020204" pitchFamily="34" charset="0"/>
                 <a:cs typeface="Arial" panose="020B0604020202020204" pitchFamily="34" charset="0"/>
               </a:rPr>
-              <a:t>Niterói - 2024</a:t>
-            </a:r>
-          </a:p>
-        </p:txBody>
-      </p:sp>
-      <p:sp>
-        <p:nvSpPr>
-          <p:cNvPr id="7" name="Subtitle 6">
-            <a:extLst>
-              <a:ext uri="{FF2B5EF4-FFF2-40B4-BE49-F238E27FC236}">
-                <a16:creationId xmlns:a16="http://schemas.microsoft.com/office/drawing/2014/main" id="{3C47051B-F425-3128-61A0-E02FB003F766}"/>
-              </a:ext>
-            </a:extLst>
-          </p:cNvPr>
-          <p:cNvSpPr>
-            <a:spLocks noGrp="1"/>
+              <a:t>Metodologia de análise adotada</a:t>
+            </a:r>
+          </a:p>
+        </p:txBody>
+      </p:sp>
+      <p:sp>
+        <p:nvSpPr>
+          <p:cNvPr id="4" name="Subtitle 3">
+            <a:extLst>
+              <a:ext uri="{FF2B5EF4-FFF2-40B4-BE49-F238E27FC236}">
+                <a16:creationId xmlns:a16="http://schemas.microsoft.com/office/drawing/2014/main" id="{DF980482-2E20-43F7-B7B5-FFF3CF67BC3E}"/>
+              </a:ext>
+            </a:extLst>
+          </p:cNvPr>
+          <p:cNvSpPr txBox="1">
+            <a:spLocks/>
           </p:cNvSpPr>
-          <p:nvPr>
-            <p:ph type="subTitle" idx="1"/>
-          </p:nvPr>
+          <p:nvPr/>
         </p:nvSpPr>
         <p:spPr>
           <a:xfrm>
-            <a:off x="1524000" y="3509962"/>
-            <a:ext cx="9144000" cy="534798"/>
+            <a:off x="559266" y="1286676"/>
+            <a:ext cx="10925261" cy="5094913"/>
           </a:xfrm>
+          <a:prstGeom prst="rect">
+            <a:avLst/>
+          </a:prstGeom>
         </p:spPr>
         <p:txBody>
-          <a:bodyPr/>
-          <a:lstStyle/>
-          <a:p>
-            <a:r>
-              <a:rPr lang="pt-BR" dirty="0"/>
-              <a:t>(Fim da apresentação)</a:t>
+          <a:bodyPr anchor="t"/>
+          <a:lstStyle>
+            <a:lvl1pPr marL="228600" indent="-228600" algn="l" defTabSz="914400" rtl="0" eaLnBrk="1" latinLnBrk="0" hangingPunct="1">
+              <a:lnSpc>
+                <a:spcPct val="90000"/>
+              </a:lnSpc>
+              <a:spcBef>
+                <a:spcPts val="1000"/>
+              </a:spcBef>
+              <a:buFont typeface="Arial" panose="020B0604020202020204" pitchFamily="34" charset="0"/>
+              <a:buChar char="•"/>
+              <a:defRPr sz="2800" kern="1200">
+                <a:solidFill>
+                  <a:schemeClr val="tx1"/>
+                </a:solidFill>
+                <a:latin typeface="+mn-lt"/>
+                <a:ea typeface="+mn-ea"/>
+                <a:cs typeface="+mn-cs"/>
+              </a:defRPr>
+            </a:lvl1pPr>
+            <a:lvl2pPr marL="685800" indent="-228600" algn="l" defTabSz="914400" rtl="0" eaLnBrk="1" latinLnBrk="0" hangingPunct="1">
+              <a:lnSpc>
+                <a:spcPct val="90000"/>
+              </a:lnSpc>
+              <a:spcBef>
+                <a:spcPts val="500"/>
+              </a:spcBef>
+              <a:buFont typeface="Arial" panose="020B0604020202020204" pitchFamily="34" charset="0"/>
+              <a:buChar char="•"/>
+              <a:defRPr sz="2400" kern="1200">
+                <a:solidFill>
+                  <a:schemeClr val="tx1"/>
+                </a:solidFill>
+                <a:latin typeface="+mn-lt"/>
+                <a:ea typeface="+mn-ea"/>
+                <a:cs typeface="+mn-cs"/>
+              </a:defRPr>
+            </a:lvl2pPr>
+            <a:lvl3pPr marL="1143000" indent="-228600" algn="l" defTabSz="914400" rtl="0" eaLnBrk="1" latinLnBrk="0" hangingPunct="1">
+              <a:lnSpc>
+                <a:spcPct val="90000"/>
+              </a:lnSpc>
+              <a:spcBef>
+                <a:spcPts val="500"/>
+              </a:spcBef>
+              <a:buFont typeface="Arial" panose="020B0604020202020204" pitchFamily="34" charset="0"/>
+              <a:buChar char="•"/>
+              <a:defRPr sz="2000" kern="1200">
+                <a:solidFill>
+                  <a:schemeClr val="tx1"/>
+                </a:solidFill>
+                <a:latin typeface="+mn-lt"/>
+                <a:ea typeface="+mn-ea"/>
+                <a:cs typeface="+mn-cs"/>
+              </a:defRPr>
+            </a:lvl3pPr>
+            <a:lvl4pPr marL="1600200" indent="-228600" algn="l" defTabSz="914400" rtl="0" eaLnBrk="1" latinLnBrk="0" hangingPunct="1">
+              <a:lnSpc>
+                <a:spcPct val="90000"/>
+              </a:lnSpc>
+              <a:spcBef>
+                <a:spcPts val="500"/>
+              </a:spcBef>
+              <a:buFont typeface="Arial" panose="020B0604020202020204" pitchFamily="34" charset="0"/>
+              <a:buChar char="•"/>
+              <a:defRPr sz="1800" kern="1200">
+                <a:solidFill>
+                  <a:schemeClr val="tx1"/>
+                </a:solidFill>
+                <a:latin typeface="+mn-lt"/>
+                <a:ea typeface="+mn-ea"/>
+                <a:cs typeface="+mn-cs"/>
+              </a:defRPr>
+            </a:lvl4pPr>
+            <a:lvl5pPr marL="2057400" indent="-228600" algn="l" defTabSz="914400" rtl="0" eaLnBrk="1" latinLnBrk="0" hangingPunct="1">
+              <a:lnSpc>
+                <a:spcPct val="90000"/>
+              </a:lnSpc>
+              <a:spcBef>
+                <a:spcPts val="500"/>
+              </a:spcBef>
+              <a:buFont typeface="Arial" panose="020B0604020202020204" pitchFamily="34" charset="0"/>
+              <a:buChar char="•"/>
+              <a:defRPr sz="1800" kern="1200">
+                <a:solidFill>
+                  <a:schemeClr val="tx1"/>
+                </a:solidFill>
+                <a:latin typeface="+mn-lt"/>
+                <a:ea typeface="+mn-ea"/>
+                <a:cs typeface="+mn-cs"/>
+              </a:defRPr>
+            </a:lvl5pPr>
+            <a:lvl6pPr marL="2514600" indent="-228600" algn="l" defTabSz="914400" rtl="0" eaLnBrk="1" latinLnBrk="0" hangingPunct="1">
+              <a:lnSpc>
+                <a:spcPct val="90000"/>
+              </a:lnSpc>
+              <a:spcBef>
+                <a:spcPts val="500"/>
+              </a:spcBef>
+              <a:buFont typeface="Arial" panose="020B0604020202020204" pitchFamily="34" charset="0"/>
+              <a:buChar char="•"/>
+              <a:defRPr sz="1800" kern="1200">
+                <a:solidFill>
+                  <a:schemeClr val="tx1"/>
+                </a:solidFill>
+                <a:latin typeface="+mn-lt"/>
+                <a:ea typeface="+mn-ea"/>
+                <a:cs typeface="+mn-cs"/>
+              </a:defRPr>
+            </a:lvl6pPr>
+            <a:lvl7pPr marL="2971800" indent="-228600" algn="l" defTabSz="914400" rtl="0" eaLnBrk="1" latinLnBrk="0" hangingPunct="1">
+              <a:lnSpc>
+                <a:spcPct val="90000"/>
+              </a:lnSpc>
+              <a:spcBef>
+                <a:spcPts val="500"/>
+              </a:spcBef>
+              <a:buFont typeface="Arial" panose="020B0604020202020204" pitchFamily="34" charset="0"/>
+              <a:buChar char="•"/>
+              <a:defRPr sz="1800" kern="1200">
+                <a:solidFill>
+                  <a:schemeClr val="tx1"/>
+                </a:solidFill>
+                <a:latin typeface="+mn-lt"/>
+                <a:ea typeface="+mn-ea"/>
+                <a:cs typeface="+mn-cs"/>
+              </a:defRPr>
+            </a:lvl7pPr>
+            <a:lvl8pPr marL="3429000" indent="-228600" algn="l" defTabSz="914400" rtl="0" eaLnBrk="1" latinLnBrk="0" hangingPunct="1">
+              <a:lnSpc>
+                <a:spcPct val="90000"/>
+              </a:lnSpc>
+              <a:spcBef>
+                <a:spcPts val="500"/>
+              </a:spcBef>
+              <a:buFont typeface="Arial" panose="020B0604020202020204" pitchFamily="34" charset="0"/>
+              <a:buChar char="•"/>
+              <a:defRPr sz="1800" kern="1200">
+                <a:solidFill>
+                  <a:schemeClr val="tx1"/>
+                </a:solidFill>
+                <a:latin typeface="+mn-lt"/>
+                <a:ea typeface="+mn-ea"/>
+                <a:cs typeface="+mn-cs"/>
+              </a:defRPr>
+            </a:lvl8pPr>
+            <a:lvl9pPr marL="3886200" indent="-228600" algn="l" defTabSz="914400" rtl="0" eaLnBrk="1" latinLnBrk="0" hangingPunct="1">
+              <a:lnSpc>
+                <a:spcPct val="90000"/>
+              </a:lnSpc>
+              <a:spcBef>
+                <a:spcPts val="500"/>
+              </a:spcBef>
+              <a:buFont typeface="Arial" panose="020B0604020202020204" pitchFamily="34" charset="0"/>
+              <a:buChar char="•"/>
+              <a:defRPr sz="1800" kern="1200">
+                <a:solidFill>
+                  <a:schemeClr val="tx1"/>
+                </a:solidFill>
+                <a:latin typeface="+mn-lt"/>
+                <a:ea typeface="+mn-ea"/>
+                <a:cs typeface="+mn-cs"/>
+              </a:defRPr>
+            </a:lvl9pPr>
+          </a:lstStyle>
+          <a:p>
+            <a:r>
+              <a:rPr lang="pt-BR" sz="2400" dirty="0">
+                <a:latin typeface="Arial" panose="020B0604020202020204" pitchFamily="34" charset="0"/>
+                <a:cs typeface="Arial" panose="020B0604020202020204" pitchFamily="34" charset="0"/>
+              </a:rPr>
+              <a:t>Metodologia e diretrizes para análise de carga em MCV</a:t>
+            </a:r>
+            <a:br>
+              <a:rPr lang="pt-BR" sz="2400" dirty="0">
+                <a:latin typeface="Arial" panose="020B0604020202020204" pitchFamily="34" charset="0"/>
+                <a:cs typeface="Arial" panose="020B0604020202020204" pitchFamily="34" charset="0"/>
+              </a:rPr>
+            </a:br>
+            <a:r>
+              <a:rPr lang="pt-BR" sz="2400" dirty="0">
+                <a:latin typeface="Arial" panose="020B0604020202020204" pitchFamily="34" charset="0"/>
+                <a:cs typeface="Arial" panose="020B0604020202020204" pitchFamily="34" charset="0"/>
+              </a:rPr>
+              <a:t>(ET-3000.00-1500-941-PMU-006 Ver. C)</a:t>
+            </a:r>
+          </a:p>
+          <a:p>
+            <a:pPr lvl="1"/>
+            <a:r>
+              <a:rPr lang="pt-BR" sz="2000" dirty="0">
+                <a:latin typeface="Arial" panose="020B0604020202020204" pitchFamily="34" charset="0"/>
+                <a:cs typeface="Arial" panose="020B0604020202020204" pitchFamily="34" charset="0"/>
+              </a:rPr>
+              <a:t>Construção do modelo</a:t>
+            </a:r>
+          </a:p>
+          <a:p>
+            <a:pPr lvl="2"/>
+            <a:r>
+              <a:rPr lang="pt-BR" sz="1800" dirty="0">
+                <a:latin typeface="Arial" panose="020B0604020202020204" pitchFamily="34" charset="0"/>
+                <a:cs typeface="Arial" panose="020B0604020202020204" pitchFamily="34" charset="0"/>
+              </a:rPr>
+              <a:t>Dados do solo</a:t>
+            </a:r>
+          </a:p>
+          <a:p>
+            <a:pPr lvl="2"/>
+            <a:r>
+              <a:rPr lang="pt-BR" sz="1800" dirty="0">
+                <a:latin typeface="Arial" panose="020B0604020202020204" pitchFamily="34" charset="0"/>
+                <a:cs typeface="Arial" panose="020B0604020202020204" pitchFamily="34" charset="0"/>
+              </a:rPr>
+              <a:t>Modelagem do duto e acessórios</a:t>
+            </a:r>
+          </a:p>
+          <a:p>
+            <a:pPr lvl="1"/>
+            <a:r>
+              <a:rPr lang="pt-BR" sz="2000" dirty="0">
+                <a:latin typeface="Arial" panose="020B0604020202020204" pitchFamily="34" charset="0"/>
+                <a:cs typeface="Arial" panose="020B0604020202020204" pitchFamily="34" charset="0"/>
+              </a:rPr>
+              <a:t>Metodologia</a:t>
+            </a:r>
+          </a:p>
+          <a:p>
+            <a:pPr lvl="2"/>
+            <a:r>
+              <a:rPr lang="pt-BR" sz="1800" dirty="0">
+                <a:latin typeface="Arial" panose="020B0604020202020204" pitchFamily="34" charset="0"/>
+                <a:cs typeface="Arial" panose="020B0604020202020204" pitchFamily="34" charset="0"/>
+              </a:rPr>
+              <a:t>Caso 2 – Condição de equilíbrio – Análise estática</a:t>
+            </a:r>
+          </a:p>
+          <a:p>
+            <a:pPr lvl="2"/>
+            <a:r>
+              <a:rPr lang="pt-BR" sz="1800" dirty="0">
+                <a:latin typeface="Arial" panose="020B0604020202020204" pitchFamily="34" charset="0"/>
+                <a:cs typeface="Arial" panose="020B0604020202020204" pitchFamily="34" charset="0"/>
+              </a:rPr>
+              <a:t>Caso 3 – MCV conectado ao hub</a:t>
+            </a:r>
+          </a:p>
+          <a:p>
+            <a:pPr lvl="1"/>
+            <a:r>
+              <a:rPr lang="pt-BR" sz="2000" dirty="0">
+                <a:latin typeface="Arial" panose="020B0604020202020204" pitchFamily="34" charset="0"/>
+                <a:cs typeface="Arial" panose="020B0604020202020204" pitchFamily="34" charset="0"/>
+              </a:rPr>
+              <a:t>Diretrizes para elaboração de configuração</a:t>
+            </a:r>
+          </a:p>
+          <a:p>
+            <a:pPr lvl="2"/>
+            <a:r>
+              <a:rPr lang="pt-BR" sz="1800" dirty="0">
+                <a:latin typeface="Arial" panose="020B0604020202020204" pitchFamily="34" charset="0"/>
+                <a:cs typeface="Arial" panose="020B0604020202020204" pitchFamily="34" charset="0"/>
+              </a:rPr>
+              <a:t>Posicionamento de flutuadores</a:t>
+            </a:r>
+          </a:p>
+          <a:p>
+            <a:pPr lvl="2"/>
+            <a:r>
+              <a:rPr lang="pt-BR" sz="1800" dirty="0">
+                <a:latin typeface="Arial" panose="020B0604020202020204" pitchFamily="34" charset="0"/>
+                <a:cs typeface="Arial" panose="020B0604020202020204" pitchFamily="34" charset="0"/>
+              </a:rPr>
+              <a:t>Configuração da linha</a:t>
+            </a:r>
+          </a:p>
+          <a:p>
+            <a:pPr lvl="2"/>
+            <a:r>
+              <a:rPr lang="pt-BR" sz="1800" dirty="0">
+                <a:latin typeface="Arial" panose="020B0604020202020204" pitchFamily="34" charset="0"/>
+                <a:cs typeface="Arial" panose="020B0604020202020204" pitchFamily="34" charset="0"/>
+              </a:rPr>
+              <a:t>Considerações finais</a:t>
+            </a:r>
+          </a:p>
+          <a:p>
+            <a:pPr lvl="1"/>
+            <a:r>
+              <a:rPr lang="pt-BR" sz="2000" dirty="0">
+                <a:latin typeface="Arial" panose="020B0604020202020204" pitchFamily="34" charset="0"/>
+                <a:cs typeface="Arial" panose="020B0604020202020204" pitchFamily="34" charset="0"/>
+              </a:rPr>
+              <a:t>Ações mitigatórias</a:t>
             </a:r>
           </a:p>
         </p:txBody>
@@ -3984,17 +4257,29 @@
     </p:spTree>
     <p:extLst>
       <p:ext uri="{BB962C8B-B14F-4D97-AF65-F5344CB8AC3E}">
-        <p14:creationId xmlns:p14="http://schemas.microsoft.com/office/powerpoint/2010/main" val="4201206099"/>
+        <p14:creationId xmlns:p14="http://schemas.microsoft.com/office/powerpoint/2010/main" val="1302068484"/>
       </p:ext>
     </p:extLst>
   </p:cSld>
   <p:clrMapOvr>
     <a:masterClrMapping/>
   </p:clrMapOvr>
+  <mc:AlternateContent xmlns:mc="http://schemas.openxmlformats.org/markup-compatibility/2006">
+    <mc:Choice xmlns:p159="http://schemas.microsoft.com/office/powerpoint/2015/09/main" Requires="p159">
+      <p:transition xmlns:p14="http://schemas.microsoft.com/office/powerpoint/2010/main" spd="slow" p14:dur="2500">
+        <p159:morph option="byObject"/>
+      </p:transition>
+    </mc:Choice>
+    <mc:Fallback>
+      <p:transition spd="slow">
+        <p:fade/>
+      </p:transition>
+    </mc:Fallback>
+  </mc:AlternateContent>
 </p:sld>
 </file>
 
-<file path=ppt/slides/slide2.xml><?xml version="1.0" encoding="utf-8"?>
+<file path=ppt/slides/slide11.xml><?xml version="1.0" encoding="utf-8"?>
 <p:sld xmlns:a="http://schemas.openxmlformats.org/drawingml/2006/main" xmlns:r="http://schemas.openxmlformats.org/officeDocument/2006/relationships" xmlns:p="http://schemas.openxmlformats.org/presentationml/2006/main">
   <p:cSld>
     <p:spTree>
@@ -4070,150 +4355,84 @@
           <p:cNvPr id="3" name="Title 2">
             <a:extLst>
               <a:ext uri="{FF2B5EF4-FFF2-40B4-BE49-F238E27FC236}">
-                <a16:creationId xmlns:a16="http://schemas.microsoft.com/office/drawing/2014/main" id="{9CCC268E-6589-78FC-4285-4998D7F95CFA}"/>
-              </a:ext>
-            </a:extLst>
-          </p:cNvPr>
-          <p:cNvSpPr>
-            <a:spLocks noGrp="1"/>
+                <a16:creationId xmlns:a16="http://schemas.microsoft.com/office/drawing/2014/main" id="{EBD85381-0702-B9DF-2BC5-F04275DDA1C8}"/>
+              </a:ext>
+            </a:extLst>
+          </p:cNvPr>
+          <p:cNvSpPr txBox="1">
+            <a:spLocks/>
           </p:cNvSpPr>
-          <p:nvPr>
-            <p:ph type="ctrTitle"/>
-          </p:nvPr>
+          <p:nvPr/>
         </p:nvSpPr>
         <p:spPr>
           <a:xfrm>
             <a:off x="559267" y="476411"/>
             <a:ext cx="9144000" cy="505102"/>
           </a:xfrm>
+          <a:prstGeom prst="rect">
+            <a:avLst/>
+          </a:prstGeom>
         </p:spPr>
         <p:txBody>
           <a:bodyPr anchor="t">
-            <a:normAutofit fontScale="90000"/>
+            <a:normAutofit fontScale="90000" lnSpcReduction="10000"/>
           </a:bodyPr>
-          <a:lstStyle/>
-          <a:p>
-            <a:pPr algn="l"/>
+          <a:lstStyle>
+            <a:lvl1pPr algn="l" defTabSz="914400" rtl="0" eaLnBrk="1" latinLnBrk="0" hangingPunct="1">
+              <a:lnSpc>
+                <a:spcPct val="90000"/>
+              </a:lnSpc>
+              <a:spcBef>
+                <a:spcPct val="0"/>
+              </a:spcBef>
+              <a:buNone/>
+              <a:defRPr sz="4400" kern="1200">
+                <a:solidFill>
+                  <a:schemeClr val="tx1"/>
+                </a:solidFill>
+                <a:latin typeface="+mj-lt"/>
+                <a:ea typeface="+mj-ea"/>
+                <a:cs typeface="+mj-cs"/>
+              </a:defRPr>
+            </a:lvl1pPr>
+          </a:lstStyle>
+          <a:p>
             <a:r>
               <a:rPr lang="pt-BR" sz="3600" b="1" dirty="0">
                 <a:latin typeface="Arial" panose="020B0604020202020204" pitchFamily="34" charset="0"/>
                 <a:cs typeface="Arial" panose="020B0604020202020204" pitchFamily="34" charset="0"/>
               </a:rPr>
-              <a:t>Sumário</a:t>
-            </a:r>
-          </a:p>
-        </p:txBody>
-      </p:sp>
-      <p:sp>
-        <p:nvSpPr>
-          <p:cNvPr id="4" name="Subtitle 3">
-            <a:extLst>
-              <a:ext uri="{FF2B5EF4-FFF2-40B4-BE49-F238E27FC236}">
-                <a16:creationId xmlns:a16="http://schemas.microsoft.com/office/drawing/2014/main" id="{F206B082-B89C-1DF4-DEF7-1944756ABF9D}"/>
-              </a:ext>
-            </a:extLst>
-          </p:cNvPr>
-          <p:cNvSpPr>
-            <a:spLocks noGrp="1"/>
-          </p:cNvSpPr>
-          <p:nvPr>
-            <p:ph type="subTitle" idx="1"/>
-          </p:nvPr>
-        </p:nvSpPr>
-        <p:spPr>
-          <a:xfrm>
-            <a:off x="559267" y="1286676"/>
-            <a:ext cx="6579764" cy="4484949"/>
-          </a:xfrm>
-        </p:spPr>
-        <p:txBody>
-          <a:bodyPr anchor="t"/>
-          <a:lstStyle/>
-          <a:p>
-            <a:pPr marL="457200" indent="-457200" algn="l">
-              <a:buAutoNum type="arabicPeriod"/>
-            </a:pPr>
-            <a:r>
-              <a:rPr lang="pt-BR" dirty="0"/>
-              <a:t>Operação de conexão vertical direta</a:t>
-            </a:r>
-          </a:p>
-          <a:p>
-            <a:pPr marL="457200" indent="-457200" algn="l">
-              <a:buAutoNum type="arabicPeriod"/>
-            </a:pPr>
-            <a:r>
-              <a:rPr lang="pt-BR" dirty="0"/>
-              <a:t>Especificações técnicas</a:t>
-            </a:r>
-          </a:p>
-          <a:p>
-            <a:pPr marL="457200" indent="-457200" algn="l">
-              <a:buAutoNum type="arabicPeriod"/>
-            </a:pPr>
-            <a:r>
-              <a:rPr lang="pt-BR" dirty="0"/>
-              <a:t>Metodologia de análise adotada</a:t>
-            </a:r>
-          </a:p>
-          <a:p>
-            <a:pPr marL="457200" indent="-457200" algn="l">
-              <a:buAutoNum type="arabicPeriod"/>
-            </a:pPr>
-            <a:r>
-              <a:rPr lang="pt-BR" dirty="0"/>
-              <a:t>Interface e Modelagem</a:t>
-            </a:r>
-          </a:p>
-          <a:p>
-            <a:pPr marL="457200" indent="-457200" algn="l">
-              <a:buAutoNum type="arabicPeriod"/>
-            </a:pPr>
-            <a:r>
-              <a:rPr lang="pt-BR" dirty="0"/>
-              <a:t>Funcionamento da ferramenta computacional</a:t>
-            </a:r>
-          </a:p>
-          <a:p>
-            <a:pPr marL="457200" indent="-457200" algn="l">
-              <a:buAutoNum type="arabicPeriod"/>
-            </a:pPr>
-            <a:r>
-              <a:rPr lang="pt-BR" dirty="0"/>
-              <a:t>Avaliação dos resultados</a:t>
-            </a:r>
-          </a:p>
-          <a:p>
-            <a:pPr marL="457200" indent="-457200" algn="l">
-              <a:buAutoNum type="arabicPeriod"/>
-            </a:pPr>
-            <a:r>
-              <a:rPr lang="pt-BR" dirty="0"/>
-              <a:t>Sugestões de melhoria</a:t>
-            </a:r>
-          </a:p>
-          <a:p>
-            <a:pPr marL="457200" indent="-457200" algn="l">
-              <a:buAutoNum type="arabicPeriod"/>
-            </a:pPr>
-            <a:endParaRPr lang="pt-BR" dirty="0"/>
+              <a:t>Interface e modelagem</a:t>
+            </a:r>
           </a:p>
         </p:txBody>
       </p:sp>
     </p:spTree>
     <p:extLst>
       <p:ext uri="{BB962C8B-B14F-4D97-AF65-F5344CB8AC3E}">
-        <p14:creationId xmlns:p14="http://schemas.microsoft.com/office/powerpoint/2010/main" val="2531274135"/>
+        <p14:creationId xmlns:p14="http://schemas.microsoft.com/office/powerpoint/2010/main" val="2458134780"/>
       </p:ext>
     </p:extLst>
   </p:cSld>
   <p:clrMapOvr>
     <a:masterClrMapping/>
   </p:clrMapOvr>
+  <mc:AlternateContent xmlns:mc="http://schemas.openxmlformats.org/markup-compatibility/2006">
+    <mc:Choice xmlns:p159="http://schemas.microsoft.com/office/powerpoint/2015/09/main" Requires="p159">
+      <p:transition xmlns:p14="http://schemas.microsoft.com/office/powerpoint/2010/main" spd="slow" p14:dur="2500">
+        <p159:morph option="byObject"/>
+      </p:transition>
+    </mc:Choice>
+    <mc:Fallback>
+      <p:transition spd="slow">
+        <p:fade/>
+      </p:transition>
+    </mc:Fallback>
+  </mc:AlternateContent>
 </p:sld>
 </file>
 
-<file path=ppt/slides/slide3.xml><?xml version="1.0" encoding="utf-8"?>
+<file path=ppt/slides/slide12.xml><?xml version="1.0" encoding="utf-8"?>
 <p:sld xmlns:a="http://schemas.openxmlformats.org/drawingml/2006/main" xmlns:r="http://schemas.openxmlformats.org/officeDocument/2006/relationships" xmlns:p="http://schemas.openxmlformats.org/presentationml/2006/main">
   <p:cSld>
     <p:spTree>
@@ -4232,65 +4451,10 @@
       </p:grpSpPr>
       <p:sp>
         <p:nvSpPr>
-          <p:cNvPr id="3" name="Content Placeholder 2">
-            <a:extLst>
-              <a:ext uri="{FF2B5EF4-FFF2-40B4-BE49-F238E27FC236}">
-                <a16:creationId xmlns:a16="http://schemas.microsoft.com/office/drawing/2014/main" id="{FE0B3BFD-A03A-02CC-6EDF-C1EBE6615B08}"/>
-              </a:ext>
-            </a:extLst>
-          </p:cNvPr>
-          <p:cNvSpPr>
-            <a:spLocks noGrp="1"/>
-          </p:cNvSpPr>
-          <p:nvPr>
-            <p:ph idx="1"/>
-          </p:nvPr>
-        </p:nvSpPr>
-        <p:spPr/>
-        <p:txBody>
-          <a:bodyPr anchor="ctr"/>
-          <a:lstStyle/>
-          <a:p>
-            <a:endParaRPr lang="pt-BR"/>
-          </a:p>
-        </p:txBody>
-      </p:sp>
-      <p:sp>
-        <p:nvSpPr>
-          <p:cNvPr id="4" name="Text Placeholder 3">
-            <a:extLst>
-              <a:ext uri="{FF2B5EF4-FFF2-40B4-BE49-F238E27FC236}">
-                <a16:creationId xmlns:a16="http://schemas.microsoft.com/office/drawing/2014/main" id="{FAF9CD9F-0AEF-D5BD-D4B3-AA85A3418558}"/>
-              </a:ext>
-            </a:extLst>
-          </p:cNvPr>
-          <p:cNvSpPr>
-            <a:spLocks noGrp="1"/>
-          </p:cNvSpPr>
-          <p:nvPr>
-            <p:ph type="body" sz="half" idx="2"/>
-          </p:nvPr>
-        </p:nvSpPr>
-        <p:spPr>
-          <a:xfrm>
-            <a:off x="839788" y="981513"/>
-            <a:ext cx="3932237" cy="4887475"/>
-          </a:xfrm>
-        </p:spPr>
-        <p:txBody>
-          <a:bodyPr anchor="ctr"/>
-          <a:lstStyle/>
-          <a:p>
-            <a:endParaRPr lang="pt-BR"/>
-          </a:p>
-        </p:txBody>
-      </p:sp>
-      <p:sp>
-        <p:nvSpPr>
-          <p:cNvPr id="5" name="Rectangle 4">
-            <a:extLst>
-              <a:ext uri="{FF2B5EF4-FFF2-40B4-BE49-F238E27FC236}">
-                <a16:creationId xmlns:a16="http://schemas.microsoft.com/office/drawing/2014/main" id="{11BBF056-23D5-C3E8-3357-1D489A5A9A0E}"/>
+          <p:cNvPr id="2" name="Rectangle 1">
+            <a:extLst>
+              <a:ext uri="{FF2B5EF4-FFF2-40B4-BE49-F238E27FC236}">
+                <a16:creationId xmlns:a16="http://schemas.microsoft.com/office/drawing/2014/main" id="{82A3C9AA-781F-2788-A27C-A4DF89D5F5F7}"/>
               </a:ext>
             </a:extLst>
           </p:cNvPr>
@@ -4341,10 +4505,10 @@
       </p:sp>
       <p:sp>
         <p:nvSpPr>
-          <p:cNvPr id="6" name="Title 2">
-            <a:extLst>
-              <a:ext uri="{FF2B5EF4-FFF2-40B4-BE49-F238E27FC236}">
-                <a16:creationId xmlns:a16="http://schemas.microsoft.com/office/drawing/2014/main" id="{0A73B901-A900-96C0-1548-2EB1B21DEF1D}"/>
+          <p:cNvPr id="3" name="Title 2">
+            <a:extLst>
+              <a:ext uri="{FF2B5EF4-FFF2-40B4-BE49-F238E27FC236}">
+                <a16:creationId xmlns:a16="http://schemas.microsoft.com/office/drawing/2014/main" id="{45860716-23C8-6DA9-3CEE-498958C377B4}"/>
               </a:ext>
             </a:extLst>
           </p:cNvPr>
@@ -4391,66 +4555,37 @@
                 <a:latin typeface="Arial" panose="020B0604020202020204" pitchFamily="34" charset="0"/>
                 <a:cs typeface="Arial" panose="020B0604020202020204" pitchFamily="34" charset="0"/>
               </a:rPr>
-              <a:t>Operação de conexão vertical direta</a:t>
-            </a:r>
-          </a:p>
-        </p:txBody>
-      </p:sp>
-      <p:pic>
-        <p:nvPicPr>
-          <p:cNvPr id="7" name="Picture 6">
-            <a:extLst>
-              <a:ext uri="{FF2B5EF4-FFF2-40B4-BE49-F238E27FC236}">
-                <a16:creationId xmlns:a16="http://schemas.microsoft.com/office/drawing/2014/main" id="{54565959-F09B-D5AB-93F1-4D54AD1C8D39}"/>
-              </a:ext>
-            </a:extLst>
-          </p:cNvPr>
-          <p:cNvPicPr>
-            <a:picLocks noChangeAspect="1"/>
-          </p:cNvPicPr>
-          <p:nvPr/>
-        </p:nvPicPr>
-        <p:blipFill>
-          <a:blip r:embed="rId2" cstate="print">
-            <a:extLst>
-              <a:ext uri="{28A0092B-C50C-407E-A947-70E740481C1C}">
-                <a14:useLocalDpi xmlns:a14="http://schemas.microsoft.com/office/drawing/2010/main" val="0"/>
-              </a:ext>
-            </a:extLst>
-          </a:blip>
-          <a:srcRect/>
-          <a:stretch>
-            <a:fillRect/>
-          </a:stretch>
-        </p:blipFill>
-        <p:spPr bwMode="auto">
-          <a:xfrm>
-            <a:off x="1851689" y="2372162"/>
-            <a:ext cx="2767330" cy="2247900"/>
-          </a:xfrm>
-          <a:prstGeom prst="rect">
-            <a:avLst/>
-          </a:prstGeom>
-          <a:noFill/>
-          <a:ln>
-            <a:noFill/>
-          </a:ln>
-        </p:spPr>
-      </p:pic>
+              <a:t>Funcionamento de ferramenta computacional</a:t>
+            </a:r>
+          </a:p>
+        </p:txBody>
+      </p:sp>
     </p:spTree>
     <p:extLst>
       <p:ext uri="{BB962C8B-B14F-4D97-AF65-F5344CB8AC3E}">
-        <p14:creationId xmlns:p14="http://schemas.microsoft.com/office/powerpoint/2010/main" val="3184959953"/>
+        <p14:creationId xmlns:p14="http://schemas.microsoft.com/office/powerpoint/2010/main" val="4288898077"/>
       </p:ext>
     </p:extLst>
   </p:cSld>
   <p:clrMapOvr>
     <a:masterClrMapping/>
   </p:clrMapOvr>
+  <mc:AlternateContent xmlns:mc="http://schemas.openxmlformats.org/markup-compatibility/2006">
+    <mc:Choice xmlns:p159="http://schemas.microsoft.com/office/powerpoint/2015/09/main" Requires="p159">
+      <p:transition xmlns:p14="http://schemas.microsoft.com/office/powerpoint/2010/main" spd="slow" p14:dur="2500">
+        <p159:morph option="byObject"/>
+      </p:transition>
+    </mc:Choice>
+    <mc:Fallback>
+      <p:transition spd="slow">
+        <p:fade/>
+      </p:transition>
+    </mc:Fallback>
+  </mc:AlternateContent>
 </p:sld>
 </file>
 
-<file path=ppt/slides/slide4.xml><?xml version="1.0" encoding="utf-8"?>
+<file path=ppt/slides/slide13.xml><?xml version="1.0" encoding="utf-8"?>
 <p:sld xmlns:a="http://schemas.openxmlformats.org/drawingml/2006/main" xmlns:r="http://schemas.openxmlformats.org/officeDocument/2006/relationships" xmlns:p="http://schemas.openxmlformats.org/presentationml/2006/main">
   <p:cSld>
     <p:spTree>
@@ -4526,7 +4661,7 @@
           <p:cNvPr id="3" name="Title 2">
             <a:extLst>
               <a:ext uri="{FF2B5EF4-FFF2-40B4-BE49-F238E27FC236}">
-                <a16:creationId xmlns:a16="http://schemas.microsoft.com/office/drawing/2014/main" id="{EF41C3DC-A068-3CFD-C4B2-D8F09AA1D675}"/>
+                <a16:creationId xmlns:a16="http://schemas.microsoft.com/office/drawing/2014/main" id="{8BCDE2F9-2808-4533-64CB-A82354E98D82}"/>
               </a:ext>
             </a:extLst>
           </p:cNvPr>
@@ -4573,7 +4708,7 @@
                 <a:latin typeface="Arial" panose="020B0604020202020204" pitchFamily="34" charset="0"/>
                 <a:cs typeface="Arial" panose="020B0604020202020204" pitchFamily="34" charset="0"/>
               </a:rPr>
-              <a:t>Especificações técnicas</a:t>
+              <a:t>Avaliação dos resultados</a:t>
             </a:r>
           </a:p>
         </p:txBody>
@@ -4581,17 +4716,29 @@
     </p:spTree>
     <p:extLst>
       <p:ext uri="{BB962C8B-B14F-4D97-AF65-F5344CB8AC3E}">
-        <p14:creationId xmlns:p14="http://schemas.microsoft.com/office/powerpoint/2010/main" val="2694854849"/>
+        <p14:creationId xmlns:p14="http://schemas.microsoft.com/office/powerpoint/2010/main" val="2737590366"/>
       </p:ext>
     </p:extLst>
   </p:cSld>
   <p:clrMapOvr>
     <a:masterClrMapping/>
   </p:clrMapOvr>
+  <mc:AlternateContent xmlns:mc="http://schemas.openxmlformats.org/markup-compatibility/2006">
+    <mc:Choice xmlns:p159="http://schemas.microsoft.com/office/powerpoint/2015/09/main" Requires="p159">
+      <p:transition xmlns:p14="http://schemas.microsoft.com/office/powerpoint/2010/main" spd="slow" p14:dur="2500">
+        <p159:morph option="byObject"/>
+      </p:transition>
+    </mc:Choice>
+    <mc:Fallback>
+      <p:transition spd="slow">
+        <p:fade/>
+      </p:transition>
+    </mc:Fallback>
+  </mc:AlternateContent>
 </p:sld>
 </file>
 
-<file path=ppt/slides/slide5.xml><?xml version="1.0" encoding="utf-8"?>
+<file path=ppt/slides/slide14.xml><?xml version="1.0" encoding="utf-8"?>
 <p:sld xmlns:a="http://schemas.openxmlformats.org/drawingml/2006/main" xmlns:r="http://schemas.openxmlformats.org/officeDocument/2006/relationships" xmlns:p="http://schemas.openxmlformats.org/presentationml/2006/main">
   <p:cSld>
     <p:spTree>
@@ -4667,7 +4814,7 @@
           <p:cNvPr id="3" name="Title 2">
             <a:extLst>
               <a:ext uri="{FF2B5EF4-FFF2-40B4-BE49-F238E27FC236}">
-                <a16:creationId xmlns:a16="http://schemas.microsoft.com/office/drawing/2014/main" id="{7BB8497F-5118-F644-C0A6-7A1B214426A3}"/>
+                <a16:creationId xmlns:a16="http://schemas.microsoft.com/office/drawing/2014/main" id="{241CAAEF-DA1F-B5C1-CAE9-893D49F6CAA6}"/>
               </a:ext>
             </a:extLst>
           </p:cNvPr>
@@ -4714,7 +4861,7 @@
                 <a:latin typeface="Arial" panose="020B0604020202020204" pitchFamily="34" charset="0"/>
                 <a:cs typeface="Arial" panose="020B0604020202020204" pitchFamily="34" charset="0"/>
               </a:rPr>
-              <a:t>Metodologia de análise adotada</a:t>
+              <a:t>Sugestões de melhoria</a:t>
             </a:r>
           </a:p>
         </p:txBody>
@@ -4722,17 +4869,29 @@
     </p:spTree>
     <p:extLst>
       <p:ext uri="{BB962C8B-B14F-4D97-AF65-F5344CB8AC3E}">
-        <p14:creationId xmlns:p14="http://schemas.microsoft.com/office/powerpoint/2010/main" val="3019860246"/>
+        <p14:creationId xmlns:p14="http://schemas.microsoft.com/office/powerpoint/2010/main" val="2997200699"/>
       </p:ext>
     </p:extLst>
   </p:cSld>
   <p:clrMapOvr>
     <a:masterClrMapping/>
   </p:clrMapOvr>
+  <mc:AlternateContent xmlns:mc="http://schemas.openxmlformats.org/markup-compatibility/2006">
+    <mc:Choice xmlns:p159="http://schemas.microsoft.com/office/powerpoint/2015/09/main" Requires="p159">
+      <p:transition xmlns:p14="http://schemas.microsoft.com/office/powerpoint/2010/main" spd="slow" p14:dur="2500">
+        <p159:morph option="byObject"/>
+      </p:transition>
+    </mc:Choice>
+    <mc:Fallback>
+      <p:transition spd="slow">
+        <p:fade/>
+      </p:transition>
+    </mc:Fallback>
+  </mc:AlternateContent>
 </p:sld>
 </file>
 
-<file path=ppt/slides/slide6.xml><?xml version="1.0" encoding="utf-8"?>
+<file path=ppt/slides/slide15.xml><?xml version="1.0" encoding="utf-8"?>
 <p:sld xmlns:a="http://schemas.openxmlformats.org/drawingml/2006/main" xmlns:r="http://schemas.openxmlformats.org/officeDocument/2006/relationships" xmlns:p="http://schemas.openxmlformats.org/presentationml/2006/main">
   <p:cSld>
     <p:spTree>
@@ -4808,7 +4967,7 @@
           <p:cNvPr id="3" name="Title 2">
             <a:extLst>
               <a:ext uri="{FF2B5EF4-FFF2-40B4-BE49-F238E27FC236}">
-                <a16:creationId xmlns:a16="http://schemas.microsoft.com/office/drawing/2014/main" id="{EBD85381-0702-B9DF-2BC5-F04275DDA1C8}"/>
+                <a16:creationId xmlns:a16="http://schemas.microsoft.com/office/drawing/2014/main" id="{241CAAEF-DA1F-B5C1-CAE9-893D49F6CAA6}"/>
               </a:ext>
             </a:extLst>
           </p:cNvPr>
@@ -4855,7 +5014,7 @@
                 <a:latin typeface="Arial" panose="020B0604020202020204" pitchFamily="34" charset="0"/>
                 <a:cs typeface="Arial" panose="020B0604020202020204" pitchFamily="34" charset="0"/>
               </a:rPr>
-              <a:t>Interface e modelagem</a:t>
+              <a:t>Referências bibliográficas</a:t>
             </a:r>
           </a:p>
         </p:txBody>
@@ -4863,17 +5022,29 @@
     </p:spTree>
     <p:extLst>
       <p:ext uri="{BB962C8B-B14F-4D97-AF65-F5344CB8AC3E}">
-        <p14:creationId xmlns:p14="http://schemas.microsoft.com/office/powerpoint/2010/main" val="2458134780"/>
+        <p14:creationId xmlns:p14="http://schemas.microsoft.com/office/powerpoint/2010/main" val="1653139192"/>
       </p:ext>
     </p:extLst>
   </p:cSld>
   <p:clrMapOvr>
     <a:masterClrMapping/>
   </p:clrMapOvr>
+  <mc:AlternateContent xmlns:mc="http://schemas.openxmlformats.org/markup-compatibility/2006">
+    <mc:Choice xmlns:p159="http://schemas.microsoft.com/office/powerpoint/2015/09/main" Requires="p159">
+      <p:transition xmlns:p14="http://schemas.microsoft.com/office/powerpoint/2010/main" spd="slow" p14:dur="2500">
+        <p159:morph option="byObject"/>
+      </p:transition>
+    </mc:Choice>
+    <mc:Fallback>
+      <p:transition spd="slow">
+        <p:fade/>
+      </p:transition>
+    </mc:Fallback>
+  </mc:AlternateContent>
 </p:sld>
 </file>
 
-<file path=ppt/slides/slide7.xml><?xml version="1.0" encoding="utf-8"?>
+<file path=ppt/slides/slide16.xml><?xml version="1.0" encoding="utf-8"?>
 <p:sld xmlns:a="http://schemas.openxmlformats.org/drawingml/2006/main" xmlns:r="http://schemas.openxmlformats.org/officeDocument/2006/relationships" xmlns:p="http://schemas.openxmlformats.org/presentationml/2006/main">
   <p:cSld>
     <p:spTree>
@@ -4892,14 +5063,49 @@
       </p:grpSpPr>
       <p:sp>
         <p:nvSpPr>
-          <p:cNvPr id="2" name="Rectangle 1">
-            <a:extLst>
-              <a:ext uri="{FF2B5EF4-FFF2-40B4-BE49-F238E27FC236}">
-                <a16:creationId xmlns:a16="http://schemas.microsoft.com/office/drawing/2014/main" id="{82A3C9AA-781F-2788-A27C-A4DF89D5F5F7}"/>
-              </a:ext>
-            </a:extLst>
-          </p:cNvPr>
-          <p:cNvSpPr/>
+          <p:cNvPr id="11" name="Title 10">
+            <a:extLst>
+              <a:ext uri="{FF2B5EF4-FFF2-40B4-BE49-F238E27FC236}">
+                <a16:creationId xmlns:a16="http://schemas.microsoft.com/office/drawing/2014/main" id="{48F5E9CF-0284-8EA5-B6F1-323FCA78800A}"/>
+              </a:ext>
+            </a:extLst>
+          </p:cNvPr>
+          <p:cNvSpPr>
+            <a:spLocks noGrp="1"/>
+          </p:cNvSpPr>
+          <p:nvPr>
+            <p:ph type="ctrTitle"/>
+          </p:nvPr>
+        </p:nvSpPr>
+        <p:spPr>
+          <a:xfrm>
+            <a:off x="1524000" y="2575419"/>
+            <a:ext cx="9144000" cy="934543"/>
+          </a:xfrm>
+        </p:spPr>
+        <p:txBody>
+          <a:bodyPr/>
+          <a:lstStyle/>
+          <a:p>
+            <a:r>
+              <a:rPr lang="pt-BR" b="1" dirty="0"/>
+              <a:t>Muito obrigado</a:t>
+            </a:r>
+          </a:p>
+        </p:txBody>
+      </p:sp>
+      <p:sp>
+        <p:nvSpPr>
+          <p:cNvPr id="4" name="Rectangle 3">
+            <a:extLst>
+              <a:ext uri="{FF2B5EF4-FFF2-40B4-BE49-F238E27FC236}">
+                <a16:creationId xmlns:a16="http://schemas.microsoft.com/office/drawing/2014/main" id="{92F02D51-EF2F-7BA9-6069-A659D6A243F7}"/>
+              </a:ext>
+            </a:extLst>
+          </p:cNvPr>
+          <p:cNvSpPr>
+            <a:spLocks noGrp="1" noRot="1" noMove="1" noResize="1" noEditPoints="1" noAdjustHandles="1" noChangeArrowheads="1" noChangeShapeType="1"/>
+          </p:cNvSpPr>
           <p:nvPr/>
         </p:nvSpPr>
         <p:spPr>
@@ -4946,10 +5152,10 @@
       </p:sp>
       <p:sp>
         <p:nvSpPr>
-          <p:cNvPr id="3" name="Title 2">
-            <a:extLst>
-              <a:ext uri="{FF2B5EF4-FFF2-40B4-BE49-F238E27FC236}">
-                <a16:creationId xmlns:a16="http://schemas.microsoft.com/office/drawing/2014/main" id="{45860716-23C8-6DA9-3CEE-498958C377B4}"/>
+          <p:cNvPr id="15" name="Título 1">
+            <a:extLst>
+              <a:ext uri="{FF2B5EF4-FFF2-40B4-BE49-F238E27FC236}">
+                <a16:creationId xmlns:a16="http://schemas.microsoft.com/office/drawing/2014/main" id="{3A3D3EEA-1D4B-CEE1-B6E5-87B834624384}"/>
               </a:ext>
             </a:extLst>
           </p:cNvPr>
@@ -4960,19 +5166,19 @@
         </p:nvSpPr>
         <p:spPr>
           <a:xfrm>
-            <a:off x="559267" y="476411"/>
-            <a:ext cx="9144000" cy="505102"/>
+            <a:off x="4837655" y="6098607"/>
+            <a:ext cx="2508308" cy="473500"/>
           </a:xfrm>
           <a:prstGeom prst="rect">
             <a:avLst/>
           </a:prstGeom>
         </p:spPr>
         <p:txBody>
-          <a:bodyPr anchor="t">
-            <a:normAutofit fontScale="90000" lnSpcReduction="10000"/>
+          <a:bodyPr vert="horz" lIns="91440" tIns="45720" rIns="91440" bIns="45720" rtlCol="0" anchor="ctr">
+            <a:normAutofit fontScale="97500"/>
           </a:bodyPr>
           <a:lstStyle>
-            <a:lvl1pPr algn="l" defTabSz="914400" rtl="0" eaLnBrk="1" latinLnBrk="0" hangingPunct="1">
+            <a:lvl1pPr algn="ctr" defTabSz="914400" rtl="0" eaLnBrk="1" latinLnBrk="0" hangingPunct="1">
               <a:lnSpc>
                 <a:spcPct val="90000"/>
               </a:lnSpc>
@@ -4980,7 +5186,7 @@
                 <a:spcPct val="0"/>
               </a:spcBef>
               <a:buNone/>
-              <a:defRPr sz="4400" kern="1200">
+              <a:defRPr sz="6000" kern="1200">
                 <a:solidFill>
                   <a:schemeClr val="tx1"/>
                 </a:solidFill>
@@ -4992,11 +5198,44 @@
           </a:lstStyle>
           <a:p>
             <a:r>
-              <a:rPr lang="pt-BR" sz="3600" b="1" dirty="0">
+              <a:rPr lang="pt-BR" sz="2800" dirty="0">
                 <a:latin typeface="Arial" panose="020B0604020202020204" pitchFamily="34" charset="0"/>
                 <a:cs typeface="Arial" panose="020B0604020202020204" pitchFamily="34" charset="0"/>
               </a:rPr>
-              <a:t>Funcionamento de ferramenta computacional</a:t>
+              <a:t>Niterói - 2024</a:t>
+            </a:r>
+          </a:p>
+        </p:txBody>
+      </p:sp>
+      <p:sp>
+        <p:nvSpPr>
+          <p:cNvPr id="7" name="Subtitle 6">
+            <a:extLst>
+              <a:ext uri="{FF2B5EF4-FFF2-40B4-BE49-F238E27FC236}">
+                <a16:creationId xmlns:a16="http://schemas.microsoft.com/office/drawing/2014/main" id="{3C47051B-F425-3128-61A0-E02FB003F766}"/>
+              </a:ext>
+            </a:extLst>
+          </p:cNvPr>
+          <p:cNvSpPr>
+            <a:spLocks noGrp="1"/>
+          </p:cNvSpPr>
+          <p:nvPr>
+            <p:ph type="subTitle" idx="1"/>
+          </p:nvPr>
+        </p:nvSpPr>
+        <p:spPr>
+          <a:xfrm>
+            <a:off x="1524000" y="3509962"/>
+            <a:ext cx="9144000" cy="534798"/>
+          </a:xfrm>
+        </p:spPr>
+        <p:txBody>
+          <a:bodyPr/>
+          <a:lstStyle/>
+          <a:p>
+            <a:r>
+              <a:rPr lang="pt-BR" dirty="0"/>
+              <a:t>(Fim da apresentação)</a:t>
             </a:r>
           </a:p>
         </p:txBody>
@@ -5004,17 +5243,29 @@
     </p:spTree>
     <p:extLst>
       <p:ext uri="{BB962C8B-B14F-4D97-AF65-F5344CB8AC3E}">
-        <p14:creationId xmlns:p14="http://schemas.microsoft.com/office/powerpoint/2010/main" val="4288898077"/>
+        <p14:creationId xmlns:p14="http://schemas.microsoft.com/office/powerpoint/2010/main" val="4201206099"/>
       </p:ext>
     </p:extLst>
   </p:cSld>
   <p:clrMapOvr>
     <a:masterClrMapping/>
   </p:clrMapOvr>
+  <mc:AlternateContent xmlns:mc="http://schemas.openxmlformats.org/markup-compatibility/2006">
+    <mc:Choice xmlns:p159="http://schemas.microsoft.com/office/powerpoint/2015/09/main" Requires="p159">
+      <p:transition xmlns:p14="http://schemas.microsoft.com/office/powerpoint/2010/main" spd="slow" p14:dur="2500">
+        <p159:morph option="byObject"/>
+      </p:transition>
+    </mc:Choice>
+    <mc:Fallback>
+      <p:transition spd="slow">
+        <p:fade/>
+      </p:transition>
+    </mc:Fallback>
+  </mc:AlternateContent>
 </p:sld>
 </file>
 
-<file path=ppt/slides/slide8.xml><?xml version="1.0" encoding="utf-8"?>
+<file path=ppt/slides/slide2.xml><?xml version="1.0" encoding="utf-8"?>
 <p:sld xmlns:a="http://schemas.openxmlformats.org/drawingml/2006/main" xmlns:r="http://schemas.openxmlformats.org/officeDocument/2006/relationships" xmlns:p="http://schemas.openxmlformats.org/presentationml/2006/main">
   <p:cSld>
     <p:spTree>
@@ -5090,72 +5341,166 @@
           <p:cNvPr id="3" name="Title 2">
             <a:extLst>
               <a:ext uri="{FF2B5EF4-FFF2-40B4-BE49-F238E27FC236}">
-                <a16:creationId xmlns:a16="http://schemas.microsoft.com/office/drawing/2014/main" id="{8BCDE2F9-2808-4533-64CB-A82354E98D82}"/>
-              </a:ext>
-            </a:extLst>
-          </p:cNvPr>
-          <p:cNvSpPr txBox="1">
-            <a:spLocks/>
+                <a16:creationId xmlns:a16="http://schemas.microsoft.com/office/drawing/2014/main" id="{9CCC268E-6589-78FC-4285-4998D7F95CFA}"/>
+              </a:ext>
+            </a:extLst>
+          </p:cNvPr>
+          <p:cNvSpPr>
+            <a:spLocks noGrp="1"/>
           </p:cNvSpPr>
-          <p:nvPr/>
+          <p:nvPr>
+            <p:ph type="ctrTitle"/>
+          </p:nvPr>
         </p:nvSpPr>
         <p:spPr>
           <a:xfrm>
             <a:off x="559267" y="476411"/>
             <a:ext cx="9144000" cy="505102"/>
           </a:xfrm>
-          <a:prstGeom prst="rect">
-            <a:avLst/>
-          </a:prstGeom>
         </p:spPr>
         <p:txBody>
           <a:bodyPr anchor="t">
-            <a:normAutofit fontScale="90000" lnSpcReduction="10000"/>
+            <a:normAutofit fontScale="90000"/>
           </a:bodyPr>
-          <a:lstStyle>
-            <a:lvl1pPr algn="l" defTabSz="914400" rtl="0" eaLnBrk="1" latinLnBrk="0" hangingPunct="1">
-              <a:lnSpc>
-                <a:spcPct val="90000"/>
-              </a:lnSpc>
-              <a:spcBef>
-                <a:spcPct val="0"/>
-              </a:spcBef>
-              <a:buNone/>
-              <a:defRPr sz="4400" kern="1200">
-                <a:solidFill>
-                  <a:schemeClr val="tx1"/>
-                </a:solidFill>
-                <a:latin typeface="+mj-lt"/>
-                <a:ea typeface="+mj-ea"/>
-                <a:cs typeface="+mj-cs"/>
-              </a:defRPr>
-            </a:lvl1pPr>
-          </a:lstStyle>
-          <a:p>
-            <a:r>
-              <a:rPr lang="pt-BR" sz="3600" b="1" dirty="0">
+          <a:lstStyle/>
+          <a:p>
+            <a:pPr algn="l"/>
+            <a:r>
+              <a:rPr lang="pt-BR" sz="3600" b="1">
                 <a:latin typeface="Arial" panose="020B0604020202020204" pitchFamily="34" charset="0"/>
                 <a:cs typeface="Arial" panose="020B0604020202020204" pitchFamily="34" charset="0"/>
               </a:rPr>
+              <a:t>Sumário</a:t>
+            </a:r>
+            <a:endParaRPr lang="pt-BR" sz="3600" b="1" dirty="0">
+              <a:latin typeface="Arial" panose="020B0604020202020204" pitchFamily="34" charset="0"/>
+              <a:cs typeface="Arial" panose="020B0604020202020204" pitchFamily="34" charset="0"/>
+            </a:endParaRPr>
+          </a:p>
+        </p:txBody>
+      </p:sp>
+      <p:sp>
+        <p:nvSpPr>
+          <p:cNvPr id="4" name="Subtitle 3">
+            <a:extLst>
+              <a:ext uri="{FF2B5EF4-FFF2-40B4-BE49-F238E27FC236}">
+                <a16:creationId xmlns:a16="http://schemas.microsoft.com/office/drawing/2014/main" id="{F206B082-B89C-1DF4-DEF7-1944756ABF9D}"/>
+              </a:ext>
+            </a:extLst>
+          </p:cNvPr>
+          <p:cNvSpPr>
+            <a:spLocks noGrp="1"/>
+          </p:cNvSpPr>
+          <p:nvPr>
+            <p:ph type="subTitle" idx="1"/>
+          </p:nvPr>
+        </p:nvSpPr>
+        <p:spPr>
+          <a:xfrm>
+            <a:off x="559266" y="1286676"/>
+            <a:ext cx="10925261" cy="4484949"/>
+          </a:xfrm>
+        </p:spPr>
+        <p:txBody>
+          <a:bodyPr anchor="t"/>
+          <a:lstStyle/>
+          <a:p>
+            <a:pPr marL="457200" indent="-457200" algn="l">
+              <a:buAutoNum type="arabicPeriod"/>
+            </a:pPr>
+            <a:r>
+              <a:rPr lang="pt-BR" dirty="0"/>
+              <a:t>Operação de conexão vertical direta</a:t>
+            </a:r>
+          </a:p>
+          <a:p>
+            <a:pPr marL="457200" indent="-457200" algn="l">
+              <a:buAutoNum type="arabicPeriod"/>
+            </a:pPr>
+            <a:r>
+              <a:rPr lang="pt-BR" dirty="0"/>
+              <a:t>Metodologia de análise adotada</a:t>
+            </a:r>
+          </a:p>
+          <a:p>
+            <a:pPr marL="457200" indent="-457200" algn="l">
+              <a:buAutoNum type="arabicPeriod"/>
+            </a:pPr>
+            <a:r>
+              <a:rPr lang="pt-BR" dirty="0"/>
+              <a:t>Interface e Modelagem</a:t>
+            </a:r>
+          </a:p>
+          <a:p>
+            <a:pPr marL="457200" indent="-457200" algn="l">
+              <a:buAutoNum type="arabicPeriod"/>
+            </a:pPr>
+            <a:r>
+              <a:rPr lang="pt-BR" dirty="0"/>
+              <a:t>Funcionamento da ferramenta computacional</a:t>
+            </a:r>
+          </a:p>
+          <a:p>
+            <a:pPr marL="457200" indent="-457200" algn="l">
+              <a:buAutoNum type="arabicPeriod"/>
+            </a:pPr>
+            <a:r>
+              <a:rPr lang="pt-BR" dirty="0"/>
               <a:t>Avaliação dos resultados</a:t>
             </a:r>
+          </a:p>
+          <a:p>
+            <a:pPr marL="457200" indent="-457200" algn="l">
+              <a:buAutoNum type="arabicPeriod"/>
+            </a:pPr>
+            <a:r>
+              <a:rPr lang="pt-BR" dirty="0"/>
+              <a:t>Sugestões de melhoria</a:t>
+            </a:r>
+          </a:p>
+          <a:p>
+            <a:pPr marL="457200" indent="-457200" algn="l">
+              <a:buAutoNum type="arabicPeriod"/>
+            </a:pPr>
+            <a:r>
+              <a:rPr lang="pt-BR" dirty="0"/>
+              <a:t>Referências bibliográficas</a:t>
+            </a:r>
+          </a:p>
+          <a:p>
+            <a:pPr marL="457200" indent="-457200" algn="l">
+              <a:buAutoNum type="arabicPeriod"/>
+            </a:pPr>
+            <a:endParaRPr lang="pt-BR" dirty="0"/>
           </a:p>
         </p:txBody>
       </p:sp>
     </p:spTree>
     <p:extLst>
       <p:ext uri="{BB962C8B-B14F-4D97-AF65-F5344CB8AC3E}">
-        <p14:creationId xmlns:p14="http://schemas.microsoft.com/office/powerpoint/2010/main" val="2737590366"/>
+        <p14:creationId xmlns:p14="http://schemas.microsoft.com/office/powerpoint/2010/main" val="2531274135"/>
       </p:ext>
     </p:extLst>
   </p:cSld>
   <p:clrMapOvr>
     <a:masterClrMapping/>
   </p:clrMapOvr>
+  <mc:AlternateContent xmlns:mc="http://schemas.openxmlformats.org/markup-compatibility/2006">
+    <mc:Choice xmlns:p159="http://schemas.microsoft.com/office/powerpoint/2015/09/main" Requires="p159">
+      <p:transition xmlns:p14="http://schemas.microsoft.com/office/powerpoint/2010/main" spd="slow" p14:dur="2500">
+        <p159:morph option="byObject"/>
+      </p:transition>
+    </mc:Choice>
+    <mc:Fallback>
+      <p:transition spd="slow">
+        <p:fade/>
+      </p:transition>
+    </mc:Fallback>
+  </mc:AlternateContent>
 </p:sld>
 </file>
 
-<file path=ppt/slides/slide9.xml><?xml version="1.0" encoding="utf-8"?>
+<file path=ppt/slides/slide3.xml><?xml version="1.0" encoding="utf-8"?>
 <p:sld xmlns:a="http://schemas.openxmlformats.org/drawingml/2006/main" xmlns:r="http://schemas.openxmlformats.org/officeDocument/2006/relationships" xmlns:p="http://schemas.openxmlformats.org/presentationml/2006/main">
   <p:cSld>
     <p:spTree>
@@ -5172,12 +5517,86 @@
           <a:chExt cx="0" cy="0"/>
         </a:xfrm>
       </p:grpSpPr>
-      <p:sp>
-        <p:nvSpPr>
-          <p:cNvPr id="2" name="Rectangle 1">
-            <a:extLst>
-              <a:ext uri="{FF2B5EF4-FFF2-40B4-BE49-F238E27FC236}">
-                <a16:creationId xmlns:a16="http://schemas.microsoft.com/office/drawing/2014/main" id="{82A3C9AA-781F-2788-A27C-A4DF89D5F5F7}"/>
+      <p:pic>
+        <p:nvPicPr>
+          <p:cNvPr id="8" name="Espaço Reservado para Conteúdo 7">
+            <a:extLst>
+              <a:ext uri="{FF2B5EF4-FFF2-40B4-BE49-F238E27FC236}">
+                <a16:creationId xmlns:a16="http://schemas.microsoft.com/office/drawing/2014/main" id="{9F6A45AC-83BE-41AB-BF66-54D119DC99CC}"/>
+              </a:ext>
+            </a:extLst>
+          </p:cNvPr>
+          <p:cNvPicPr>
+            <a:picLocks noGrp="1" noChangeAspect="1"/>
+          </p:cNvPicPr>
+          <p:nvPr>
+            <p:ph idx="1"/>
+          </p:nvPr>
+        </p:nvPicPr>
+        <p:blipFill>
+          <a:blip r:embed="rId2">
+            <a:extLst>
+              <a:ext uri="{28A0092B-C50C-407E-A947-70E740481C1C}">
+                <a14:useLocalDpi xmlns:a14="http://schemas.microsoft.com/office/drawing/2010/main" val="0"/>
+              </a:ext>
+            </a:extLst>
+          </a:blip>
+          <a:stretch>
+            <a:fillRect/>
+          </a:stretch>
+        </p:blipFill>
+        <p:spPr>
+          <a:xfrm>
+            <a:off x="6522392" y="1963533"/>
+            <a:ext cx="3600000" cy="2923434"/>
+          </a:xfrm>
+        </p:spPr>
+      </p:pic>
+      <p:sp>
+        <p:nvSpPr>
+          <p:cNvPr id="4" name="Text Placeholder 3">
+            <a:extLst>
+              <a:ext uri="{FF2B5EF4-FFF2-40B4-BE49-F238E27FC236}">
+                <a16:creationId xmlns:a16="http://schemas.microsoft.com/office/drawing/2014/main" id="{FAF9CD9F-0AEF-D5BD-D4B3-AA85A3418558}"/>
+              </a:ext>
+            </a:extLst>
+          </p:cNvPr>
+          <p:cNvSpPr>
+            <a:spLocks noGrp="1"/>
+          </p:cNvSpPr>
+          <p:nvPr>
+            <p:ph type="body" sz="half" idx="2"/>
+          </p:nvPr>
+        </p:nvSpPr>
+        <p:spPr>
+          <a:xfrm>
+            <a:off x="839788" y="981513"/>
+            <a:ext cx="3932237" cy="4887475"/>
+          </a:xfrm>
+        </p:spPr>
+        <p:txBody>
+          <a:bodyPr anchor="ctr"/>
+          <a:lstStyle/>
+          <a:p>
+            <a:r>
+              <a:rPr lang="pt-BR" dirty="0"/>
+              <a:t>A operação de conexão vertical direta consiste na conexão do MCV ao hub do equipamento submarino (BAP, PLET, PLEM, manifold, etc..). </a:t>
+            </a:r>
+          </a:p>
+          <a:p>
+            <a:r>
+              <a:rPr lang="pt-BR" dirty="0"/>
+              <a:t>Este sistema viabiliza a conexão das linhas flexíveis aos equipamentos submarinos sem o auxílio de mergulhador e/ou embarcação auxiliar.</a:t>
+            </a:r>
+          </a:p>
+        </p:txBody>
+      </p:sp>
+      <p:sp>
+        <p:nvSpPr>
+          <p:cNvPr id="5" name="Rectangle 4">
+            <a:extLst>
+              <a:ext uri="{FF2B5EF4-FFF2-40B4-BE49-F238E27FC236}">
+                <a16:creationId xmlns:a16="http://schemas.microsoft.com/office/drawing/2014/main" id="{11BBF056-23D5-C3E8-3357-1D489A5A9A0E}"/>
               </a:ext>
             </a:extLst>
           </p:cNvPr>
@@ -5228,10 +5647,10 @@
       </p:sp>
       <p:sp>
         <p:nvSpPr>
-          <p:cNvPr id="3" name="Title 2">
-            <a:extLst>
-              <a:ext uri="{FF2B5EF4-FFF2-40B4-BE49-F238E27FC236}">
-                <a16:creationId xmlns:a16="http://schemas.microsoft.com/office/drawing/2014/main" id="{241CAAEF-DA1F-B5C1-CAE9-893D49F6CAA6}"/>
+          <p:cNvPr id="6" name="Title 2">
+            <a:extLst>
+              <a:ext uri="{FF2B5EF4-FFF2-40B4-BE49-F238E27FC236}">
+                <a16:creationId xmlns:a16="http://schemas.microsoft.com/office/drawing/2014/main" id="{0A73B901-A900-96C0-1548-2EB1B21DEF1D}"/>
               </a:ext>
             </a:extLst>
           </p:cNvPr>
@@ -5278,21 +5697,5275 @@
                 <a:latin typeface="Arial" panose="020B0604020202020204" pitchFamily="34" charset="0"/>
                 <a:cs typeface="Arial" panose="020B0604020202020204" pitchFamily="34" charset="0"/>
               </a:rPr>
-              <a:t>Sugestões de melhoria</a:t>
-            </a:r>
-          </a:p>
-        </p:txBody>
-      </p:sp>
+              <a:t>Operação de conexão vertical direta</a:t>
+            </a:r>
+          </a:p>
+        </p:txBody>
+      </p:sp>
+      <p:sp>
+        <p:nvSpPr>
+          <p:cNvPr id="9" name="Text Placeholder 3">
+            <a:extLst>
+              <a:ext uri="{FF2B5EF4-FFF2-40B4-BE49-F238E27FC236}">
+                <a16:creationId xmlns:a16="http://schemas.microsoft.com/office/drawing/2014/main" id="{82FE1400-8297-487D-9B1D-3C6F73798632}"/>
+              </a:ext>
+            </a:extLst>
+          </p:cNvPr>
+          <p:cNvSpPr txBox="1">
+            <a:spLocks/>
+          </p:cNvSpPr>
+          <p:nvPr/>
+        </p:nvSpPr>
+        <p:spPr>
+          <a:xfrm>
+            <a:off x="839788" y="1264649"/>
+            <a:ext cx="3932237" cy="4887475"/>
+          </a:xfrm>
+          <a:prstGeom prst="rect">
+            <a:avLst/>
+          </a:prstGeom>
+          <a:solidFill>
+            <a:schemeClr val="bg1"/>
+          </a:solidFill>
+        </p:spPr>
+        <p:txBody>
+          <a:bodyPr vert="horz" lIns="91440" tIns="45720" rIns="91440" bIns="45720" rtlCol="0" anchor="ctr">
+            <a:normAutofit/>
+          </a:bodyPr>
+          <a:lstStyle>
+            <a:lvl1pPr marL="0" indent="0" algn="l" defTabSz="914400" rtl="0" eaLnBrk="1" latinLnBrk="0" hangingPunct="1">
+              <a:lnSpc>
+                <a:spcPct val="90000"/>
+              </a:lnSpc>
+              <a:spcBef>
+                <a:spcPts val="1000"/>
+              </a:spcBef>
+              <a:buFont typeface="Arial" panose="020B0604020202020204" pitchFamily="34" charset="0"/>
+              <a:buNone/>
+              <a:defRPr sz="1600" kern="1200">
+                <a:solidFill>
+                  <a:schemeClr val="tx1"/>
+                </a:solidFill>
+                <a:latin typeface="+mn-lt"/>
+                <a:ea typeface="+mn-ea"/>
+                <a:cs typeface="+mn-cs"/>
+              </a:defRPr>
+            </a:lvl1pPr>
+            <a:lvl2pPr marL="457200" indent="0" algn="l" defTabSz="914400" rtl="0" eaLnBrk="1" latinLnBrk="0" hangingPunct="1">
+              <a:lnSpc>
+                <a:spcPct val="90000"/>
+              </a:lnSpc>
+              <a:spcBef>
+                <a:spcPts val="500"/>
+              </a:spcBef>
+              <a:buFont typeface="Arial" panose="020B0604020202020204" pitchFamily="34" charset="0"/>
+              <a:buNone/>
+              <a:defRPr sz="1400" kern="1200">
+                <a:solidFill>
+                  <a:schemeClr val="tx1"/>
+                </a:solidFill>
+                <a:latin typeface="+mn-lt"/>
+                <a:ea typeface="+mn-ea"/>
+                <a:cs typeface="+mn-cs"/>
+              </a:defRPr>
+            </a:lvl2pPr>
+            <a:lvl3pPr marL="914400" indent="0" algn="l" defTabSz="914400" rtl="0" eaLnBrk="1" latinLnBrk="0" hangingPunct="1">
+              <a:lnSpc>
+                <a:spcPct val="90000"/>
+              </a:lnSpc>
+              <a:spcBef>
+                <a:spcPts val="500"/>
+              </a:spcBef>
+              <a:buFont typeface="Arial" panose="020B0604020202020204" pitchFamily="34" charset="0"/>
+              <a:buNone/>
+              <a:defRPr sz="1200" kern="1200">
+                <a:solidFill>
+                  <a:schemeClr val="tx1"/>
+                </a:solidFill>
+                <a:latin typeface="+mn-lt"/>
+                <a:ea typeface="+mn-ea"/>
+                <a:cs typeface="+mn-cs"/>
+              </a:defRPr>
+            </a:lvl3pPr>
+            <a:lvl4pPr marL="1371600" indent="0" algn="l" defTabSz="914400" rtl="0" eaLnBrk="1" latinLnBrk="0" hangingPunct="1">
+              <a:lnSpc>
+                <a:spcPct val="90000"/>
+              </a:lnSpc>
+              <a:spcBef>
+                <a:spcPts val="500"/>
+              </a:spcBef>
+              <a:buFont typeface="Arial" panose="020B0604020202020204" pitchFamily="34" charset="0"/>
+              <a:buNone/>
+              <a:defRPr sz="1000" kern="1200">
+                <a:solidFill>
+                  <a:schemeClr val="tx1"/>
+                </a:solidFill>
+                <a:latin typeface="+mn-lt"/>
+                <a:ea typeface="+mn-ea"/>
+                <a:cs typeface="+mn-cs"/>
+              </a:defRPr>
+            </a:lvl4pPr>
+            <a:lvl5pPr marL="1828800" indent="0" algn="l" defTabSz="914400" rtl="0" eaLnBrk="1" latinLnBrk="0" hangingPunct="1">
+              <a:lnSpc>
+                <a:spcPct val="90000"/>
+              </a:lnSpc>
+              <a:spcBef>
+                <a:spcPts val="500"/>
+              </a:spcBef>
+              <a:buFont typeface="Arial" panose="020B0604020202020204" pitchFamily="34" charset="0"/>
+              <a:buNone/>
+              <a:defRPr sz="1000" kern="1200">
+                <a:solidFill>
+                  <a:schemeClr val="tx1"/>
+                </a:solidFill>
+                <a:latin typeface="+mn-lt"/>
+                <a:ea typeface="+mn-ea"/>
+                <a:cs typeface="+mn-cs"/>
+              </a:defRPr>
+            </a:lvl5pPr>
+            <a:lvl6pPr marL="2286000" indent="0" algn="l" defTabSz="914400" rtl="0" eaLnBrk="1" latinLnBrk="0" hangingPunct="1">
+              <a:lnSpc>
+                <a:spcPct val="90000"/>
+              </a:lnSpc>
+              <a:spcBef>
+                <a:spcPts val="500"/>
+              </a:spcBef>
+              <a:buFont typeface="Arial" panose="020B0604020202020204" pitchFamily="34" charset="0"/>
+              <a:buNone/>
+              <a:defRPr sz="1000" kern="1200">
+                <a:solidFill>
+                  <a:schemeClr val="tx1"/>
+                </a:solidFill>
+                <a:latin typeface="+mn-lt"/>
+                <a:ea typeface="+mn-ea"/>
+                <a:cs typeface="+mn-cs"/>
+              </a:defRPr>
+            </a:lvl6pPr>
+            <a:lvl7pPr marL="2743200" indent="0" algn="l" defTabSz="914400" rtl="0" eaLnBrk="1" latinLnBrk="0" hangingPunct="1">
+              <a:lnSpc>
+                <a:spcPct val="90000"/>
+              </a:lnSpc>
+              <a:spcBef>
+                <a:spcPts val="500"/>
+              </a:spcBef>
+              <a:buFont typeface="Arial" panose="020B0604020202020204" pitchFamily="34" charset="0"/>
+              <a:buNone/>
+              <a:defRPr sz="1000" kern="1200">
+                <a:solidFill>
+                  <a:schemeClr val="tx1"/>
+                </a:solidFill>
+                <a:latin typeface="+mn-lt"/>
+                <a:ea typeface="+mn-ea"/>
+                <a:cs typeface="+mn-cs"/>
+              </a:defRPr>
+            </a:lvl7pPr>
+            <a:lvl8pPr marL="3200400" indent="0" algn="l" defTabSz="914400" rtl="0" eaLnBrk="1" latinLnBrk="0" hangingPunct="1">
+              <a:lnSpc>
+                <a:spcPct val="90000"/>
+              </a:lnSpc>
+              <a:spcBef>
+                <a:spcPts val="500"/>
+              </a:spcBef>
+              <a:buFont typeface="Arial" panose="020B0604020202020204" pitchFamily="34" charset="0"/>
+              <a:buNone/>
+              <a:defRPr sz="1000" kern="1200">
+                <a:solidFill>
+                  <a:schemeClr val="tx1"/>
+                </a:solidFill>
+                <a:latin typeface="+mn-lt"/>
+                <a:ea typeface="+mn-ea"/>
+                <a:cs typeface="+mn-cs"/>
+              </a:defRPr>
+            </a:lvl8pPr>
+            <a:lvl9pPr marL="3657600" indent="0" algn="l" defTabSz="914400" rtl="0" eaLnBrk="1" latinLnBrk="0" hangingPunct="1">
+              <a:lnSpc>
+                <a:spcPct val="90000"/>
+              </a:lnSpc>
+              <a:spcBef>
+                <a:spcPts val="500"/>
+              </a:spcBef>
+              <a:buFont typeface="Arial" panose="020B0604020202020204" pitchFamily="34" charset="0"/>
+              <a:buNone/>
+              <a:defRPr sz="1000" kern="1200">
+                <a:solidFill>
+                  <a:schemeClr val="tx1"/>
+                </a:solidFill>
+                <a:latin typeface="+mn-lt"/>
+                <a:ea typeface="+mn-ea"/>
+                <a:cs typeface="+mn-cs"/>
+              </a:defRPr>
+            </a:lvl9pPr>
+          </a:lstStyle>
+          <a:p>
+            <a:r>
+              <a:rPr lang="pt-BR" dirty="0"/>
+              <a:t>A CVD de 1ª extremidade acontece quando a instalação se inicia com a conexão do MCV no poço/equipamento submarino.</a:t>
+            </a:r>
+          </a:p>
+          <a:p>
+            <a:r>
+              <a:rPr lang="pt-BR" dirty="0"/>
+              <a:t>Neste caso, a 1ª extremidade da linha será conectada ao MCV na mesa de trabalho do PLSV, e durante o ‘overboarding’ do equipamento a tração da catenária será suportada pelo tensionador.</a:t>
+            </a:r>
+          </a:p>
+        </p:txBody>
+      </p:sp>
+      <p:sp>
+        <p:nvSpPr>
+          <p:cNvPr id="10" name="Text Placeholder 3">
+            <a:extLst>
+              <a:ext uri="{FF2B5EF4-FFF2-40B4-BE49-F238E27FC236}">
+                <a16:creationId xmlns:a16="http://schemas.microsoft.com/office/drawing/2014/main" id="{C12F20AB-BD53-4050-9492-0233A59117DC}"/>
+              </a:ext>
+            </a:extLst>
+          </p:cNvPr>
+          <p:cNvSpPr txBox="1">
+            <a:spLocks/>
+          </p:cNvSpPr>
+          <p:nvPr/>
+        </p:nvSpPr>
+        <p:spPr>
+          <a:xfrm>
+            <a:off x="839788" y="1243560"/>
+            <a:ext cx="3932237" cy="4887475"/>
+          </a:xfrm>
+          <a:prstGeom prst="rect">
+            <a:avLst/>
+          </a:prstGeom>
+          <a:solidFill>
+            <a:schemeClr val="bg1"/>
+          </a:solidFill>
+        </p:spPr>
+        <p:txBody>
+          <a:bodyPr vert="horz" lIns="91440" tIns="45720" rIns="91440" bIns="45720" rtlCol="0" anchor="ctr">
+            <a:normAutofit/>
+          </a:bodyPr>
+          <a:lstStyle>
+            <a:lvl1pPr marL="0" indent="0" algn="l" defTabSz="914400" rtl="0" eaLnBrk="1" latinLnBrk="0" hangingPunct="1">
+              <a:lnSpc>
+                <a:spcPct val="90000"/>
+              </a:lnSpc>
+              <a:spcBef>
+                <a:spcPts val="1000"/>
+              </a:spcBef>
+              <a:buFont typeface="Arial" panose="020B0604020202020204" pitchFamily="34" charset="0"/>
+              <a:buNone/>
+              <a:defRPr sz="1600" kern="1200">
+                <a:solidFill>
+                  <a:schemeClr val="tx1"/>
+                </a:solidFill>
+                <a:latin typeface="+mn-lt"/>
+                <a:ea typeface="+mn-ea"/>
+                <a:cs typeface="+mn-cs"/>
+              </a:defRPr>
+            </a:lvl1pPr>
+            <a:lvl2pPr marL="457200" indent="0" algn="l" defTabSz="914400" rtl="0" eaLnBrk="1" latinLnBrk="0" hangingPunct="1">
+              <a:lnSpc>
+                <a:spcPct val="90000"/>
+              </a:lnSpc>
+              <a:spcBef>
+                <a:spcPts val="500"/>
+              </a:spcBef>
+              <a:buFont typeface="Arial" panose="020B0604020202020204" pitchFamily="34" charset="0"/>
+              <a:buNone/>
+              <a:defRPr sz="1400" kern="1200">
+                <a:solidFill>
+                  <a:schemeClr val="tx1"/>
+                </a:solidFill>
+                <a:latin typeface="+mn-lt"/>
+                <a:ea typeface="+mn-ea"/>
+                <a:cs typeface="+mn-cs"/>
+              </a:defRPr>
+            </a:lvl2pPr>
+            <a:lvl3pPr marL="914400" indent="0" algn="l" defTabSz="914400" rtl="0" eaLnBrk="1" latinLnBrk="0" hangingPunct="1">
+              <a:lnSpc>
+                <a:spcPct val="90000"/>
+              </a:lnSpc>
+              <a:spcBef>
+                <a:spcPts val="500"/>
+              </a:spcBef>
+              <a:buFont typeface="Arial" panose="020B0604020202020204" pitchFamily="34" charset="0"/>
+              <a:buNone/>
+              <a:defRPr sz="1200" kern="1200">
+                <a:solidFill>
+                  <a:schemeClr val="tx1"/>
+                </a:solidFill>
+                <a:latin typeface="+mn-lt"/>
+                <a:ea typeface="+mn-ea"/>
+                <a:cs typeface="+mn-cs"/>
+              </a:defRPr>
+            </a:lvl3pPr>
+            <a:lvl4pPr marL="1371600" indent="0" algn="l" defTabSz="914400" rtl="0" eaLnBrk="1" latinLnBrk="0" hangingPunct="1">
+              <a:lnSpc>
+                <a:spcPct val="90000"/>
+              </a:lnSpc>
+              <a:spcBef>
+                <a:spcPts val="500"/>
+              </a:spcBef>
+              <a:buFont typeface="Arial" panose="020B0604020202020204" pitchFamily="34" charset="0"/>
+              <a:buNone/>
+              <a:defRPr sz="1000" kern="1200">
+                <a:solidFill>
+                  <a:schemeClr val="tx1"/>
+                </a:solidFill>
+                <a:latin typeface="+mn-lt"/>
+                <a:ea typeface="+mn-ea"/>
+                <a:cs typeface="+mn-cs"/>
+              </a:defRPr>
+            </a:lvl4pPr>
+            <a:lvl5pPr marL="1828800" indent="0" algn="l" defTabSz="914400" rtl="0" eaLnBrk="1" latinLnBrk="0" hangingPunct="1">
+              <a:lnSpc>
+                <a:spcPct val="90000"/>
+              </a:lnSpc>
+              <a:spcBef>
+                <a:spcPts val="500"/>
+              </a:spcBef>
+              <a:buFont typeface="Arial" panose="020B0604020202020204" pitchFamily="34" charset="0"/>
+              <a:buNone/>
+              <a:defRPr sz="1000" kern="1200">
+                <a:solidFill>
+                  <a:schemeClr val="tx1"/>
+                </a:solidFill>
+                <a:latin typeface="+mn-lt"/>
+                <a:ea typeface="+mn-ea"/>
+                <a:cs typeface="+mn-cs"/>
+              </a:defRPr>
+            </a:lvl5pPr>
+            <a:lvl6pPr marL="2286000" indent="0" algn="l" defTabSz="914400" rtl="0" eaLnBrk="1" latinLnBrk="0" hangingPunct="1">
+              <a:lnSpc>
+                <a:spcPct val="90000"/>
+              </a:lnSpc>
+              <a:spcBef>
+                <a:spcPts val="500"/>
+              </a:spcBef>
+              <a:buFont typeface="Arial" panose="020B0604020202020204" pitchFamily="34" charset="0"/>
+              <a:buNone/>
+              <a:defRPr sz="1000" kern="1200">
+                <a:solidFill>
+                  <a:schemeClr val="tx1"/>
+                </a:solidFill>
+                <a:latin typeface="+mn-lt"/>
+                <a:ea typeface="+mn-ea"/>
+                <a:cs typeface="+mn-cs"/>
+              </a:defRPr>
+            </a:lvl6pPr>
+            <a:lvl7pPr marL="2743200" indent="0" algn="l" defTabSz="914400" rtl="0" eaLnBrk="1" latinLnBrk="0" hangingPunct="1">
+              <a:lnSpc>
+                <a:spcPct val="90000"/>
+              </a:lnSpc>
+              <a:spcBef>
+                <a:spcPts val="500"/>
+              </a:spcBef>
+              <a:buFont typeface="Arial" panose="020B0604020202020204" pitchFamily="34" charset="0"/>
+              <a:buNone/>
+              <a:defRPr sz="1000" kern="1200">
+                <a:solidFill>
+                  <a:schemeClr val="tx1"/>
+                </a:solidFill>
+                <a:latin typeface="+mn-lt"/>
+                <a:ea typeface="+mn-ea"/>
+                <a:cs typeface="+mn-cs"/>
+              </a:defRPr>
+            </a:lvl7pPr>
+            <a:lvl8pPr marL="3200400" indent="0" algn="l" defTabSz="914400" rtl="0" eaLnBrk="1" latinLnBrk="0" hangingPunct="1">
+              <a:lnSpc>
+                <a:spcPct val="90000"/>
+              </a:lnSpc>
+              <a:spcBef>
+                <a:spcPts val="500"/>
+              </a:spcBef>
+              <a:buFont typeface="Arial" panose="020B0604020202020204" pitchFamily="34" charset="0"/>
+              <a:buNone/>
+              <a:defRPr sz="1000" kern="1200">
+                <a:solidFill>
+                  <a:schemeClr val="tx1"/>
+                </a:solidFill>
+                <a:latin typeface="+mn-lt"/>
+                <a:ea typeface="+mn-ea"/>
+                <a:cs typeface="+mn-cs"/>
+              </a:defRPr>
+            </a:lvl8pPr>
+            <a:lvl9pPr marL="3657600" indent="0" algn="l" defTabSz="914400" rtl="0" eaLnBrk="1" latinLnBrk="0" hangingPunct="1">
+              <a:lnSpc>
+                <a:spcPct val="90000"/>
+              </a:lnSpc>
+              <a:spcBef>
+                <a:spcPts val="500"/>
+              </a:spcBef>
+              <a:buFont typeface="Arial" panose="020B0604020202020204" pitchFamily="34" charset="0"/>
+              <a:buNone/>
+              <a:defRPr sz="1000" kern="1200">
+                <a:solidFill>
+                  <a:schemeClr val="tx1"/>
+                </a:solidFill>
+                <a:latin typeface="+mn-lt"/>
+                <a:ea typeface="+mn-ea"/>
+                <a:cs typeface="+mn-cs"/>
+              </a:defRPr>
+            </a:lvl9pPr>
+          </a:lstStyle>
+          <a:p>
+            <a:r>
+              <a:rPr lang="pt-BR" dirty="0"/>
+              <a:t>À uma distância segura do equipamento submarino, parte da carga é transferida para o guindaste até a verticalização do MCV. Flutuadores poderão auxiliar na verticalização do MCV e aliviar os carregamentos nos acessórios e equipamentos ‘in-line’.</a:t>
+            </a:r>
+          </a:p>
+        </p:txBody>
+      </p:sp>
+      <p:sp>
+        <p:nvSpPr>
+          <p:cNvPr id="11" name="Text Placeholder 3">
+            <a:extLst>
+              <a:ext uri="{FF2B5EF4-FFF2-40B4-BE49-F238E27FC236}">
+                <a16:creationId xmlns:a16="http://schemas.microsoft.com/office/drawing/2014/main" id="{409BDD7F-3C41-4E01-ACB1-B4B5F2BF1A5B}"/>
+              </a:ext>
+            </a:extLst>
+          </p:cNvPr>
+          <p:cNvSpPr txBox="1">
+            <a:spLocks/>
+          </p:cNvSpPr>
+          <p:nvPr/>
+        </p:nvSpPr>
+        <p:spPr>
+          <a:xfrm>
+            <a:off x="839787" y="1262610"/>
+            <a:ext cx="3932237" cy="4887475"/>
+          </a:xfrm>
+          <a:prstGeom prst="rect">
+            <a:avLst/>
+          </a:prstGeom>
+          <a:solidFill>
+            <a:schemeClr val="bg1"/>
+          </a:solidFill>
+        </p:spPr>
+        <p:txBody>
+          <a:bodyPr vert="horz" lIns="91440" tIns="45720" rIns="91440" bIns="45720" rtlCol="0" anchor="ctr">
+            <a:normAutofit/>
+          </a:bodyPr>
+          <a:lstStyle>
+            <a:lvl1pPr marL="0" indent="0" algn="l" defTabSz="914400" rtl="0" eaLnBrk="1" latinLnBrk="0" hangingPunct="1">
+              <a:lnSpc>
+                <a:spcPct val="90000"/>
+              </a:lnSpc>
+              <a:spcBef>
+                <a:spcPts val="1000"/>
+              </a:spcBef>
+              <a:buFont typeface="Arial" panose="020B0604020202020204" pitchFamily="34" charset="0"/>
+              <a:buNone/>
+              <a:defRPr sz="1600" kern="1200">
+                <a:solidFill>
+                  <a:schemeClr val="tx1"/>
+                </a:solidFill>
+                <a:latin typeface="+mn-lt"/>
+                <a:ea typeface="+mn-ea"/>
+                <a:cs typeface="+mn-cs"/>
+              </a:defRPr>
+            </a:lvl1pPr>
+            <a:lvl2pPr marL="457200" indent="0" algn="l" defTabSz="914400" rtl="0" eaLnBrk="1" latinLnBrk="0" hangingPunct="1">
+              <a:lnSpc>
+                <a:spcPct val="90000"/>
+              </a:lnSpc>
+              <a:spcBef>
+                <a:spcPts val="500"/>
+              </a:spcBef>
+              <a:buFont typeface="Arial" panose="020B0604020202020204" pitchFamily="34" charset="0"/>
+              <a:buNone/>
+              <a:defRPr sz="1400" kern="1200">
+                <a:solidFill>
+                  <a:schemeClr val="tx1"/>
+                </a:solidFill>
+                <a:latin typeface="+mn-lt"/>
+                <a:ea typeface="+mn-ea"/>
+                <a:cs typeface="+mn-cs"/>
+              </a:defRPr>
+            </a:lvl2pPr>
+            <a:lvl3pPr marL="914400" indent="0" algn="l" defTabSz="914400" rtl="0" eaLnBrk="1" latinLnBrk="0" hangingPunct="1">
+              <a:lnSpc>
+                <a:spcPct val="90000"/>
+              </a:lnSpc>
+              <a:spcBef>
+                <a:spcPts val="500"/>
+              </a:spcBef>
+              <a:buFont typeface="Arial" panose="020B0604020202020204" pitchFamily="34" charset="0"/>
+              <a:buNone/>
+              <a:defRPr sz="1200" kern="1200">
+                <a:solidFill>
+                  <a:schemeClr val="tx1"/>
+                </a:solidFill>
+                <a:latin typeface="+mn-lt"/>
+                <a:ea typeface="+mn-ea"/>
+                <a:cs typeface="+mn-cs"/>
+              </a:defRPr>
+            </a:lvl3pPr>
+            <a:lvl4pPr marL="1371600" indent="0" algn="l" defTabSz="914400" rtl="0" eaLnBrk="1" latinLnBrk="0" hangingPunct="1">
+              <a:lnSpc>
+                <a:spcPct val="90000"/>
+              </a:lnSpc>
+              <a:spcBef>
+                <a:spcPts val="500"/>
+              </a:spcBef>
+              <a:buFont typeface="Arial" panose="020B0604020202020204" pitchFamily="34" charset="0"/>
+              <a:buNone/>
+              <a:defRPr sz="1000" kern="1200">
+                <a:solidFill>
+                  <a:schemeClr val="tx1"/>
+                </a:solidFill>
+                <a:latin typeface="+mn-lt"/>
+                <a:ea typeface="+mn-ea"/>
+                <a:cs typeface="+mn-cs"/>
+              </a:defRPr>
+            </a:lvl4pPr>
+            <a:lvl5pPr marL="1828800" indent="0" algn="l" defTabSz="914400" rtl="0" eaLnBrk="1" latinLnBrk="0" hangingPunct="1">
+              <a:lnSpc>
+                <a:spcPct val="90000"/>
+              </a:lnSpc>
+              <a:spcBef>
+                <a:spcPts val="500"/>
+              </a:spcBef>
+              <a:buFont typeface="Arial" panose="020B0604020202020204" pitchFamily="34" charset="0"/>
+              <a:buNone/>
+              <a:defRPr sz="1000" kern="1200">
+                <a:solidFill>
+                  <a:schemeClr val="tx1"/>
+                </a:solidFill>
+                <a:latin typeface="+mn-lt"/>
+                <a:ea typeface="+mn-ea"/>
+                <a:cs typeface="+mn-cs"/>
+              </a:defRPr>
+            </a:lvl5pPr>
+            <a:lvl6pPr marL="2286000" indent="0" algn="l" defTabSz="914400" rtl="0" eaLnBrk="1" latinLnBrk="0" hangingPunct="1">
+              <a:lnSpc>
+                <a:spcPct val="90000"/>
+              </a:lnSpc>
+              <a:spcBef>
+                <a:spcPts val="500"/>
+              </a:spcBef>
+              <a:buFont typeface="Arial" panose="020B0604020202020204" pitchFamily="34" charset="0"/>
+              <a:buNone/>
+              <a:defRPr sz="1000" kern="1200">
+                <a:solidFill>
+                  <a:schemeClr val="tx1"/>
+                </a:solidFill>
+                <a:latin typeface="+mn-lt"/>
+                <a:ea typeface="+mn-ea"/>
+                <a:cs typeface="+mn-cs"/>
+              </a:defRPr>
+            </a:lvl6pPr>
+            <a:lvl7pPr marL="2743200" indent="0" algn="l" defTabSz="914400" rtl="0" eaLnBrk="1" latinLnBrk="0" hangingPunct="1">
+              <a:lnSpc>
+                <a:spcPct val="90000"/>
+              </a:lnSpc>
+              <a:spcBef>
+                <a:spcPts val="500"/>
+              </a:spcBef>
+              <a:buFont typeface="Arial" panose="020B0604020202020204" pitchFamily="34" charset="0"/>
+              <a:buNone/>
+              <a:defRPr sz="1000" kern="1200">
+                <a:solidFill>
+                  <a:schemeClr val="tx1"/>
+                </a:solidFill>
+                <a:latin typeface="+mn-lt"/>
+                <a:ea typeface="+mn-ea"/>
+                <a:cs typeface="+mn-cs"/>
+              </a:defRPr>
+            </a:lvl7pPr>
+            <a:lvl8pPr marL="3200400" indent="0" algn="l" defTabSz="914400" rtl="0" eaLnBrk="1" latinLnBrk="0" hangingPunct="1">
+              <a:lnSpc>
+                <a:spcPct val="90000"/>
+              </a:lnSpc>
+              <a:spcBef>
+                <a:spcPts val="500"/>
+              </a:spcBef>
+              <a:buFont typeface="Arial" panose="020B0604020202020204" pitchFamily="34" charset="0"/>
+              <a:buNone/>
+              <a:defRPr sz="1000" kern="1200">
+                <a:solidFill>
+                  <a:schemeClr val="tx1"/>
+                </a:solidFill>
+                <a:latin typeface="+mn-lt"/>
+                <a:ea typeface="+mn-ea"/>
+                <a:cs typeface="+mn-cs"/>
+              </a:defRPr>
+            </a:lvl8pPr>
+            <a:lvl9pPr marL="3657600" indent="0" algn="l" defTabSz="914400" rtl="0" eaLnBrk="1" latinLnBrk="0" hangingPunct="1">
+              <a:lnSpc>
+                <a:spcPct val="90000"/>
+              </a:lnSpc>
+              <a:spcBef>
+                <a:spcPts val="500"/>
+              </a:spcBef>
+              <a:buFont typeface="Arial" panose="020B0604020202020204" pitchFamily="34" charset="0"/>
+              <a:buNone/>
+              <a:defRPr sz="1000" kern="1200">
+                <a:solidFill>
+                  <a:schemeClr val="tx1"/>
+                </a:solidFill>
+                <a:latin typeface="+mn-lt"/>
+                <a:ea typeface="+mn-ea"/>
+                <a:cs typeface="+mn-cs"/>
+              </a:defRPr>
+            </a:lvl9pPr>
+          </a:lstStyle>
+          <a:p>
+            <a:r>
+              <a:rPr lang="pt-BR" dirty="0"/>
+              <a:t>Após a verticalização, é realizada a aproximação do equipamento submarino e sua conexão no respectivo ‘hub’.</a:t>
+            </a:r>
+          </a:p>
+        </p:txBody>
+      </p:sp>
+      <p:pic>
+        <p:nvPicPr>
+          <p:cNvPr id="15" name="Picture 21">
+            <a:extLst>
+              <a:ext uri="{FF2B5EF4-FFF2-40B4-BE49-F238E27FC236}">
+                <a16:creationId xmlns:a16="http://schemas.microsoft.com/office/drawing/2014/main" id="{BEAF89D5-BBE0-475F-AEF9-290A29AE1685}"/>
+              </a:ext>
+            </a:extLst>
+          </p:cNvPr>
+          <p:cNvPicPr/>
+          <p:nvPr/>
+        </p:nvPicPr>
+        <p:blipFill>
+          <a:blip r:embed="rId3" cstate="print">
+            <a:extLst>
+              <a:ext uri="{28A0092B-C50C-407E-A947-70E740481C1C}">
+                <a14:useLocalDpi xmlns:a14="http://schemas.microsoft.com/office/drawing/2010/main" val="0"/>
+              </a:ext>
+            </a:extLst>
+          </a:blip>
+          <a:srcRect/>
+          <a:stretch>
+            <a:fillRect/>
+          </a:stretch>
+        </p:blipFill>
+        <p:spPr bwMode="auto">
+          <a:xfrm>
+            <a:off x="6522392" y="1535549"/>
+            <a:ext cx="3600000" cy="3600000"/>
+          </a:xfrm>
+          <a:prstGeom prst="rect">
+            <a:avLst/>
+          </a:prstGeom>
+        </p:spPr>
+      </p:pic>
+      <p:pic>
+        <p:nvPicPr>
+          <p:cNvPr id="16" name="Picture 5">
+            <a:extLst>
+              <a:ext uri="{FF2B5EF4-FFF2-40B4-BE49-F238E27FC236}">
+                <a16:creationId xmlns:a16="http://schemas.microsoft.com/office/drawing/2014/main" id="{2FCE278A-588C-4156-96FA-76BFE3FA2A2A}"/>
+              </a:ext>
+            </a:extLst>
+          </p:cNvPr>
+          <p:cNvPicPr/>
+          <p:nvPr/>
+        </p:nvPicPr>
+        <p:blipFill>
+          <a:blip r:embed="rId4">
+            <a:extLst>
+              <a:ext uri="{28A0092B-C50C-407E-A947-70E740481C1C}">
+                <a14:useLocalDpi xmlns:a14="http://schemas.microsoft.com/office/drawing/2010/main" val="0"/>
+              </a:ext>
+            </a:extLst>
+          </a:blip>
+          <a:srcRect/>
+          <a:stretch>
+            <a:fillRect/>
+          </a:stretch>
+        </p:blipFill>
+        <p:spPr bwMode="auto">
+          <a:xfrm>
+            <a:off x="6522392" y="1626599"/>
+            <a:ext cx="3600000" cy="3600000"/>
+          </a:xfrm>
+          <a:prstGeom prst="rect">
+            <a:avLst/>
+          </a:prstGeom>
+          <a:noFill/>
+          <a:ln>
+            <a:noFill/>
+          </a:ln>
+        </p:spPr>
+      </p:pic>
+      <p:pic>
+        <p:nvPicPr>
+          <p:cNvPr id="17" name="Picture 19">
+            <a:extLst>
+              <a:ext uri="{FF2B5EF4-FFF2-40B4-BE49-F238E27FC236}">
+                <a16:creationId xmlns:a16="http://schemas.microsoft.com/office/drawing/2014/main" id="{9421C509-90F3-4C20-A072-152D687224DF}"/>
+              </a:ext>
+            </a:extLst>
+          </p:cNvPr>
+          <p:cNvPicPr/>
+          <p:nvPr/>
+        </p:nvPicPr>
+        <p:blipFill rotWithShape="1">
+          <a:blip r:embed="rId5" cstate="print">
+            <a:extLst>
+              <a:ext uri="{28A0092B-C50C-407E-A947-70E740481C1C}">
+                <a14:useLocalDpi xmlns:a14="http://schemas.microsoft.com/office/drawing/2010/main" val="0"/>
+              </a:ext>
+            </a:extLst>
+          </a:blip>
+          <a:srcRect t="4150"/>
+          <a:stretch/>
+        </p:blipFill>
+        <p:spPr bwMode="auto">
+          <a:xfrm>
+            <a:off x="6522392" y="1579050"/>
+            <a:ext cx="3600000" cy="3600000"/>
+          </a:xfrm>
+          <a:prstGeom prst="rect">
+            <a:avLst/>
+          </a:prstGeom>
+          <a:noFill/>
+          <a:ln>
+            <a:solidFill>
+              <a:schemeClr val="tx1"/>
+            </a:solidFill>
+          </a:ln>
+          <a:extLst>
+            <a:ext uri="{53640926-AAD7-44D8-BBD7-CCE9431645EC}">
+              <a14:shadowObscured xmlns:a14="http://schemas.microsoft.com/office/drawing/2010/main"/>
+            </a:ext>
+          </a:extLst>
+        </p:spPr>
+      </p:pic>
+      <p:pic>
+        <p:nvPicPr>
+          <p:cNvPr id="18" name="Picture 9">
+            <a:extLst>
+              <a:ext uri="{FF2B5EF4-FFF2-40B4-BE49-F238E27FC236}">
+                <a16:creationId xmlns:a16="http://schemas.microsoft.com/office/drawing/2014/main" id="{A3DCCABF-1368-479B-A30F-BCE2062CDA2B}"/>
+              </a:ext>
+            </a:extLst>
+          </p:cNvPr>
+          <p:cNvPicPr/>
+          <p:nvPr/>
+        </p:nvPicPr>
+        <p:blipFill>
+          <a:blip r:embed="rId6">
+            <a:extLst>
+              <a:ext uri="{28A0092B-C50C-407E-A947-70E740481C1C}">
+                <a14:useLocalDpi xmlns:a14="http://schemas.microsoft.com/office/drawing/2010/main" val="0"/>
+              </a:ext>
+            </a:extLst>
+          </a:blip>
+          <a:srcRect/>
+          <a:stretch>
+            <a:fillRect/>
+          </a:stretch>
+        </p:blipFill>
+        <p:spPr bwMode="auto">
+          <a:xfrm>
+            <a:off x="6522392" y="1607549"/>
+            <a:ext cx="3600000" cy="3600000"/>
+          </a:xfrm>
+          <a:prstGeom prst="rect">
+            <a:avLst/>
+          </a:prstGeom>
+          <a:noFill/>
+          <a:ln>
+            <a:noFill/>
+          </a:ln>
+        </p:spPr>
+      </p:pic>
+      <p:pic>
+        <p:nvPicPr>
+          <p:cNvPr id="19" name="Picture 10">
+            <a:extLst>
+              <a:ext uri="{FF2B5EF4-FFF2-40B4-BE49-F238E27FC236}">
+                <a16:creationId xmlns:a16="http://schemas.microsoft.com/office/drawing/2014/main" id="{3F20DF00-590E-4EEA-B2CE-A32D72EA11BF}"/>
+              </a:ext>
+            </a:extLst>
+          </p:cNvPr>
+          <p:cNvPicPr/>
+          <p:nvPr/>
+        </p:nvPicPr>
+        <p:blipFill>
+          <a:blip r:embed="rId7"/>
+          <a:stretch>
+            <a:fillRect/>
+          </a:stretch>
+        </p:blipFill>
+        <p:spPr>
+          <a:xfrm>
+            <a:off x="6522392" y="1585201"/>
+            <a:ext cx="3600000" cy="3600000"/>
+          </a:xfrm>
+          <a:prstGeom prst="rect">
+            <a:avLst/>
+          </a:prstGeom>
+        </p:spPr>
+      </p:pic>
+      <p:pic>
+        <p:nvPicPr>
+          <p:cNvPr id="20" name="Picture 6">
+            <a:extLst>
+              <a:ext uri="{FF2B5EF4-FFF2-40B4-BE49-F238E27FC236}">
+                <a16:creationId xmlns:a16="http://schemas.microsoft.com/office/drawing/2014/main" id="{3ED6BEE1-11A6-4D37-AEB7-03CE367A9DA7}"/>
+              </a:ext>
+            </a:extLst>
+          </p:cNvPr>
+          <p:cNvPicPr/>
+          <p:nvPr/>
+        </p:nvPicPr>
+        <p:blipFill>
+          <a:blip r:embed="rId8"/>
+          <a:stretch>
+            <a:fillRect/>
+          </a:stretch>
+        </p:blipFill>
+        <p:spPr>
+          <a:xfrm>
+            <a:off x="6522392" y="1601850"/>
+            <a:ext cx="3600000" cy="3600000"/>
+          </a:xfrm>
+          <a:prstGeom prst="rect">
+            <a:avLst/>
+          </a:prstGeom>
+        </p:spPr>
+      </p:pic>
+      <p:pic>
+        <p:nvPicPr>
+          <p:cNvPr id="21" name="Picture 23">
+            <a:extLst>
+              <a:ext uri="{FF2B5EF4-FFF2-40B4-BE49-F238E27FC236}">
+                <a16:creationId xmlns:a16="http://schemas.microsoft.com/office/drawing/2014/main" id="{536A7908-B569-40F3-9A1E-8C2A58AE229B}"/>
+              </a:ext>
+            </a:extLst>
+          </p:cNvPr>
+          <p:cNvPicPr/>
+          <p:nvPr/>
+        </p:nvPicPr>
+        <p:blipFill>
+          <a:blip r:embed="rId9" cstate="print">
+            <a:extLst>
+              <a:ext uri="{28A0092B-C50C-407E-A947-70E740481C1C}">
+                <a14:useLocalDpi xmlns:a14="http://schemas.microsoft.com/office/drawing/2010/main" val="0"/>
+              </a:ext>
+            </a:extLst>
+          </a:blip>
+          <a:srcRect/>
+          <a:stretch>
+            <a:fillRect/>
+          </a:stretch>
+        </p:blipFill>
+        <p:spPr bwMode="auto">
+          <a:xfrm>
+            <a:off x="6512867" y="1587597"/>
+            <a:ext cx="3600000" cy="3600000"/>
+          </a:xfrm>
+          <a:prstGeom prst="rect">
+            <a:avLst/>
+          </a:prstGeom>
+          <a:noFill/>
+          <a:ln>
+            <a:noFill/>
+          </a:ln>
+        </p:spPr>
+      </p:pic>
     </p:spTree>
     <p:extLst>
       <p:ext uri="{BB962C8B-B14F-4D97-AF65-F5344CB8AC3E}">
-        <p14:creationId xmlns:p14="http://schemas.microsoft.com/office/powerpoint/2010/main" val="2997200699"/>
+        <p14:creationId xmlns:p14="http://schemas.microsoft.com/office/powerpoint/2010/main" val="3184959953"/>
       </p:ext>
     </p:extLst>
   </p:cSld>
   <p:clrMapOvr>
     <a:masterClrMapping/>
   </p:clrMapOvr>
+  <mc:AlternateContent xmlns:mc="http://schemas.openxmlformats.org/markup-compatibility/2006">
+    <mc:Choice xmlns:p159="http://schemas.microsoft.com/office/powerpoint/2015/09/main" Requires="p159">
+      <p:transition xmlns:p14="http://schemas.microsoft.com/office/powerpoint/2010/main" spd="slow" p14:dur="2500">
+        <p159:morph option="byObject"/>
+      </p:transition>
+    </mc:Choice>
+    <mc:Fallback>
+      <p:transition spd="slow">
+        <p:fade/>
+      </p:transition>
+    </mc:Fallback>
+  </mc:AlternateContent>
+  <p:timing>
+    <p:tnLst>
+      <p:par>
+        <p:cTn id="1" dur="indefinite" restart="never" nodeType="tmRoot">
+          <p:childTnLst>
+            <p:seq concurrent="1" nextAc="seek">
+              <p:cTn id="2" dur="indefinite" nodeType="mainSeq">
+                <p:childTnLst>
+                  <p:par>
+                    <p:cTn id="3" fill="hold">
+                      <p:stCondLst>
+                        <p:cond delay="indefinite"/>
+                      </p:stCondLst>
+                      <p:childTnLst>
+                        <p:par>
+                          <p:cTn id="4" fill="hold">
+                            <p:stCondLst>
+                              <p:cond delay="0"/>
+                            </p:stCondLst>
+                            <p:childTnLst>
+                              <p:par>
+                                <p:cTn id="5" presetID="10" presetClass="entr" presetSubtype="0" fill="hold" grpId="0" nodeType="clickEffect">
+                                  <p:stCondLst>
+                                    <p:cond delay="0"/>
+                                  </p:stCondLst>
+                                  <p:childTnLst>
+                                    <p:set>
+                                      <p:cBhvr>
+                                        <p:cTn id="6" dur="1" fill="hold">
+                                          <p:stCondLst>
+                                            <p:cond delay="0"/>
+                                          </p:stCondLst>
+                                        </p:cTn>
+                                        <p:tgtEl>
+                                          <p:spTgt spid="9"/>
+                                        </p:tgtEl>
+                                        <p:attrNameLst>
+                                          <p:attrName>style.visibility</p:attrName>
+                                        </p:attrNameLst>
+                                      </p:cBhvr>
+                                      <p:to>
+                                        <p:strVal val="visible"/>
+                                      </p:to>
+                                    </p:set>
+                                    <p:animEffect transition="in" filter="fade">
+                                      <p:cBhvr>
+                                        <p:cTn id="7" dur="1000"/>
+                                        <p:tgtEl>
+                                          <p:spTgt spid="9"/>
+                                        </p:tgtEl>
+                                      </p:cBhvr>
+                                    </p:animEffect>
+                                  </p:childTnLst>
+                                </p:cTn>
+                              </p:par>
+                              <p:par>
+                                <p:cTn id="8" presetID="10" presetClass="entr" presetSubtype="0" fill="hold" nodeType="withEffect">
+                                  <p:stCondLst>
+                                    <p:cond delay="0"/>
+                                  </p:stCondLst>
+                                  <p:childTnLst>
+                                    <p:set>
+                                      <p:cBhvr>
+                                        <p:cTn id="9" dur="1" fill="hold">
+                                          <p:stCondLst>
+                                            <p:cond delay="0"/>
+                                          </p:stCondLst>
+                                        </p:cTn>
+                                        <p:tgtEl>
+                                          <p:spTgt spid="15"/>
+                                        </p:tgtEl>
+                                        <p:attrNameLst>
+                                          <p:attrName>style.visibility</p:attrName>
+                                        </p:attrNameLst>
+                                      </p:cBhvr>
+                                      <p:to>
+                                        <p:strVal val="visible"/>
+                                      </p:to>
+                                    </p:set>
+                                    <p:animEffect transition="in" filter="fade">
+                                      <p:cBhvr>
+                                        <p:cTn id="10" dur="1000"/>
+                                        <p:tgtEl>
+                                          <p:spTgt spid="15"/>
+                                        </p:tgtEl>
+                                      </p:cBhvr>
+                                    </p:animEffect>
+                                  </p:childTnLst>
+                                </p:cTn>
+                              </p:par>
+                            </p:childTnLst>
+                          </p:cTn>
+                        </p:par>
+                      </p:childTnLst>
+                    </p:cTn>
+                  </p:par>
+                  <p:par>
+                    <p:cTn id="11" fill="hold">
+                      <p:stCondLst>
+                        <p:cond delay="indefinite"/>
+                      </p:stCondLst>
+                      <p:childTnLst>
+                        <p:par>
+                          <p:cTn id="12" fill="hold">
+                            <p:stCondLst>
+                              <p:cond delay="0"/>
+                            </p:stCondLst>
+                            <p:childTnLst>
+                              <p:par>
+                                <p:cTn id="13" presetID="10" presetClass="entr" presetSubtype="0" fill="hold" grpId="0" nodeType="clickEffect">
+                                  <p:stCondLst>
+                                    <p:cond delay="0"/>
+                                  </p:stCondLst>
+                                  <p:childTnLst>
+                                    <p:set>
+                                      <p:cBhvr>
+                                        <p:cTn id="14" dur="1" fill="hold">
+                                          <p:stCondLst>
+                                            <p:cond delay="0"/>
+                                          </p:stCondLst>
+                                        </p:cTn>
+                                        <p:tgtEl>
+                                          <p:spTgt spid="10"/>
+                                        </p:tgtEl>
+                                        <p:attrNameLst>
+                                          <p:attrName>style.visibility</p:attrName>
+                                        </p:attrNameLst>
+                                      </p:cBhvr>
+                                      <p:to>
+                                        <p:strVal val="visible"/>
+                                      </p:to>
+                                    </p:set>
+                                    <p:animEffect transition="in" filter="fade">
+                                      <p:cBhvr>
+                                        <p:cTn id="15" dur="1000"/>
+                                        <p:tgtEl>
+                                          <p:spTgt spid="10"/>
+                                        </p:tgtEl>
+                                      </p:cBhvr>
+                                    </p:animEffect>
+                                  </p:childTnLst>
+                                </p:cTn>
+                              </p:par>
+                              <p:par>
+                                <p:cTn id="16" presetID="10" presetClass="entr" presetSubtype="0" fill="hold" nodeType="withEffect">
+                                  <p:stCondLst>
+                                    <p:cond delay="0"/>
+                                  </p:stCondLst>
+                                  <p:childTnLst>
+                                    <p:set>
+                                      <p:cBhvr>
+                                        <p:cTn id="17" dur="1" fill="hold">
+                                          <p:stCondLst>
+                                            <p:cond delay="0"/>
+                                          </p:stCondLst>
+                                        </p:cTn>
+                                        <p:tgtEl>
+                                          <p:spTgt spid="16"/>
+                                        </p:tgtEl>
+                                        <p:attrNameLst>
+                                          <p:attrName>style.visibility</p:attrName>
+                                        </p:attrNameLst>
+                                      </p:cBhvr>
+                                      <p:to>
+                                        <p:strVal val="visible"/>
+                                      </p:to>
+                                    </p:set>
+                                    <p:animEffect transition="in" filter="fade">
+                                      <p:cBhvr>
+                                        <p:cTn id="18" dur="1000"/>
+                                        <p:tgtEl>
+                                          <p:spTgt spid="16"/>
+                                        </p:tgtEl>
+                                      </p:cBhvr>
+                                    </p:animEffect>
+                                  </p:childTnLst>
+                                </p:cTn>
+                              </p:par>
+                            </p:childTnLst>
+                          </p:cTn>
+                        </p:par>
+                      </p:childTnLst>
+                    </p:cTn>
+                  </p:par>
+                  <p:par>
+                    <p:cTn id="19" fill="hold">
+                      <p:stCondLst>
+                        <p:cond delay="indefinite"/>
+                      </p:stCondLst>
+                      <p:childTnLst>
+                        <p:par>
+                          <p:cTn id="20" fill="hold">
+                            <p:stCondLst>
+                              <p:cond delay="0"/>
+                            </p:stCondLst>
+                            <p:childTnLst>
+                              <p:par>
+                                <p:cTn id="21" presetID="10" presetClass="entr" presetSubtype="0" fill="hold" nodeType="clickEffect">
+                                  <p:stCondLst>
+                                    <p:cond delay="0"/>
+                                  </p:stCondLst>
+                                  <p:childTnLst>
+                                    <p:set>
+                                      <p:cBhvr>
+                                        <p:cTn id="22" dur="1" fill="hold">
+                                          <p:stCondLst>
+                                            <p:cond delay="0"/>
+                                          </p:stCondLst>
+                                        </p:cTn>
+                                        <p:tgtEl>
+                                          <p:spTgt spid="17"/>
+                                        </p:tgtEl>
+                                        <p:attrNameLst>
+                                          <p:attrName>style.visibility</p:attrName>
+                                        </p:attrNameLst>
+                                      </p:cBhvr>
+                                      <p:to>
+                                        <p:strVal val="visible"/>
+                                      </p:to>
+                                    </p:set>
+                                    <p:animEffect transition="in" filter="fade">
+                                      <p:cBhvr>
+                                        <p:cTn id="23" dur="500"/>
+                                        <p:tgtEl>
+                                          <p:spTgt spid="17"/>
+                                        </p:tgtEl>
+                                      </p:cBhvr>
+                                    </p:animEffect>
+                                  </p:childTnLst>
+                                </p:cTn>
+                              </p:par>
+                            </p:childTnLst>
+                          </p:cTn>
+                        </p:par>
+                      </p:childTnLst>
+                    </p:cTn>
+                  </p:par>
+                  <p:par>
+                    <p:cTn id="24" fill="hold">
+                      <p:stCondLst>
+                        <p:cond delay="indefinite"/>
+                      </p:stCondLst>
+                      <p:childTnLst>
+                        <p:par>
+                          <p:cTn id="25" fill="hold">
+                            <p:stCondLst>
+                              <p:cond delay="0"/>
+                            </p:stCondLst>
+                            <p:childTnLst>
+                              <p:par>
+                                <p:cTn id="26" presetID="10" presetClass="entr" presetSubtype="0" fill="hold" nodeType="clickEffect">
+                                  <p:stCondLst>
+                                    <p:cond delay="0"/>
+                                  </p:stCondLst>
+                                  <p:childTnLst>
+                                    <p:set>
+                                      <p:cBhvr>
+                                        <p:cTn id="27" dur="1" fill="hold">
+                                          <p:stCondLst>
+                                            <p:cond delay="0"/>
+                                          </p:stCondLst>
+                                        </p:cTn>
+                                        <p:tgtEl>
+                                          <p:spTgt spid="18"/>
+                                        </p:tgtEl>
+                                        <p:attrNameLst>
+                                          <p:attrName>style.visibility</p:attrName>
+                                        </p:attrNameLst>
+                                      </p:cBhvr>
+                                      <p:to>
+                                        <p:strVal val="visible"/>
+                                      </p:to>
+                                    </p:set>
+                                    <p:animEffect transition="in" filter="fade">
+                                      <p:cBhvr>
+                                        <p:cTn id="28" dur="500"/>
+                                        <p:tgtEl>
+                                          <p:spTgt spid="18"/>
+                                        </p:tgtEl>
+                                      </p:cBhvr>
+                                    </p:animEffect>
+                                  </p:childTnLst>
+                                </p:cTn>
+                              </p:par>
+                            </p:childTnLst>
+                          </p:cTn>
+                        </p:par>
+                      </p:childTnLst>
+                    </p:cTn>
+                  </p:par>
+                  <p:par>
+                    <p:cTn id="29" fill="hold">
+                      <p:stCondLst>
+                        <p:cond delay="indefinite"/>
+                      </p:stCondLst>
+                      <p:childTnLst>
+                        <p:par>
+                          <p:cTn id="30" fill="hold">
+                            <p:stCondLst>
+                              <p:cond delay="0"/>
+                            </p:stCondLst>
+                            <p:childTnLst>
+                              <p:par>
+                                <p:cTn id="31" presetID="10" presetClass="entr" presetSubtype="0" fill="hold" grpId="0" nodeType="clickEffect">
+                                  <p:stCondLst>
+                                    <p:cond delay="0"/>
+                                  </p:stCondLst>
+                                  <p:childTnLst>
+                                    <p:set>
+                                      <p:cBhvr>
+                                        <p:cTn id="32" dur="1" fill="hold">
+                                          <p:stCondLst>
+                                            <p:cond delay="0"/>
+                                          </p:stCondLst>
+                                        </p:cTn>
+                                        <p:tgtEl>
+                                          <p:spTgt spid="11"/>
+                                        </p:tgtEl>
+                                        <p:attrNameLst>
+                                          <p:attrName>style.visibility</p:attrName>
+                                        </p:attrNameLst>
+                                      </p:cBhvr>
+                                      <p:to>
+                                        <p:strVal val="visible"/>
+                                      </p:to>
+                                    </p:set>
+                                    <p:animEffect transition="in" filter="fade">
+                                      <p:cBhvr>
+                                        <p:cTn id="33" dur="1000"/>
+                                        <p:tgtEl>
+                                          <p:spTgt spid="11"/>
+                                        </p:tgtEl>
+                                      </p:cBhvr>
+                                    </p:animEffect>
+                                  </p:childTnLst>
+                                </p:cTn>
+                              </p:par>
+                              <p:par>
+                                <p:cTn id="34" presetID="10" presetClass="entr" presetSubtype="0" fill="hold" nodeType="withEffect">
+                                  <p:stCondLst>
+                                    <p:cond delay="0"/>
+                                  </p:stCondLst>
+                                  <p:childTnLst>
+                                    <p:set>
+                                      <p:cBhvr>
+                                        <p:cTn id="35" dur="1" fill="hold">
+                                          <p:stCondLst>
+                                            <p:cond delay="0"/>
+                                          </p:stCondLst>
+                                        </p:cTn>
+                                        <p:tgtEl>
+                                          <p:spTgt spid="19"/>
+                                        </p:tgtEl>
+                                        <p:attrNameLst>
+                                          <p:attrName>style.visibility</p:attrName>
+                                        </p:attrNameLst>
+                                      </p:cBhvr>
+                                      <p:to>
+                                        <p:strVal val="visible"/>
+                                      </p:to>
+                                    </p:set>
+                                    <p:animEffect transition="in" filter="fade">
+                                      <p:cBhvr>
+                                        <p:cTn id="36" dur="1000"/>
+                                        <p:tgtEl>
+                                          <p:spTgt spid="19"/>
+                                        </p:tgtEl>
+                                      </p:cBhvr>
+                                    </p:animEffect>
+                                  </p:childTnLst>
+                                </p:cTn>
+                              </p:par>
+                            </p:childTnLst>
+                          </p:cTn>
+                        </p:par>
+                      </p:childTnLst>
+                    </p:cTn>
+                  </p:par>
+                  <p:par>
+                    <p:cTn id="37" fill="hold">
+                      <p:stCondLst>
+                        <p:cond delay="indefinite"/>
+                      </p:stCondLst>
+                      <p:childTnLst>
+                        <p:par>
+                          <p:cTn id="38" fill="hold">
+                            <p:stCondLst>
+                              <p:cond delay="0"/>
+                            </p:stCondLst>
+                            <p:childTnLst>
+                              <p:par>
+                                <p:cTn id="39" presetID="10" presetClass="entr" presetSubtype="0" fill="hold" nodeType="clickEffect">
+                                  <p:stCondLst>
+                                    <p:cond delay="0"/>
+                                  </p:stCondLst>
+                                  <p:childTnLst>
+                                    <p:set>
+                                      <p:cBhvr>
+                                        <p:cTn id="40" dur="1" fill="hold">
+                                          <p:stCondLst>
+                                            <p:cond delay="0"/>
+                                          </p:stCondLst>
+                                        </p:cTn>
+                                        <p:tgtEl>
+                                          <p:spTgt spid="20"/>
+                                        </p:tgtEl>
+                                        <p:attrNameLst>
+                                          <p:attrName>style.visibility</p:attrName>
+                                        </p:attrNameLst>
+                                      </p:cBhvr>
+                                      <p:to>
+                                        <p:strVal val="visible"/>
+                                      </p:to>
+                                    </p:set>
+                                    <p:animEffect transition="in" filter="fade">
+                                      <p:cBhvr>
+                                        <p:cTn id="41" dur="500"/>
+                                        <p:tgtEl>
+                                          <p:spTgt spid="20"/>
+                                        </p:tgtEl>
+                                      </p:cBhvr>
+                                    </p:animEffect>
+                                  </p:childTnLst>
+                                </p:cTn>
+                              </p:par>
+                            </p:childTnLst>
+                          </p:cTn>
+                        </p:par>
+                      </p:childTnLst>
+                    </p:cTn>
+                  </p:par>
+                  <p:par>
+                    <p:cTn id="42" fill="hold">
+                      <p:stCondLst>
+                        <p:cond delay="indefinite"/>
+                      </p:stCondLst>
+                      <p:childTnLst>
+                        <p:par>
+                          <p:cTn id="43" fill="hold">
+                            <p:stCondLst>
+                              <p:cond delay="0"/>
+                            </p:stCondLst>
+                            <p:childTnLst>
+                              <p:par>
+                                <p:cTn id="44" presetID="10" presetClass="entr" presetSubtype="0" fill="hold" nodeType="clickEffect">
+                                  <p:stCondLst>
+                                    <p:cond delay="0"/>
+                                  </p:stCondLst>
+                                  <p:childTnLst>
+                                    <p:set>
+                                      <p:cBhvr>
+                                        <p:cTn id="45" dur="1" fill="hold">
+                                          <p:stCondLst>
+                                            <p:cond delay="0"/>
+                                          </p:stCondLst>
+                                        </p:cTn>
+                                        <p:tgtEl>
+                                          <p:spTgt spid="21"/>
+                                        </p:tgtEl>
+                                        <p:attrNameLst>
+                                          <p:attrName>style.visibility</p:attrName>
+                                        </p:attrNameLst>
+                                      </p:cBhvr>
+                                      <p:to>
+                                        <p:strVal val="visible"/>
+                                      </p:to>
+                                    </p:set>
+                                    <p:animEffect transition="in" filter="fade">
+                                      <p:cBhvr>
+                                        <p:cTn id="46" dur="500"/>
+                                        <p:tgtEl>
+                                          <p:spTgt spid="21"/>
+                                        </p:tgtEl>
+                                      </p:cBhvr>
+                                    </p:animEffect>
+                                  </p:childTnLst>
+                                </p:cTn>
+                              </p:par>
+                            </p:childTnLst>
+                          </p:cTn>
+                        </p:par>
+                      </p:childTnLst>
+                    </p:cTn>
+                  </p:par>
+                </p:childTnLst>
+              </p:cTn>
+              <p:prevCondLst>
+                <p:cond evt="onPrev" delay="0">
+                  <p:tgtEl>
+                    <p:sldTgt/>
+                  </p:tgtEl>
+                </p:cond>
+              </p:prevCondLst>
+              <p:nextCondLst>
+                <p:cond evt="onNext" delay="0">
+                  <p:tgtEl>
+                    <p:sldTgt/>
+                  </p:tgtEl>
+                </p:cond>
+              </p:nextCondLst>
+            </p:seq>
+          </p:childTnLst>
+        </p:cTn>
+      </p:par>
+    </p:tnLst>
+    <p:bldLst>
+      <p:bldP spid="9" grpId="0" animBg="1"/>
+      <p:bldP spid="10" grpId="0" animBg="1"/>
+      <p:bldP spid="11" grpId="0" animBg="1"/>
+    </p:bldLst>
+  </p:timing>
+</p:sld>
+</file>
+
+<file path=ppt/slides/slide4.xml><?xml version="1.0" encoding="utf-8"?>
+<p:sld xmlns:a="http://schemas.openxmlformats.org/drawingml/2006/main" xmlns:r="http://schemas.openxmlformats.org/officeDocument/2006/relationships" xmlns:p="http://schemas.openxmlformats.org/presentationml/2006/main">
+  <p:cSld>
+    <p:spTree>
+      <p:nvGrpSpPr>
+        <p:cNvPr id="1" name=""/>
+        <p:cNvGrpSpPr/>
+        <p:nvPr/>
+      </p:nvGrpSpPr>
+      <p:grpSpPr>
+        <a:xfrm>
+          <a:off x="0" y="0"/>
+          <a:ext cx="0" cy="0"/>
+          <a:chOff x="0" y="0"/>
+          <a:chExt cx="0" cy="0"/>
+        </a:xfrm>
+      </p:grpSpPr>
+      <p:sp>
+        <p:nvSpPr>
+          <p:cNvPr id="2" name="Rectangle 1">
+            <a:extLst>
+              <a:ext uri="{FF2B5EF4-FFF2-40B4-BE49-F238E27FC236}">
+                <a16:creationId xmlns:a16="http://schemas.microsoft.com/office/drawing/2014/main" id="{82A3C9AA-781F-2788-A27C-A4DF89D5F5F7}"/>
+              </a:ext>
+            </a:extLst>
+          </p:cNvPr>
+          <p:cNvSpPr/>
+          <p:nvPr/>
+        </p:nvSpPr>
+        <p:spPr>
+          <a:xfrm>
+            <a:off x="8389" y="8389"/>
+            <a:ext cx="1367406" cy="276837"/>
+          </a:xfrm>
+          <a:prstGeom prst="rect">
+            <a:avLst/>
+          </a:prstGeom>
+          <a:solidFill>
+            <a:schemeClr val="bg1"/>
+          </a:solidFill>
+          <a:ln>
+            <a:solidFill>
+              <a:schemeClr val="bg1"/>
+            </a:solidFill>
+          </a:ln>
+        </p:spPr>
+        <p:style>
+          <a:lnRef idx="2">
+            <a:schemeClr val="accent1">
+              <a:shade val="15000"/>
+            </a:schemeClr>
+          </a:lnRef>
+          <a:fillRef idx="1">
+            <a:schemeClr val="accent1"/>
+          </a:fillRef>
+          <a:effectRef idx="0">
+            <a:schemeClr val="accent1"/>
+          </a:effectRef>
+          <a:fontRef idx="minor">
+            <a:schemeClr val="lt1"/>
+          </a:fontRef>
+        </p:style>
+        <p:txBody>
+          <a:bodyPr rtlCol="0" anchor="ctr"/>
+          <a:lstStyle/>
+          <a:p>
+            <a:pPr algn="ctr"/>
+            <a:endParaRPr lang="pt-BR"/>
+          </a:p>
+        </p:txBody>
+      </p:sp>
+      <p:sp>
+        <p:nvSpPr>
+          <p:cNvPr id="3" name="Title 2">
+            <a:extLst>
+              <a:ext uri="{FF2B5EF4-FFF2-40B4-BE49-F238E27FC236}">
+                <a16:creationId xmlns:a16="http://schemas.microsoft.com/office/drawing/2014/main" id="{EF41C3DC-A068-3CFD-C4B2-D8F09AA1D675}"/>
+              </a:ext>
+            </a:extLst>
+          </p:cNvPr>
+          <p:cNvSpPr txBox="1">
+            <a:spLocks/>
+          </p:cNvSpPr>
+          <p:nvPr/>
+        </p:nvSpPr>
+        <p:spPr>
+          <a:xfrm>
+            <a:off x="559267" y="476411"/>
+            <a:ext cx="9144000" cy="505102"/>
+          </a:xfrm>
+          <a:prstGeom prst="rect">
+            <a:avLst/>
+          </a:prstGeom>
+        </p:spPr>
+        <p:txBody>
+          <a:bodyPr anchor="t">
+            <a:normAutofit fontScale="90000" lnSpcReduction="10000"/>
+          </a:bodyPr>
+          <a:lstStyle>
+            <a:lvl1pPr algn="l" defTabSz="914400" rtl="0" eaLnBrk="1" latinLnBrk="0" hangingPunct="1">
+              <a:lnSpc>
+                <a:spcPct val="90000"/>
+              </a:lnSpc>
+              <a:spcBef>
+                <a:spcPct val="0"/>
+              </a:spcBef>
+              <a:buNone/>
+              <a:defRPr sz="4400" kern="1200">
+                <a:solidFill>
+                  <a:schemeClr val="tx1"/>
+                </a:solidFill>
+                <a:latin typeface="+mj-lt"/>
+                <a:ea typeface="+mj-ea"/>
+                <a:cs typeface="+mj-cs"/>
+              </a:defRPr>
+            </a:lvl1pPr>
+          </a:lstStyle>
+          <a:p>
+            <a:r>
+              <a:rPr lang="pt-BR" sz="3600" b="1" dirty="0">
+                <a:latin typeface="Arial" panose="020B0604020202020204" pitchFamily="34" charset="0"/>
+                <a:cs typeface="Arial" panose="020B0604020202020204" pitchFamily="34" charset="0"/>
+              </a:rPr>
+              <a:t>Metodologia de análise adotada</a:t>
+            </a:r>
+          </a:p>
+        </p:txBody>
+      </p:sp>
+      <p:sp>
+        <p:nvSpPr>
+          <p:cNvPr id="4" name="Subtitle 3">
+            <a:extLst>
+              <a:ext uri="{FF2B5EF4-FFF2-40B4-BE49-F238E27FC236}">
+                <a16:creationId xmlns:a16="http://schemas.microsoft.com/office/drawing/2014/main" id="{DF980482-2E20-43F7-B7B5-FFF3CF67BC3E}"/>
+              </a:ext>
+            </a:extLst>
+          </p:cNvPr>
+          <p:cNvSpPr txBox="1">
+            <a:spLocks/>
+          </p:cNvSpPr>
+          <p:nvPr/>
+        </p:nvSpPr>
+        <p:spPr>
+          <a:xfrm>
+            <a:off x="559266" y="1286677"/>
+            <a:ext cx="10925261" cy="2093850"/>
+          </a:xfrm>
+          <a:prstGeom prst="rect">
+            <a:avLst/>
+          </a:prstGeom>
+        </p:spPr>
+        <p:txBody>
+          <a:bodyPr anchor="t"/>
+          <a:lstStyle>
+            <a:lvl1pPr marL="228600" indent="-228600" algn="l" defTabSz="914400" rtl="0" eaLnBrk="1" latinLnBrk="0" hangingPunct="1">
+              <a:lnSpc>
+                <a:spcPct val="90000"/>
+              </a:lnSpc>
+              <a:spcBef>
+                <a:spcPts val="1000"/>
+              </a:spcBef>
+              <a:buFont typeface="Arial" panose="020B0604020202020204" pitchFamily="34" charset="0"/>
+              <a:buChar char="•"/>
+              <a:defRPr sz="2800" kern="1200">
+                <a:solidFill>
+                  <a:schemeClr val="tx1"/>
+                </a:solidFill>
+                <a:latin typeface="+mn-lt"/>
+                <a:ea typeface="+mn-ea"/>
+                <a:cs typeface="+mn-cs"/>
+              </a:defRPr>
+            </a:lvl1pPr>
+            <a:lvl2pPr marL="685800" indent="-228600" algn="l" defTabSz="914400" rtl="0" eaLnBrk="1" latinLnBrk="0" hangingPunct="1">
+              <a:lnSpc>
+                <a:spcPct val="90000"/>
+              </a:lnSpc>
+              <a:spcBef>
+                <a:spcPts val="500"/>
+              </a:spcBef>
+              <a:buFont typeface="Arial" panose="020B0604020202020204" pitchFamily="34" charset="0"/>
+              <a:buChar char="•"/>
+              <a:defRPr sz="2400" kern="1200">
+                <a:solidFill>
+                  <a:schemeClr val="tx1"/>
+                </a:solidFill>
+                <a:latin typeface="+mn-lt"/>
+                <a:ea typeface="+mn-ea"/>
+                <a:cs typeface="+mn-cs"/>
+              </a:defRPr>
+            </a:lvl2pPr>
+            <a:lvl3pPr marL="1143000" indent="-228600" algn="l" defTabSz="914400" rtl="0" eaLnBrk="1" latinLnBrk="0" hangingPunct="1">
+              <a:lnSpc>
+                <a:spcPct val="90000"/>
+              </a:lnSpc>
+              <a:spcBef>
+                <a:spcPts val="500"/>
+              </a:spcBef>
+              <a:buFont typeface="Arial" panose="020B0604020202020204" pitchFamily="34" charset="0"/>
+              <a:buChar char="•"/>
+              <a:defRPr sz="2000" kern="1200">
+                <a:solidFill>
+                  <a:schemeClr val="tx1"/>
+                </a:solidFill>
+                <a:latin typeface="+mn-lt"/>
+                <a:ea typeface="+mn-ea"/>
+                <a:cs typeface="+mn-cs"/>
+              </a:defRPr>
+            </a:lvl3pPr>
+            <a:lvl4pPr marL="1600200" indent="-228600" algn="l" defTabSz="914400" rtl="0" eaLnBrk="1" latinLnBrk="0" hangingPunct="1">
+              <a:lnSpc>
+                <a:spcPct val="90000"/>
+              </a:lnSpc>
+              <a:spcBef>
+                <a:spcPts val="500"/>
+              </a:spcBef>
+              <a:buFont typeface="Arial" panose="020B0604020202020204" pitchFamily="34" charset="0"/>
+              <a:buChar char="•"/>
+              <a:defRPr sz="1800" kern="1200">
+                <a:solidFill>
+                  <a:schemeClr val="tx1"/>
+                </a:solidFill>
+                <a:latin typeface="+mn-lt"/>
+                <a:ea typeface="+mn-ea"/>
+                <a:cs typeface="+mn-cs"/>
+              </a:defRPr>
+            </a:lvl4pPr>
+            <a:lvl5pPr marL="2057400" indent="-228600" algn="l" defTabSz="914400" rtl="0" eaLnBrk="1" latinLnBrk="0" hangingPunct="1">
+              <a:lnSpc>
+                <a:spcPct val="90000"/>
+              </a:lnSpc>
+              <a:spcBef>
+                <a:spcPts val="500"/>
+              </a:spcBef>
+              <a:buFont typeface="Arial" panose="020B0604020202020204" pitchFamily="34" charset="0"/>
+              <a:buChar char="•"/>
+              <a:defRPr sz="1800" kern="1200">
+                <a:solidFill>
+                  <a:schemeClr val="tx1"/>
+                </a:solidFill>
+                <a:latin typeface="+mn-lt"/>
+                <a:ea typeface="+mn-ea"/>
+                <a:cs typeface="+mn-cs"/>
+              </a:defRPr>
+            </a:lvl5pPr>
+            <a:lvl6pPr marL="2514600" indent="-228600" algn="l" defTabSz="914400" rtl="0" eaLnBrk="1" latinLnBrk="0" hangingPunct="1">
+              <a:lnSpc>
+                <a:spcPct val="90000"/>
+              </a:lnSpc>
+              <a:spcBef>
+                <a:spcPts val="500"/>
+              </a:spcBef>
+              <a:buFont typeface="Arial" panose="020B0604020202020204" pitchFamily="34" charset="0"/>
+              <a:buChar char="•"/>
+              <a:defRPr sz="1800" kern="1200">
+                <a:solidFill>
+                  <a:schemeClr val="tx1"/>
+                </a:solidFill>
+                <a:latin typeface="+mn-lt"/>
+                <a:ea typeface="+mn-ea"/>
+                <a:cs typeface="+mn-cs"/>
+              </a:defRPr>
+            </a:lvl6pPr>
+            <a:lvl7pPr marL="2971800" indent="-228600" algn="l" defTabSz="914400" rtl="0" eaLnBrk="1" latinLnBrk="0" hangingPunct="1">
+              <a:lnSpc>
+                <a:spcPct val="90000"/>
+              </a:lnSpc>
+              <a:spcBef>
+                <a:spcPts val="500"/>
+              </a:spcBef>
+              <a:buFont typeface="Arial" panose="020B0604020202020204" pitchFamily="34" charset="0"/>
+              <a:buChar char="•"/>
+              <a:defRPr sz="1800" kern="1200">
+                <a:solidFill>
+                  <a:schemeClr val="tx1"/>
+                </a:solidFill>
+                <a:latin typeface="+mn-lt"/>
+                <a:ea typeface="+mn-ea"/>
+                <a:cs typeface="+mn-cs"/>
+              </a:defRPr>
+            </a:lvl7pPr>
+            <a:lvl8pPr marL="3429000" indent="-228600" algn="l" defTabSz="914400" rtl="0" eaLnBrk="1" latinLnBrk="0" hangingPunct="1">
+              <a:lnSpc>
+                <a:spcPct val="90000"/>
+              </a:lnSpc>
+              <a:spcBef>
+                <a:spcPts val="500"/>
+              </a:spcBef>
+              <a:buFont typeface="Arial" panose="020B0604020202020204" pitchFamily="34" charset="0"/>
+              <a:buChar char="•"/>
+              <a:defRPr sz="1800" kern="1200">
+                <a:solidFill>
+                  <a:schemeClr val="tx1"/>
+                </a:solidFill>
+                <a:latin typeface="+mn-lt"/>
+                <a:ea typeface="+mn-ea"/>
+                <a:cs typeface="+mn-cs"/>
+              </a:defRPr>
+            </a:lvl8pPr>
+            <a:lvl9pPr marL="3886200" indent="-228600" algn="l" defTabSz="914400" rtl="0" eaLnBrk="1" latinLnBrk="0" hangingPunct="1">
+              <a:lnSpc>
+                <a:spcPct val="90000"/>
+              </a:lnSpc>
+              <a:spcBef>
+                <a:spcPts val="500"/>
+              </a:spcBef>
+              <a:buFont typeface="Arial" panose="020B0604020202020204" pitchFamily="34" charset="0"/>
+              <a:buChar char="•"/>
+              <a:defRPr sz="1800" kern="1200">
+                <a:solidFill>
+                  <a:schemeClr val="tx1"/>
+                </a:solidFill>
+                <a:latin typeface="+mn-lt"/>
+                <a:ea typeface="+mn-ea"/>
+                <a:cs typeface="+mn-cs"/>
+              </a:defRPr>
+            </a:lvl9pPr>
+          </a:lstStyle>
+          <a:p>
+            <a:pPr marL="0" indent="0">
+              <a:buNone/>
+            </a:pPr>
+            <a:r>
+              <a:rPr lang="pt-BR" sz="2400" dirty="0">
+                <a:latin typeface="Arial" panose="020B0604020202020204" pitchFamily="34" charset="0"/>
+                <a:cs typeface="Arial" panose="020B0604020202020204" pitchFamily="34" charset="0"/>
+              </a:rPr>
+              <a:t>Escopo de análise mínimo</a:t>
+            </a:r>
+          </a:p>
+          <a:p>
+            <a:r>
+              <a:rPr lang="pt-BR" sz="1800" dirty="0">
+                <a:latin typeface="Arial" panose="020B0604020202020204" pitchFamily="34" charset="0"/>
+                <a:cs typeface="Arial" panose="020B0604020202020204" pitchFamily="34" charset="0"/>
+              </a:rPr>
+              <a:t>Baseado na experiência da Petrobras.</a:t>
+            </a:r>
+          </a:p>
+          <a:p>
+            <a:r>
+              <a:rPr lang="pt-BR" sz="1800" dirty="0">
+                <a:latin typeface="Arial" panose="020B0604020202020204" pitchFamily="34" charset="0"/>
+                <a:cs typeface="Arial" panose="020B0604020202020204" pitchFamily="34" charset="0"/>
+              </a:rPr>
+              <a:t>Instaladora possui liberdade para avaliar situações e premissas que julgue pertinentes.</a:t>
+            </a:r>
+          </a:p>
+          <a:p>
+            <a:r>
+              <a:rPr lang="pt-BR" sz="1800" dirty="0">
+                <a:latin typeface="Arial" panose="020B0604020202020204" pitchFamily="34" charset="0"/>
+                <a:cs typeface="Arial" panose="020B0604020202020204" pitchFamily="34" charset="0"/>
+              </a:rPr>
+              <a:t>Foco na verificação dos esforços no MCV e no raio de curvatura da linha ou da vértebra.</a:t>
+            </a:r>
+          </a:p>
+          <a:p>
+            <a:r>
+              <a:rPr lang="pt-BR" sz="1800" dirty="0">
+                <a:latin typeface="Arial" panose="020B0604020202020204" pitchFamily="34" charset="0"/>
+                <a:cs typeface="Arial" panose="020B0604020202020204" pitchFamily="34" charset="0"/>
+              </a:rPr>
+              <a:t>Primeiro passo: MCV verticalizado.</a:t>
+            </a:r>
+          </a:p>
+        </p:txBody>
+      </p:sp>
+      <p:pic>
+        <p:nvPicPr>
+          <p:cNvPr id="5" name="Imagem 4">
+            <a:extLst>
+              <a:ext uri="{FF2B5EF4-FFF2-40B4-BE49-F238E27FC236}">
+                <a16:creationId xmlns:a16="http://schemas.microsoft.com/office/drawing/2014/main" id="{57ACA443-8531-4AAB-ACF0-96116E6DDC3F}"/>
+              </a:ext>
+            </a:extLst>
+          </p:cNvPr>
+          <p:cNvPicPr>
+            <a:picLocks noChangeAspect="1"/>
+          </p:cNvPicPr>
+          <p:nvPr/>
+        </p:nvPicPr>
+        <p:blipFill>
+          <a:blip r:embed="rId2"/>
+          <a:stretch>
+            <a:fillRect/>
+          </a:stretch>
+        </p:blipFill>
+        <p:spPr>
+          <a:xfrm>
+            <a:off x="6232734" y="3380527"/>
+            <a:ext cx="5400000" cy="3001062"/>
+          </a:xfrm>
+          <a:prstGeom prst="rect">
+            <a:avLst/>
+          </a:prstGeom>
+        </p:spPr>
+      </p:pic>
+      <mc:AlternateContent xmlns:mc="http://schemas.openxmlformats.org/markup-compatibility/2006">
+        <mc:Choice xmlns:a14="http://schemas.microsoft.com/office/drawing/2010/main" Requires="a14">
+          <p:sp>
+            <p:nvSpPr>
+              <p:cNvPr id="6" name="Subtitle 3">
+                <a:extLst>
+                  <a:ext uri="{FF2B5EF4-FFF2-40B4-BE49-F238E27FC236}">
+                    <a16:creationId xmlns:a16="http://schemas.microsoft.com/office/drawing/2014/main" id="{1FB6053F-E372-4A05-B989-D1E2D05916DA}"/>
+                  </a:ext>
+                </a:extLst>
+              </p:cNvPr>
+              <p:cNvSpPr txBox="1">
+                <a:spLocks/>
+              </p:cNvSpPr>
+              <p:nvPr/>
+            </p:nvSpPr>
+            <p:spPr>
+              <a:xfrm>
+                <a:off x="707473" y="3380527"/>
+                <a:ext cx="5115811" cy="3001062"/>
+              </a:xfrm>
+              <a:prstGeom prst="rect">
+                <a:avLst/>
+              </a:prstGeom>
+            </p:spPr>
+            <p:txBody>
+              <a:bodyPr anchor="ctr"/>
+              <a:lstStyle>
+                <a:lvl1pPr marL="228600" indent="-228600" algn="l" defTabSz="914400" rtl="0" eaLnBrk="1" latinLnBrk="0" hangingPunct="1">
+                  <a:lnSpc>
+                    <a:spcPct val="90000"/>
+                  </a:lnSpc>
+                  <a:spcBef>
+                    <a:spcPts val="1000"/>
+                  </a:spcBef>
+                  <a:buFont typeface="Arial" panose="020B0604020202020204" pitchFamily="34" charset="0"/>
+                  <a:buChar char="•"/>
+                  <a:defRPr sz="2800" kern="1200">
+                    <a:solidFill>
+                      <a:schemeClr val="tx1"/>
+                    </a:solidFill>
+                    <a:latin typeface="+mn-lt"/>
+                    <a:ea typeface="+mn-ea"/>
+                    <a:cs typeface="+mn-cs"/>
+                  </a:defRPr>
+                </a:lvl1pPr>
+                <a:lvl2pPr marL="685800" indent="-228600" algn="l" defTabSz="914400" rtl="0" eaLnBrk="1" latinLnBrk="0" hangingPunct="1">
+                  <a:lnSpc>
+                    <a:spcPct val="90000"/>
+                  </a:lnSpc>
+                  <a:spcBef>
+                    <a:spcPts val="500"/>
+                  </a:spcBef>
+                  <a:buFont typeface="Arial" panose="020B0604020202020204" pitchFamily="34" charset="0"/>
+                  <a:buChar char="•"/>
+                  <a:defRPr sz="2400" kern="1200">
+                    <a:solidFill>
+                      <a:schemeClr val="tx1"/>
+                    </a:solidFill>
+                    <a:latin typeface="+mn-lt"/>
+                    <a:ea typeface="+mn-ea"/>
+                    <a:cs typeface="+mn-cs"/>
+                  </a:defRPr>
+                </a:lvl2pPr>
+                <a:lvl3pPr marL="1143000" indent="-228600" algn="l" defTabSz="914400" rtl="0" eaLnBrk="1" latinLnBrk="0" hangingPunct="1">
+                  <a:lnSpc>
+                    <a:spcPct val="90000"/>
+                  </a:lnSpc>
+                  <a:spcBef>
+                    <a:spcPts val="500"/>
+                  </a:spcBef>
+                  <a:buFont typeface="Arial" panose="020B0604020202020204" pitchFamily="34" charset="0"/>
+                  <a:buChar char="•"/>
+                  <a:defRPr sz="2000" kern="1200">
+                    <a:solidFill>
+                      <a:schemeClr val="tx1"/>
+                    </a:solidFill>
+                    <a:latin typeface="+mn-lt"/>
+                    <a:ea typeface="+mn-ea"/>
+                    <a:cs typeface="+mn-cs"/>
+                  </a:defRPr>
+                </a:lvl3pPr>
+                <a:lvl4pPr marL="1600200" indent="-228600" algn="l" defTabSz="914400" rtl="0" eaLnBrk="1" latinLnBrk="0" hangingPunct="1">
+                  <a:lnSpc>
+                    <a:spcPct val="90000"/>
+                  </a:lnSpc>
+                  <a:spcBef>
+                    <a:spcPts val="500"/>
+                  </a:spcBef>
+                  <a:buFont typeface="Arial" panose="020B0604020202020204" pitchFamily="34" charset="0"/>
+                  <a:buChar char="•"/>
+                  <a:defRPr sz="1800" kern="1200">
+                    <a:solidFill>
+                      <a:schemeClr val="tx1"/>
+                    </a:solidFill>
+                    <a:latin typeface="+mn-lt"/>
+                    <a:ea typeface="+mn-ea"/>
+                    <a:cs typeface="+mn-cs"/>
+                  </a:defRPr>
+                </a:lvl4pPr>
+                <a:lvl5pPr marL="2057400" indent="-228600" algn="l" defTabSz="914400" rtl="0" eaLnBrk="1" latinLnBrk="0" hangingPunct="1">
+                  <a:lnSpc>
+                    <a:spcPct val="90000"/>
+                  </a:lnSpc>
+                  <a:spcBef>
+                    <a:spcPts val="500"/>
+                  </a:spcBef>
+                  <a:buFont typeface="Arial" panose="020B0604020202020204" pitchFamily="34" charset="0"/>
+                  <a:buChar char="•"/>
+                  <a:defRPr sz="1800" kern="1200">
+                    <a:solidFill>
+                      <a:schemeClr val="tx1"/>
+                    </a:solidFill>
+                    <a:latin typeface="+mn-lt"/>
+                    <a:ea typeface="+mn-ea"/>
+                    <a:cs typeface="+mn-cs"/>
+                  </a:defRPr>
+                </a:lvl5pPr>
+                <a:lvl6pPr marL="2514600" indent="-228600" algn="l" defTabSz="914400" rtl="0" eaLnBrk="1" latinLnBrk="0" hangingPunct="1">
+                  <a:lnSpc>
+                    <a:spcPct val="90000"/>
+                  </a:lnSpc>
+                  <a:spcBef>
+                    <a:spcPts val="500"/>
+                  </a:spcBef>
+                  <a:buFont typeface="Arial" panose="020B0604020202020204" pitchFamily="34" charset="0"/>
+                  <a:buChar char="•"/>
+                  <a:defRPr sz="1800" kern="1200">
+                    <a:solidFill>
+                      <a:schemeClr val="tx1"/>
+                    </a:solidFill>
+                    <a:latin typeface="+mn-lt"/>
+                    <a:ea typeface="+mn-ea"/>
+                    <a:cs typeface="+mn-cs"/>
+                  </a:defRPr>
+                </a:lvl6pPr>
+                <a:lvl7pPr marL="2971800" indent="-228600" algn="l" defTabSz="914400" rtl="0" eaLnBrk="1" latinLnBrk="0" hangingPunct="1">
+                  <a:lnSpc>
+                    <a:spcPct val="90000"/>
+                  </a:lnSpc>
+                  <a:spcBef>
+                    <a:spcPts val="500"/>
+                  </a:spcBef>
+                  <a:buFont typeface="Arial" panose="020B0604020202020204" pitchFamily="34" charset="0"/>
+                  <a:buChar char="•"/>
+                  <a:defRPr sz="1800" kern="1200">
+                    <a:solidFill>
+                      <a:schemeClr val="tx1"/>
+                    </a:solidFill>
+                    <a:latin typeface="+mn-lt"/>
+                    <a:ea typeface="+mn-ea"/>
+                    <a:cs typeface="+mn-cs"/>
+                  </a:defRPr>
+                </a:lvl7pPr>
+                <a:lvl8pPr marL="3429000" indent="-228600" algn="l" defTabSz="914400" rtl="0" eaLnBrk="1" latinLnBrk="0" hangingPunct="1">
+                  <a:lnSpc>
+                    <a:spcPct val="90000"/>
+                  </a:lnSpc>
+                  <a:spcBef>
+                    <a:spcPts val="500"/>
+                  </a:spcBef>
+                  <a:buFont typeface="Arial" panose="020B0604020202020204" pitchFamily="34" charset="0"/>
+                  <a:buChar char="•"/>
+                  <a:defRPr sz="1800" kern="1200">
+                    <a:solidFill>
+                      <a:schemeClr val="tx1"/>
+                    </a:solidFill>
+                    <a:latin typeface="+mn-lt"/>
+                    <a:ea typeface="+mn-ea"/>
+                    <a:cs typeface="+mn-cs"/>
+                  </a:defRPr>
+                </a:lvl8pPr>
+                <a:lvl9pPr marL="3886200" indent="-228600" algn="l" defTabSz="914400" rtl="0" eaLnBrk="1" latinLnBrk="0" hangingPunct="1">
+                  <a:lnSpc>
+                    <a:spcPct val="90000"/>
+                  </a:lnSpc>
+                  <a:spcBef>
+                    <a:spcPts val="500"/>
+                  </a:spcBef>
+                  <a:buFont typeface="Arial" panose="020B0604020202020204" pitchFamily="34" charset="0"/>
+                  <a:buChar char="•"/>
+                  <a:defRPr sz="1800" kern="1200">
+                    <a:solidFill>
+                      <a:schemeClr val="tx1"/>
+                    </a:solidFill>
+                    <a:latin typeface="+mn-lt"/>
+                    <a:ea typeface="+mn-ea"/>
+                    <a:cs typeface="+mn-cs"/>
+                  </a:defRPr>
+                </a:lvl9pPr>
+              </a:lstStyle>
+              <a:p>
+                <a:pPr marL="0" indent="0">
+                  <a:buNone/>
+                </a:pPr>
+                <a:r>
+                  <a:rPr lang="pt-BR" sz="1800" dirty="0">
+                    <a:latin typeface="Arial" panose="020B0604020202020204" pitchFamily="34" charset="0"/>
+                    <a:cs typeface="Arial" panose="020B0604020202020204" pitchFamily="34" charset="0"/>
+                  </a:rPr>
+                  <a:t>Este caso representa a situação em que o MCV está bem próximo do hub, no instante de ser assentado.</a:t>
+                </a:r>
+              </a:p>
+              <a:p>
+                <a:pPr marL="0" indent="0">
+                  <a:buNone/>
+                </a:pPr>
+                <a:r>
+                  <a:rPr lang="pt-BR" sz="1800" dirty="0">
+                    <a:latin typeface="Arial" panose="020B0604020202020204" pitchFamily="34" charset="0"/>
+                    <a:cs typeface="Arial" panose="020B0604020202020204" pitchFamily="34" charset="0"/>
+                  </a:rPr>
+                  <a:t>Na análise numérica deve ser criada uma configuração em que o ângulo de inclinação do MCV seja igual à zero grau. </a:t>
+                </a:r>
+              </a:p>
+              <a:p>
+                <a:pPr marL="0" indent="0">
+                  <a:buNone/>
+                </a:pPr>
+                <a:r>
+                  <a:rPr lang="pt-BR" sz="1800" dirty="0">
+                    <a:latin typeface="Arial" panose="020B0604020202020204" pitchFamily="34" charset="0"/>
+                    <a:cs typeface="Arial" panose="020B0604020202020204" pitchFamily="34" charset="0"/>
+                  </a:rPr>
+                  <a:t>Obs.: Pode-se considerar um desalinhamento máximo de </a:t>
+                </a:r>
+                <a14:m>
+                  <m:oMath xmlns:m="http://schemas.openxmlformats.org/officeDocument/2006/math">
+                    <m:r>
+                      <a:rPr lang="pt-BR" sz="1800" i="1" smtClean="0">
+                        <a:latin typeface="Cambria Math" panose="02040503050406030204" pitchFamily="18" charset="0"/>
+                        <a:ea typeface="Cambria Math" panose="02040503050406030204" pitchFamily="18" charset="0"/>
+                        <a:cs typeface="Arial" panose="020B0604020202020204" pitchFamily="34" charset="0"/>
+                      </a:rPr>
+                      <m:t>±</m:t>
+                    </m:r>
+                  </m:oMath>
+                </a14:m>
+                <a:r>
+                  <a:rPr lang="pt-BR" sz="1800" dirty="0">
+                    <a:latin typeface="Arial" panose="020B0604020202020204" pitchFamily="34" charset="0"/>
+                    <a:cs typeface="Arial" panose="020B0604020202020204" pitchFamily="34" charset="0"/>
+                  </a:rPr>
+                  <a:t> 0,5 grau na configuração do modelo numérico.”</a:t>
+                </a:r>
+              </a:p>
+            </p:txBody>
+          </p:sp>
+        </mc:Choice>
+        <mc:Fallback>
+          <p:sp>
+            <p:nvSpPr>
+              <p:cNvPr id="6" name="Subtitle 3">
+                <a:extLst>
+                  <a:ext uri="{FF2B5EF4-FFF2-40B4-BE49-F238E27FC236}">
+                    <a16:creationId xmlns:a16="http://schemas.microsoft.com/office/drawing/2014/main" id="{1FB6053F-E372-4A05-B989-D1E2D05916DA}"/>
+                  </a:ext>
+                </a:extLst>
+              </p:cNvPr>
+              <p:cNvSpPr txBox="1">
+                <a:spLocks noRot="1" noChangeAspect="1" noMove="1" noResize="1" noEditPoints="1" noAdjustHandles="1" noChangeArrowheads="1" noChangeShapeType="1" noTextEdit="1"/>
+              </p:cNvSpPr>
+              <p:nvPr/>
+            </p:nvSpPr>
+            <p:spPr>
+              <a:xfrm>
+                <a:off x="707473" y="3380527"/>
+                <a:ext cx="5115811" cy="3001062"/>
+              </a:xfrm>
+              <a:prstGeom prst="rect">
+                <a:avLst/>
+              </a:prstGeom>
+              <a:blipFill>
+                <a:blip r:embed="rId3"/>
+                <a:stretch>
+                  <a:fillRect l="-954" r="-715"/>
+                </a:stretch>
+              </a:blipFill>
+            </p:spPr>
+            <p:txBody>
+              <a:bodyPr/>
+              <a:lstStyle/>
+              <a:p>
+                <a:r>
+                  <a:rPr lang="pt-BR">
+                    <a:noFill/>
+                  </a:rPr>
+                  <a:t> </a:t>
+                </a:r>
+              </a:p>
+            </p:txBody>
+          </p:sp>
+        </mc:Fallback>
+      </mc:AlternateContent>
+    </p:spTree>
+    <p:extLst>
+      <p:ext uri="{BB962C8B-B14F-4D97-AF65-F5344CB8AC3E}">
+        <p14:creationId xmlns:p14="http://schemas.microsoft.com/office/powerpoint/2010/main" val="373608165"/>
+      </p:ext>
+    </p:extLst>
+  </p:cSld>
+  <p:clrMapOvr>
+    <a:masterClrMapping/>
+  </p:clrMapOvr>
+  <mc:AlternateContent xmlns:mc="http://schemas.openxmlformats.org/markup-compatibility/2006">
+    <mc:Choice xmlns:p159="http://schemas.microsoft.com/office/powerpoint/2015/09/main" Requires="p159">
+      <p:transition xmlns:p14="http://schemas.microsoft.com/office/powerpoint/2010/main" spd="slow" p14:dur="2500">
+        <p159:morph option="byObject"/>
+      </p:transition>
+    </mc:Choice>
+    <mc:Fallback>
+      <p:transition spd="slow">
+        <p:fade/>
+      </p:transition>
+    </mc:Fallback>
+  </mc:AlternateContent>
+</p:sld>
+</file>
+
+<file path=ppt/slides/slide5.xml><?xml version="1.0" encoding="utf-8"?>
+<p:sld xmlns:a="http://schemas.openxmlformats.org/drawingml/2006/main" xmlns:r="http://schemas.openxmlformats.org/officeDocument/2006/relationships" xmlns:p="http://schemas.openxmlformats.org/presentationml/2006/main">
+  <p:cSld>
+    <p:spTree>
+      <p:nvGrpSpPr>
+        <p:cNvPr id="1" name=""/>
+        <p:cNvGrpSpPr/>
+        <p:nvPr/>
+      </p:nvGrpSpPr>
+      <p:grpSpPr>
+        <a:xfrm>
+          <a:off x="0" y="0"/>
+          <a:ext cx="0" cy="0"/>
+          <a:chOff x="0" y="0"/>
+          <a:chExt cx="0" cy="0"/>
+        </a:xfrm>
+      </p:grpSpPr>
+      <p:sp>
+        <p:nvSpPr>
+          <p:cNvPr id="2" name="Rectangle 1">
+            <a:extLst>
+              <a:ext uri="{FF2B5EF4-FFF2-40B4-BE49-F238E27FC236}">
+                <a16:creationId xmlns:a16="http://schemas.microsoft.com/office/drawing/2014/main" id="{82A3C9AA-781F-2788-A27C-A4DF89D5F5F7}"/>
+              </a:ext>
+            </a:extLst>
+          </p:cNvPr>
+          <p:cNvSpPr/>
+          <p:nvPr/>
+        </p:nvSpPr>
+        <p:spPr>
+          <a:xfrm>
+            <a:off x="8389" y="8389"/>
+            <a:ext cx="1367406" cy="276837"/>
+          </a:xfrm>
+          <a:prstGeom prst="rect">
+            <a:avLst/>
+          </a:prstGeom>
+          <a:solidFill>
+            <a:schemeClr val="bg1"/>
+          </a:solidFill>
+          <a:ln>
+            <a:solidFill>
+              <a:schemeClr val="bg1"/>
+            </a:solidFill>
+          </a:ln>
+        </p:spPr>
+        <p:style>
+          <a:lnRef idx="2">
+            <a:schemeClr val="accent1">
+              <a:shade val="15000"/>
+            </a:schemeClr>
+          </a:lnRef>
+          <a:fillRef idx="1">
+            <a:schemeClr val="accent1"/>
+          </a:fillRef>
+          <a:effectRef idx="0">
+            <a:schemeClr val="accent1"/>
+          </a:effectRef>
+          <a:fontRef idx="minor">
+            <a:schemeClr val="lt1"/>
+          </a:fontRef>
+        </p:style>
+        <p:txBody>
+          <a:bodyPr rtlCol="0" anchor="ctr"/>
+          <a:lstStyle/>
+          <a:p>
+            <a:pPr algn="ctr"/>
+            <a:endParaRPr lang="pt-BR"/>
+          </a:p>
+        </p:txBody>
+      </p:sp>
+      <p:sp>
+        <p:nvSpPr>
+          <p:cNvPr id="3" name="Title 2">
+            <a:extLst>
+              <a:ext uri="{FF2B5EF4-FFF2-40B4-BE49-F238E27FC236}">
+                <a16:creationId xmlns:a16="http://schemas.microsoft.com/office/drawing/2014/main" id="{EF41C3DC-A068-3CFD-C4B2-D8F09AA1D675}"/>
+              </a:ext>
+            </a:extLst>
+          </p:cNvPr>
+          <p:cNvSpPr txBox="1">
+            <a:spLocks/>
+          </p:cNvSpPr>
+          <p:nvPr/>
+        </p:nvSpPr>
+        <p:spPr>
+          <a:xfrm>
+            <a:off x="559267" y="476411"/>
+            <a:ext cx="9144000" cy="505102"/>
+          </a:xfrm>
+          <a:prstGeom prst="rect">
+            <a:avLst/>
+          </a:prstGeom>
+        </p:spPr>
+        <p:txBody>
+          <a:bodyPr anchor="t">
+            <a:normAutofit fontScale="90000" lnSpcReduction="10000"/>
+          </a:bodyPr>
+          <a:lstStyle>
+            <a:lvl1pPr algn="l" defTabSz="914400" rtl="0" eaLnBrk="1" latinLnBrk="0" hangingPunct="1">
+              <a:lnSpc>
+                <a:spcPct val="90000"/>
+              </a:lnSpc>
+              <a:spcBef>
+                <a:spcPct val="0"/>
+              </a:spcBef>
+              <a:buNone/>
+              <a:defRPr sz="4400" kern="1200">
+                <a:solidFill>
+                  <a:schemeClr val="tx1"/>
+                </a:solidFill>
+                <a:latin typeface="+mj-lt"/>
+                <a:ea typeface="+mj-ea"/>
+                <a:cs typeface="+mj-cs"/>
+              </a:defRPr>
+            </a:lvl1pPr>
+          </a:lstStyle>
+          <a:p>
+            <a:r>
+              <a:rPr lang="pt-BR" sz="3600" b="1" dirty="0">
+                <a:latin typeface="Arial" panose="020B0604020202020204" pitchFamily="34" charset="0"/>
+                <a:cs typeface="Arial" panose="020B0604020202020204" pitchFamily="34" charset="0"/>
+              </a:rPr>
+              <a:t>Metodologia de análise adotada</a:t>
+            </a:r>
+          </a:p>
+        </p:txBody>
+      </p:sp>
+      <p:sp>
+        <p:nvSpPr>
+          <p:cNvPr id="4" name="Subtitle 3">
+            <a:extLst>
+              <a:ext uri="{FF2B5EF4-FFF2-40B4-BE49-F238E27FC236}">
+                <a16:creationId xmlns:a16="http://schemas.microsoft.com/office/drawing/2014/main" id="{DF980482-2E20-43F7-B7B5-FFF3CF67BC3E}"/>
+              </a:ext>
+            </a:extLst>
+          </p:cNvPr>
+          <p:cNvSpPr txBox="1">
+            <a:spLocks/>
+          </p:cNvSpPr>
+          <p:nvPr/>
+        </p:nvSpPr>
+        <p:spPr>
+          <a:xfrm>
+            <a:off x="559266" y="1286677"/>
+            <a:ext cx="10925261" cy="846906"/>
+          </a:xfrm>
+          <a:prstGeom prst="rect">
+            <a:avLst/>
+          </a:prstGeom>
+        </p:spPr>
+        <p:txBody>
+          <a:bodyPr anchor="t"/>
+          <a:lstStyle>
+            <a:lvl1pPr marL="228600" indent="-228600" algn="l" defTabSz="914400" rtl="0" eaLnBrk="1" latinLnBrk="0" hangingPunct="1">
+              <a:lnSpc>
+                <a:spcPct val="90000"/>
+              </a:lnSpc>
+              <a:spcBef>
+                <a:spcPts val="1000"/>
+              </a:spcBef>
+              <a:buFont typeface="Arial" panose="020B0604020202020204" pitchFamily="34" charset="0"/>
+              <a:buChar char="•"/>
+              <a:defRPr sz="2800" kern="1200">
+                <a:solidFill>
+                  <a:schemeClr val="tx1"/>
+                </a:solidFill>
+                <a:latin typeface="+mn-lt"/>
+                <a:ea typeface="+mn-ea"/>
+                <a:cs typeface="+mn-cs"/>
+              </a:defRPr>
+            </a:lvl1pPr>
+            <a:lvl2pPr marL="685800" indent="-228600" algn="l" defTabSz="914400" rtl="0" eaLnBrk="1" latinLnBrk="0" hangingPunct="1">
+              <a:lnSpc>
+                <a:spcPct val="90000"/>
+              </a:lnSpc>
+              <a:spcBef>
+                <a:spcPts val="500"/>
+              </a:spcBef>
+              <a:buFont typeface="Arial" panose="020B0604020202020204" pitchFamily="34" charset="0"/>
+              <a:buChar char="•"/>
+              <a:defRPr sz="2400" kern="1200">
+                <a:solidFill>
+                  <a:schemeClr val="tx1"/>
+                </a:solidFill>
+                <a:latin typeface="+mn-lt"/>
+                <a:ea typeface="+mn-ea"/>
+                <a:cs typeface="+mn-cs"/>
+              </a:defRPr>
+            </a:lvl2pPr>
+            <a:lvl3pPr marL="1143000" indent="-228600" algn="l" defTabSz="914400" rtl="0" eaLnBrk="1" latinLnBrk="0" hangingPunct="1">
+              <a:lnSpc>
+                <a:spcPct val="90000"/>
+              </a:lnSpc>
+              <a:spcBef>
+                <a:spcPts val="500"/>
+              </a:spcBef>
+              <a:buFont typeface="Arial" panose="020B0604020202020204" pitchFamily="34" charset="0"/>
+              <a:buChar char="•"/>
+              <a:defRPr sz="2000" kern="1200">
+                <a:solidFill>
+                  <a:schemeClr val="tx1"/>
+                </a:solidFill>
+                <a:latin typeface="+mn-lt"/>
+                <a:ea typeface="+mn-ea"/>
+                <a:cs typeface="+mn-cs"/>
+              </a:defRPr>
+            </a:lvl3pPr>
+            <a:lvl4pPr marL="1600200" indent="-228600" algn="l" defTabSz="914400" rtl="0" eaLnBrk="1" latinLnBrk="0" hangingPunct="1">
+              <a:lnSpc>
+                <a:spcPct val="90000"/>
+              </a:lnSpc>
+              <a:spcBef>
+                <a:spcPts val="500"/>
+              </a:spcBef>
+              <a:buFont typeface="Arial" panose="020B0604020202020204" pitchFamily="34" charset="0"/>
+              <a:buChar char="•"/>
+              <a:defRPr sz="1800" kern="1200">
+                <a:solidFill>
+                  <a:schemeClr val="tx1"/>
+                </a:solidFill>
+                <a:latin typeface="+mn-lt"/>
+                <a:ea typeface="+mn-ea"/>
+                <a:cs typeface="+mn-cs"/>
+              </a:defRPr>
+            </a:lvl4pPr>
+            <a:lvl5pPr marL="2057400" indent="-228600" algn="l" defTabSz="914400" rtl="0" eaLnBrk="1" latinLnBrk="0" hangingPunct="1">
+              <a:lnSpc>
+                <a:spcPct val="90000"/>
+              </a:lnSpc>
+              <a:spcBef>
+                <a:spcPts val="500"/>
+              </a:spcBef>
+              <a:buFont typeface="Arial" panose="020B0604020202020204" pitchFamily="34" charset="0"/>
+              <a:buChar char="•"/>
+              <a:defRPr sz="1800" kern="1200">
+                <a:solidFill>
+                  <a:schemeClr val="tx1"/>
+                </a:solidFill>
+                <a:latin typeface="+mn-lt"/>
+                <a:ea typeface="+mn-ea"/>
+                <a:cs typeface="+mn-cs"/>
+              </a:defRPr>
+            </a:lvl5pPr>
+            <a:lvl6pPr marL="2514600" indent="-228600" algn="l" defTabSz="914400" rtl="0" eaLnBrk="1" latinLnBrk="0" hangingPunct="1">
+              <a:lnSpc>
+                <a:spcPct val="90000"/>
+              </a:lnSpc>
+              <a:spcBef>
+                <a:spcPts val="500"/>
+              </a:spcBef>
+              <a:buFont typeface="Arial" panose="020B0604020202020204" pitchFamily="34" charset="0"/>
+              <a:buChar char="•"/>
+              <a:defRPr sz="1800" kern="1200">
+                <a:solidFill>
+                  <a:schemeClr val="tx1"/>
+                </a:solidFill>
+                <a:latin typeface="+mn-lt"/>
+                <a:ea typeface="+mn-ea"/>
+                <a:cs typeface="+mn-cs"/>
+              </a:defRPr>
+            </a:lvl6pPr>
+            <a:lvl7pPr marL="2971800" indent="-228600" algn="l" defTabSz="914400" rtl="0" eaLnBrk="1" latinLnBrk="0" hangingPunct="1">
+              <a:lnSpc>
+                <a:spcPct val="90000"/>
+              </a:lnSpc>
+              <a:spcBef>
+                <a:spcPts val="500"/>
+              </a:spcBef>
+              <a:buFont typeface="Arial" panose="020B0604020202020204" pitchFamily="34" charset="0"/>
+              <a:buChar char="•"/>
+              <a:defRPr sz="1800" kern="1200">
+                <a:solidFill>
+                  <a:schemeClr val="tx1"/>
+                </a:solidFill>
+                <a:latin typeface="+mn-lt"/>
+                <a:ea typeface="+mn-ea"/>
+                <a:cs typeface="+mn-cs"/>
+              </a:defRPr>
+            </a:lvl7pPr>
+            <a:lvl8pPr marL="3429000" indent="-228600" algn="l" defTabSz="914400" rtl="0" eaLnBrk="1" latinLnBrk="0" hangingPunct="1">
+              <a:lnSpc>
+                <a:spcPct val="90000"/>
+              </a:lnSpc>
+              <a:spcBef>
+                <a:spcPts val="500"/>
+              </a:spcBef>
+              <a:buFont typeface="Arial" panose="020B0604020202020204" pitchFamily="34" charset="0"/>
+              <a:buChar char="•"/>
+              <a:defRPr sz="1800" kern="1200">
+                <a:solidFill>
+                  <a:schemeClr val="tx1"/>
+                </a:solidFill>
+                <a:latin typeface="+mn-lt"/>
+                <a:ea typeface="+mn-ea"/>
+                <a:cs typeface="+mn-cs"/>
+              </a:defRPr>
+            </a:lvl8pPr>
+            <a:lvl9pPr marL="3886200" indent="-228600" algn="l" defTabSz="914400" rtl="0" eaLnBrk="1" latinLnBrk="0" hangingPunct="1">
+              <a:lnSpc>
+                <a:spcPct val="90000"/>
+              </a:lnSpc>
+              <a:spcBef>
+                <a:spcPts val="500"/>
+              </a:spcBef>
+              <a:buFont typeface="Arial" panose="020B0604020202020204" pitchFamily="34" charset="0"/>
+              <a:buChar char="•"/>
+              <a:defRPr sz="1800" kern="1200">
+                <a:solidFill>
+                  <a:schemeClr val="tx1"/>
+                </a:solidFill>
+                <a:latin typeface="+mn-lt"/>
+                <a:ea typeface="+mn-ea"/>
+                <a:cs typeface="+mn-cs"/>
+              </a:defRPr>
+            </a:lvl9pPr>
+          </a:lstStyle>
+          <a:p>
+            <a:pPr marL="0" indent="0">
+              <a:buNone/>
+            </a:pPr>
+            <a:r>
+              <a:rPr lang="pt-BR" sz="2400" dirty="0">
+                <a:latin typeface="Arial" panose="020B0604020202020204" pitchFamily="34" charset="0"/>
+                <a:cs typeface="Arial" panose="020B0604020202020204" pitchFamily="34" charset="0"/>
+              </a:rPr>
+              <a:t>Escopo de análise mínimo</a:t>
+            </a:r>
+          </a:p>
+          <a:p>
+            <a:r>
+              <a:rPr lang="pt-BR" sz="1800" dirty="0">
+                <a:latin typeface="Arial" panose="020B0604020202020204" pitchFamily="34" charset="0"/>
+                <a:cs typeface="Arial" panose="020B0604020202020204" pitchFamily="34" charset="0"/>
+              </a:rPr>
+              <a:t>Segundo passo: Aplicação do deslocamento vertical com MCV engastado</a:t>
+            </a:r>
+          </a:p>
+        </p:txBody>
+      </p:sp>
+      <p:sp>
+        <p:nvSpPr>
+          <p:cNvPr id="6" name="Subtitle 3">
+            <a:extLst>
+              <a:ext uri="{FF2B5EF4-FFF2-40B4-BE49-F238E27FC236}">
+                <a16:creationId xmlns:a16="http://schemas.microsoft.com/office/drawing/2014/main" id="{1FB6053F-E372-4A05-B989-D1E2D05916DA}"/>
+              </a:ext>
+            </a:extLst>
+          </p:cNvPr>
+          <p:cNvSpPr txBox="1">
+            <a:spLocks/>
+          </p:cNvSpPr>
+          <p:nvPr/>
+        </p:nvSpPr>
+        <p:spPr>
+          <a:xfrm>
+            <a:off x="684528" y="2133583"/>
+            <a:ext cx="10800000" cy="1295417"/>
+          </a:xfrm>
+          <a:prstGeom prst="rect">
+            <a:avLst/>
+          </a:prstGeom>
+        </p:spPr>
+        <p:txBody>
+          <a:bodyPr anchor="ctr"/>
+          <a:lstStyle>
+            <a:lvl1pPr marL="228600" indent="-228600" algn="l" defTabSz="914400" rtl="0" eaLnBrk="1" latinLnBrk="0" hangingPunct="1">
+              <a:lnSpc>
+                <a:spcPct val="90000"/>
+              </a:lnSpc>
+              <a:spcBef>
+                <a:spcPts val="1000"/>
+              </a:spcBef>
+              <a:buFont typeface="Arial" panose="020B0604020202020204" pitchFamily="34" charset="0"/>
+              <a:buChar char="•"/>
+              <a:defRPr sz="2800" kern="1200">
+                <a:solidFill>
+                  <a:schemeClr val="tx1"/>
+                </a:solidFill>
+                <a:latin typeface="+mn-lt"/>
+                <a:ea typeface="+mn-ea"/>
+                <a:cs typeface="+mn-cs"/>
+              </a:defRPr>
+            </a:lvl1pPr>
+            <a:lvl2pPr marL="685800" indent="-228600" algn="l" defTabSz="914400" rtl="0" eaLnBrk="1" latinLnBrk="0" hangingPunct="1">
+              <a:lnSpc>
+                <a:spcPct val="90000"/>
+              </a:lnSpc>
+              <a:spcBef>
+                <a:spcPts val="500"/>
+              </a:spcBef>
+              <a:buFont typeface="Arial" panose="020B0604020202020204" pitchFamily="34" charset="0"/>
+              <a:buChar char="•"/>
+              <a:defRPr sz="2400" kern="1200">
+                <a:solidFill>
+                  <a:schemeClr val="tx1"/>
+                </a:solidFill>
+                <a:latin typeface="+mn-lt"/>
+                <a:ea typeface="+mn-ea"/>
+                <a:cs typeface="+mn-cs"/>
+              </a:defRPr>
+            </a:lvl2pPr>
+            <a:lvl3pPr marL="1143000" indent="-228600" algn="l" defTabSz="914400" rtl="0" eaLnBrk="1" latinLnBrk="0" hangingPunct="1">
+              <a:lnSpc>
+                <a:spcPct val="90000"/>
+              </a:lnSpc>
+              <a:spcBef>
+                <a:spcPts val="500"/>
+              </a:spcBef>
+              <a:buFont typeface="Arial" panose="020B0604020202020204" pitchFamily="34" charset="0"/>
+              <a:buChar char="•"/>
+              <a:defRPr sz="2000" kern="1200">
+                <a:solidFill>
+                  <a:schemeClr val="tx1"/>
+                </a:solidFill>
+                <a:latin typeface="+mn-lt"/>
+                <a:ea typeface="+mn-ea"/>
+                <a:cs typeface="+mn-cs"/>
+              </a:defRPr>
+            </a:lvl3pPr>
+            <a:lvl4pPr marL="1600200" indent="-228600" algn="l" defTabSz="914400" rtl="0" eaLnBrk="1" latinLnBrk="0" hangingPunct="1">
+              <a:lnSpc>
+                <a:spcPct val="90000"/>
+              </a:lnSpc>
+              <a:spcBef>
+                <a:spcPts val="500"/>
+              </a:spcBef>
+              <a:buFont typeface="Arial" panose="020B0604020202020204" pitchFamily="34" charset="0"/>
+              <a:buChar char="•"/>
+              <a:defRPr sz="1800" kern="1200">
+                <a:solidFill>
+                  <a:schemeClr val="tx1"/>
+                </a:solidFill>
+                <a:latin typeface="+mn-lt"/>
+                <a:ea typeface="+mn-ea"/>
+                <a:cs typeface="+mn-cs"/>
+              </a:defRPr>
+            </a:lvl4pPr>
+            <a:lvl5pPr marL="2057400" indent="-228600" algn="l" defTabSz="914400" rtl="0" eaLnBrk="1" latinLnBrk="0" hangingPunct="1">
+              <a:lnSpc>
+                <a:spcPct val="90000"/>
+              </a:lnSpc>
+              <a:spcBef>
+                <a:spcPts val="500"/>
+              </a:spcBef>
+              <a:buFont typeface="Arial" panose="020B0604020202020204" pitchFamily="34" charset="0"/>
+              <a:buChar char="•"/>
+              <a:defRPr sz="1800" kern="1200">
+                <a:solidFill>
+                  <a:schemeClr val="tx1"/>
+                </a:solidFill>
+                <a:latin typeface="+mn-lt"/>
+                <a:ea typeface="+mn-ea"/>
+                <a:cs typeface="+mn-cs"/>
+              </a:defRPr>
+            </a:lvl5pPr>
+            <a:lvl6pPr marL="2514600" indent="-228600" algn="l" defTabSz="914400" rtl="0" eaLnBrk="1" latinLnBrk="0" hangingPunct="1">
+              <a:lnSpc>
+                <a:spcPct val="90000"/>
+              </a:lnSpc>
+              <a:spcBef>
+                <a:spcPts val="500"/>
+              </a:spcBef>
+              <a:buFont typeface="Arial" panose="020B0604020202020204" pitchFamily="34" charset="0"/>
+              <a:buChar char="•"/>
+              <a:defRPr sz="1800" kern="1200">
+                <a:solidFill>
+                  <a:schemeClr val="tx1"/>
+                </a:solidFill>
+                <a:latin typeface="+mn-lt"/>
+                <a:ea typeface="+mn-ea"/>
+                <a:cs typeface="+mn-cs"/>
+              </a:defRPr>
+            </a:lvl6pPr>
+            <a:lvl7pPr marL="2971800" indent="-228600" algn="l" defTabSz="914400" rtl="0" eaLnBrk="1" latinLnBrk="0" hangingPunct="1">
+              <a:lnSpc>
+                <a:spcPct val="90000"/>
+              </a:lnSpc>
+              <a:spcBef>
+                <a:spcPts val="500"/>
+              </a:spcBef>
+              <a:buFont typeface="Arial" panose="020B0604020202020204" pitchFamily="34" charset="0"/>
+              <a:buChar char="•"/>
+              <a:defRPr sz="1800" kern="1200">
+                <a:solidFill>
+                  <a:schemeClr val="tx1"/>
+                </a:solidFill>
+                <a:latin typeface="+mn-lt"/>
+                <a:ea typeface="+mn-ea"/>
+                <a:cs typeface="+mn-cs"/>
+              </a:defRPr>
+            </a:lvl7pPr>
+            <a:lvl8pPr marL="3429000" indent="-228600" algn="l" defTabSz="914400" rtl="0" eaLnBrk="1" latinLnBrk="0" hangingPunct="1">
+              <a:lnSpc>
+                <a:spcPct val="90000"/>
+              </a:lnSpc>
+              <a:spcBef>
+                <a:spcPts val="500"/>
+              </a:spcBef>
+              <a:buFont typeface="Arial" panose="020B0604020202020204" pitchFamily="34" charset="0"/>
+              <a:buChar char="•"/>
+              <a:defRPr sz="1800" kern="1200">
+                <a:solidFill>
+                  <a:schemeClr val="tx1"/>
+                </a:solidFill>
+                <a:latin typeface="+mn-lt"/>
+                <a:ea typeface="+mn-ea"/>
+                <a:cs typeface="+mn-cs"/>
+              </a:defRPr>
+            </a:lvl8pPr>
+            <a:lvl9pPr marL="3886200" indent="-228600" algn="l" defTabSz="914400" rtl="0" eaLnBrk="1" latinLnBrk="0" hangingPunct="1">
+              <a:lnSpc>
+                <a:spcPct val="90000"/>
+              </a:lnSpc>
+              <a:spcBef>
+                <a:spcPts val="500"/>
+              </a:spcBef>
+              <a:buFont typeface="Arial" panose="020B0604020202020204" pitchFamily="34" charset="0"/>
+              <a:buChar char="•"/>
+              <a:defRPr sz="1800" kern="1200">
+                <a:solidFill>
+                  <a:schemeClr val="tx1"/>
+                </a:solidFill>
+                <a:latin typeface="+mn-lt"/>
+                <a:ea typeface="+mn-ea"/>
+                <a:cs typeface="+mn-cs"/>
+              </a:defRPr>
+            </a:lvl9pPr>
+          </a:lstStyle>
+          <a:p>
+            <a:pPr marL="0" indent="0">
+              <a:buNone/>
+            </a:pPr>
+            <a:r>
+              <a:rPr lang="pt-BR" sz="1800" dirty="0">
+                <a:latin typeface="Arial" panose="020B0604020202020204" pitchFamily="34" charset="0"/>
+                <a:cs typeface="Arial" panose="020B0604020202020204" pitchFamily="34" charset="0"/>
+              </a:rPr>
+              <a:t>Este caso representa a situação em que o MCV está assentado no hub e a linha é suspensa pelo PLSV devido à ação de ondas.</a:t>
+            </a:r>
+          </a:p>
+          <a:p>
+            <a:pPr marL="0" indent="0">
+              <a:buNone/>
+            </a:pPr>
+            <a:r>
+              <a:rPr lang="pt-BR" sz="1800" dirty="0">
+                <a:latin typeface="Arial" panose="020B0604020202020204" pitchFamily="34" charset="0"/>
+                <a:cs typeface="Arial" panose="020B0604020202020204" pitchFamily="34" charset="0"/>
+              </a:rPr>
+              <a:t>Obs.: A ET indica não permitir o travamento da vértebra neste caso.</a:t>
+            </a:r>
+          </a:p>
+        </p:txBody>
+      </p:sp>
+      <p:pic>
+        <p:nvPicPr>
+          <p:cNvPr id="7" name="Imagem 6">
+            <a:extLst>
+              <a:ext uri="{FF2B5EF4-FFF2-40B4-BE49-F238E27FC236}">
+                <a16:creationId xmlns:a16="http://schemas.microsoft.com/office/drawing/2014/main" id="{346F5235-023C-4408-9E21-1B0A21A2ACEC}"/>
+              </a:ext>
+            </a:extLst>
+          </p:cNvPr>
+          <p:cNvPicPr>
+            <a:picLocks noChangeAspect="1"/>
+          </p:cNvPicPr>
+          <p:nvPr/>
+        </p:nvPicPr>
+        <p:blipFill>
+          <a:blip r:embed="rId2"/>
+          <a:stretch>
+            <a:fillRect/>
+          </a:stretch>
+        </p:blipFill>
+        <p:spPr>
+          <a:xfrm>
+            <a:off x="696000" y="3685691"/>
+            <a:ext cx="10800000" cy="2891339"/>
+          </a:xfrm>
+          <a:prstGeom prst="rect">
+            <a:avLst/>
+          </a:prstGeom>
+        </p:spPr>
+      </p:pic>
+      <p:sp>
+        <p:nvSpPr>
+          <p:cNvPr id="8" name="Subtitle 3">
+            <a:extLst>
+              <a:ext uri="{FF2B5EF4-FFF2-40B4-BE49-F238E27FC236}">
+                <a16:creationId xmlns:a16="http://schemas.microsoft.com/office/drawing/2014/main" id="{C35C5F67-D2CF-4916-988A-D348EBAC15DE}"/>
+              </a:ext>
+            </a:extLst>
+          </p:cNvPr>
+          <p:cNvSpPr txBox="1">
+            <a:spLocks/>
+          </p:cNvSpPr>
+          <p:nvPr/>
+        </p:nvSpPr>
+        <p:spPr>
+          <a:xfrm>
+            <a:off x="684527" y="2133582"/>
+            <a:ext cx="10800000" cy="1295417"/>
+          </a:xfrm>
+          <a:prstGeom prst="rect">
+            <a:avLst/>
+          </a:prstGeom>
+          <a:solidFill>
+            <a:schemeClr val="bg1"/>
+          </a:solidFill>
+        </p:spPr>
+        <p:txBody>
+          <a:bodyPr anchor="ctr"/>
+          <a:lstStyle>
+            <a:lvl1pPr marL="228600" indent="-228600" algn="l" defTabSz="914400" rtl="0" eaLnBrk="1" latinLnBrk="0" hangingPunct="1">
+              <a:lnSpc>
+                <a:spcPct val="90000"/>
+              </a:lnSpc>
+              <a:spcBef>
+                <a:spcPts val="1000"/>
+              </a:spcBef>
+              <a:buFont typeface="Arial" panose="020B0604020202020204" pitchFamily="34" charset="0"/>
+              <a:buChar char="•"/>
+              <a:defRPr sz="2800" kern="1200">
+                <a:solidFill>
+                  <a:schemeClr val="tx1"/>
+                </a:solidFill>
+                <a:latin typeface="+mn-lt"/>
+                <a:ea typeface="+mn-ea"/>
+                <a:cs typeface="+mn-cs"/>
+              </a:defRPr>
+            </a:lvl1pPr>
+            <a:lvl2pPr marL="685800" indent="-228600" algn="l" defTabSz="914400" rtl="0" eaLnBrk="1" latinLnBrk="0" hangingPunct="1">
+              <a:lnSpc>
+                <a:spcPct val="90000"/>
+              </a:lnSpc>
+              <a:spcBef>
+                <a:spcPts val="500"/>
+              </a:spcBef>
+              <a:buFont typeface="Arial" panose="020B0604020202020204" pitchFamily="34" charset="0"/>
+              <a:buChar char="•"/>
+              <a:defRPr sz="2400" kern="1200">
+                <a:solidFill>
+                  <a:schemeClr val="tx1"/>
+                </a:solidFill>
+                <a:latin typeface="+mn-lt"/>
+                <a:ea typeface="+mn-ea"/>
+                <a:cs typeface="+mn-cs"/>
+              </a:defRPr>
+            </a:lvl2pPr>
+            <a:lvl3pPr marL="1143000" indent="-228600" algn="l" defTabSz="914400" rtl="0" eaLnBrk="1" latinLnBrk="0" hangingPunct="1">
+              <a:lnSpc>
+                <a:spcPct val="90000"/>
+              </a:lnSpc>
+              <a:spcBef>
+                <a:spcPts val="500"/>
+              </a:spcBef>
+              <a:buFont typeface="Arial" panose="020B0604020202020204" pitchFamily="34" charset="0"/>
+              <a:buChar char="•"/>
+              <a:defRPr sz="2000" kern="1200">
+                <a:solidFill>
+                  <a:schemeClr val="tx1"/>
+                </a:solidFill>
+                <a:latin typeface="+mn-lt"/>
+                <a:ea typeface="+mn-ea"/>
+                <a:cs typeface="+mn-cs"/>
+              </a:defRPr>
+            </a:lvl3pPr>
+            <a:lvl4pPr marL="1600200" indent="-228600" algn="l" defTabSz="914400" rtl="0" eaLnBrk="1" latinLnBrk="0" hangingPunct="1">
+              <a:lnSpc>
+                <a:spcPct val="90000"/>
+              </a:lnSpc>
+              <a:spcBef>
+                <a:spcPts val="500"/>
+              </a:spcBef>
+              <a:buFont typeface="Arial" panose="020B0604020202020204" pitchFamily="34" charset="0"/>
+              <a:buChar char="•"/>
+              <a:defRPr sz="1800" kern="1200">
+                <a:solidFill>
+                  <a:schemeClr val="tx1"/>
+                </a:solidFill>
+                <a:latin typeface="+mn-lt"/>
+                <a:ea typeface="+mn-ea"/>
+                <a:cs typeface="+mn-cs"/>
+              </a:defRPr>
+            </a:lvl4pPr>
+            <a:lvl5pPr marL="2057400" indent="-228600" algn="l" defTabSz="914400" rtl="0" eaLnBrk="1" latinLnBrk="0" hangingPunct="1">
+              <a:lnSpc>
+                <a:spcPct val="90000"/>
+              </a:lnSpc>
+              <a:spcBef>
+                <a:spcPts val="500"/>
+              </a:spcBef>
+              <a:buFont typeface="Arial" panose="020B0604020202020204" pitchFamily="34" charset="0"/>
+              <a:buChar char="•"/>
+              <a:defRPr sz="1800" kern="1200">
+                <a:solidFill>
+                  <a:schemeClr val="tx1"/>
+                </a:solidFill>
+                <a:latin typeface="+mn-lt"/>
+                <a:ea typeface="+mn-ea"/>
+                <a:cs typeface="+mn-cs"/>
+              </a:defRPr>
+            </a:lvl5pPr>
+            <a:lvl6pPr marL="2514600" indent="-228600" algn="l" defTabSz="914400" rtl="0" eaLnBrk="1" latinLnBrk="0" hangingPunct="1">
+              <a:lnSpc>
+                <a:spcPct val="90000"/>
+              </a:lnSpc>
+              <a:spcBef>
+                <a:spcPts val="500"/>
+              </a:spcBef>
+              <a:buFont typeface="Arial" panose="020B0604020202020204" pitchFamily="34" charset="0"/>
+              <a:buChar char="•"/>
+              <a:defRPr sz="1800" kern="1200">
+                <a:solidFill>
+                  <a:schemeClr val="tx1"/>
+                </a:solidFill>
+                <a:latin typeface="+mn-lt"/>
+                <a:ea typeface="+mn-ea"/>
+                <a:cs typeface="+mn-cs"/>
+              </a:defRPr>
+            </a:lvl6pPr>
+            <a:lvl7pPr marL="2971800" indent="-228600" algn="l" defTabSz="914400" rtl="0" eaLnBrk="1" latinLnBrk="0" hangingPunct="1">
+              <a:lnSpc>
+                <a:spcPct val="90000"/>
+              </a:lnSpc>
+              <a:spcBef>
+                <a:spcPts val="500"/>
+              </a:spcBef>
+              <a:buFont typeface="Arial" panose="020B0604020202020204" pitchFamily="34" charset="0"/>
+              <a:buChar char="•"/>
+              <a:defRPr sz="1800" kern="1200">
+                <a:solidFill>
+                  <a:schemeClr val="tx1"/>
+                </a:solidFill>
+                <a:latin typeface="+mn-lt"/>
+                <a:ea typeface="+mn-ea"/>
+                <a:cs typeface="+mn-cs"/>
+              </a:defRPr>
+            </a:lvl7pPr>
+            <a:lvl8pPr marL="3429000" indent="-228600" algn="l" defTabSz="914400" rtl="0" eaLnBrk="1" latinLnBrk="0" hangingPunct="1">
+              <a:lnSpc>
+                <a:spcPct val="90000"/>
+              </a:lnSpc>
+              <a:spcBef>
+                <a:spcPts val="500"/>
+              </a:spcBef>
+              <a:buFont typeface="Arial" panose="020B0604020202020204" pitchFamily="34" charset="0"/>
+              <a:buChar char="•"/>
+              <a:defRPr sz="1800" kern="1200">
+                <a:solidFill>
+                  <a:schemeClr val="tx1"/>
+                </a:solidFill>
+                <a:latin typeface="+mn-lt"/>
+                <a:ea typeface="+mn-ea"/>
+                <a:cs typeface="+mn-cs"/>
+              </a:defRPr>
+            </a:lvl8pPr>
+            <a:lvl9pPr marL="3886200" indent="-228600" algn="l" defTabSz="914400" rtl="0" eaLnBrk="1" latinLnBrk="0" hangingPunct="1">
+              <a:lnSpc>
+                <a:spcPct val="90000"/>
+              </a:lnSpc>
+              <a:spcBef>
+                <a:spcPts val="500"/>
+              </a:spcBef>
+              <a:buFont typeface="Arial" panose="020B0604020202020204" pitchFamily="34" charset="0"/>
+              <a:buChar char="•"/>
+              <a:defRPr sz="1800" kern="1200">
+                <a:solidFill>
+                  <a:schemeClr val="tx1"/>
+                </a:solidFill>
+                <a:latin typeface="+mn-lt"/>
+                <a:ea typeface="+mn-ea"/>
+                <a:cs typeface="+mn-cs"/>
+              </a:defRPr>
+            </a:lvl9pPr>
+          </a:lstStyle>
+          <a:p>
+            <a:pPr marL="0" indent="0">
+              <a:buNone/>
+            </a:pPr>
+            <a:r>
+              <a:rPr lang="pt-BR" sz="1800" dirty="0">
+                <a:latin typeface="Arial" panose="020B0604020202020204" pitchFamily="34" charset="0"/>
+                <a:cs typeface="Arial" panose="020B0604020202020204" pitchFamily="34" charset="0"/>
+              </a:rPr>
+              <a:t>O objetivo deste caso é determinar o momento máximo na interface do MCV com a linha, no sentido de suspender o flange do MCV, estando este acoplado.</a:t>
+            </a:r>
+          </a:p>
+          <a:p>
+            <a:pPr marL="0" indent="0">
+              <a:buNone/>
+            </a:pPr>
+            <a:r>
+              <a:rPr lang="pt-BR" sz="1800" dirty="0">
+                <a:latin typeface="Arial" panose="020B0604020202020204" pitchFamily="34" charset="0"/>
+                <a:cs typeface="Arial" panose="020B0604020202020204" pitchFamily="34" charset="0"/>
+              </a:rPr>
+              <a:t>Considera-se um deslocamento vertical máximo da linha de 2,5m, aplicados em 2,15 segundos..</a:t>
+            </a:r>
+          </a:p>
+        </p:txBody>
+      </p:sp>
+    </p:spTree>
+    <p:extLst>
+      <p:ext uri="{BB962C8B-B14F-4D97-AF65-F5344CB8AC3E}">
+        <p14:creationId xmlns:p14="http://schemas.microsoft.com/office/powerpoint/2010/main" val="1803527078"/>
+      </p:ext>
+    </p:extLst>
+  </p:cSld>
+  <p:clrMapOvr>
+    <a:masterClrMapping/>
+  </p:clrMapOvr>
+  <mc:AlternateContent xmlns:mc="http://schemas.openxmlformats.org/markup-compatibility/2006">
+    <mc:Choice xmlns:p159="http://schemas.microsoft.com/office/powerpoint/2015/09/main" Requires="p159">
+      <p:transition xmlns:p14="http://schemas.microsoft.com/office/powerpoint/2010/main" spd="slow" p14:dur="2500">
+        <p159:morph option="byObject"/>
+      </p:transition>
+    </mc:Choice>
+    <mc:Fallback>
+      <p:transition spd="slow">
+        <p:fade/>
+      </p:transition>
+    </mc:Fallback>
+  </mc:AlternateContent>
+  <p:timing>
+    <p:tnLst>
+      <p:par>
+        <p:cTn id="1" dur="indefinite" restart="never" nodeType="tmRoot">
+          <p:childTnLst>
+            <p:seq concurrent="1" nextAc="seek">
+              <p:cTn id="2" dur="indefinite" nodeType="mainSeq">
+                <p:childTnLst>
+                  <p:par>
+                    <p:cTn id="3" fill="hold">
+                      <p:stCondLst>
+                        <p:cond delay="indefinite"/>
+                      </p:stCondLst>
+                      <p:childTnLst>
+                        <p:par>
+                          <p:cTn id="4" fill="hold">
+                            <p:stCondLst>
+                              <p:cond delay="0"/>
+                            </p:stCondLst>
+                            <p:childTnLst>
+                              <p:par>
+                                <p:cTn id="5" presetID="1" presetClass="entr" presetSubtype="0" fill="hold" grpId="0" nodeType="clickEffect">
+                                  <p:stCondLst>
+                                    <p:cond delay="0"/>
+                                  </p:stCondLst>
+                                  <p:childTnLst>
+                                    <p:set>
+                                      <p:cBhvr>
+                                        <p:cTn id="6" dur="1" fill="hold">
+                                          <p:stCondLst>
+                                            <p:cond delay="999"/>
+                                          </p:stCondLst>
+                                        </p:cTn>
+                                        <p:tgtEl>
+                                          <p:spTgt spid="8"/>
+                                        </p:tgtEl>
+                                        <p:attrNameLst>
+                                          <p:attrName>style.visibility</p:attrName>
+                                        </p:attrNameLst>
+                                      </p:cBhvr>
+                                      <p:to>
+                                        <p:strVal val="visible"/>
+                                      </p:to>
+                                    </p:set>
+                                  </p:childTnLst>
+                                </p:cTn>
+                              </p:par>
+                            </p:childTnLst>
+                          </p:cTn>
+                        </p:par>
+                      </p:childTnLst>
+                    </p:cTn>
+                  </p:par>
+                </p:childTnLst>
+              </p:cTn>
+              <p:prevCondLst>
+                <p:cond evt="onPrev" delay="0">
+                  <p:tgtEl>
+                    <p:sldTgt/>
+                  </p:tgtEl>
+                </p:cond>
+              </p:prevCondLst>
+              <p:nextCondLst>
+                <p:cond evt="onNext" delay="0">
+                  <p:tgtEl>
+                    <p:sldTgt/>
+                  </p:tgtEl>
+                </p:cond>
+              </p:nextCondLst>
+            </p:seq>
+          </p:childTnLst>
+        </p:cTn>
+      </p:par>
+    </p:tnLst>
+    <p:bldLst>
+      <p:bldP spid="8" grpId="0" animBg="1"/>
+    </p:bldLst>
+  </p:timing>
+</p:sld>
+</file>
+
+<file path=ppt/slides/slide6.xml><?xml version="1.0" encoding="utf-8"?>
+<p:sld xmlns:a="http://schemas.openxmlformats.org/drawingml/2006/main" xmlns:r="http://schemas.openxmlformats.org/officeDocument/2006/relationships" xmlns:p="http://schemas.openxmlformats.org/presentationml/2006/main">
+  <p:cSld>
+    <p:spTree>
+      <p:nvGrpSpPr>
+        <p:cNvPr id="1" name=""/>
+        <p:cNvGrpSpPr/>
+        <p:nvPr/>
+      </p:nvGrpSpPr>
+      <p:grpSpPr>
+        <a:xfrm>
+          <a:off x="0" y="0"/>
+          <a:ext cx="0" cy="0"/>
+          <a:chOff x="0" y="0"/>
+          <a:chExt cx="0" cy="0"/>
+        </a:xfrm>
+      </p:grpSpPr>
+      <p:sp>
+        <p:nvSpPr>
+          <p:cNvPr id="2" name="Rectangle 1">
+            <a:extLst>
+              <a:ext uri="{FF2B5EF4-FFF2-40B4-BE49-F238E27FC236}">
+                <a16:creationId xmlns:a16="http://schemas.microsoft.com/office/drawing/2014/main" id="{82A3C9AA-781F-2788-A27C-A4DF89D5F5F7}"/>
+              </a:ext>
+            </a:extLst>
+          </p:cNvPr>
+          <p:cNvSpPr/>
+          <p:nvPr/>
+        </p:nvSpPr>
+        <p:spPr>
+          <a:xfrm>
+            <a:off x="8389" y="8389"/>
+            <a:ext cx="1367406" cy="276837"/>
+          </a:xfrm>
+          <a:prstGeom prst="rect">
+            <a:avLst/>
+          </a:prstGeom>
+          <a:solidFill>
+            <a:schemeClr val="bg1"/>
+          </a:solidFill>
+          <a:ln>
+            <a:solidFill>
+              <a:schemeClr val="bg1"/>
+            </a:solidFill>
+          </a:ln>
+        </p:spPr>
+        <p:style>
+          <a:lnRef idx="2">
+            <a:schemeClr val="accent1">
+              <a:shade val="15000"/>
+            </a:schemeClr>
+          </a:lnRef>
+          <a:fillRef idx="1">
+            <a:schemeClr val="accent1"/>
+          </a:fillRef>
+          <a:effectRef idx="0">
+            <a:schemeClr val="accent1"/>
+          </a:effectRef>
+          <a:fontRef idx="minor">
+            <a:schemeClr val="lt1"/>
+          </a:fontRef>
+        </p:style>
+        <p:txBody>
+          <a:bodyPr rtlCol="0" anchor="ctr"/>
+          <a:lstStyle/>
+          <a:p>
+            <a:pPr algn="ctr"/>
+            <a:endParaRPr lang="pt-BR"/>
+          </a:p>
+        </p:txBody>
+      </p:sp>
+      <p:sp>
+        <p:nvSpPr>
+          <p:cNvPr id="3" name="Title 2">
+            <a:extLst>
+              <a:ext uri="{FF2B5EF4-FFF2-40B4-BE49-F238E27FC236}">
+                <a16:creationId xmlns:a16="http://schemas.microsoft.com/office/drawing/2014/main" id="{EF41C3DC-A068-3CFD-C4B2-D8F09AA1D675}"/>
+              </a:ext>
+            </a:extLst>
+          </p:cNvPr>
+          <p:cNvSpPr txBox="1">
+            <a:spLocks/>
+          </p:cNvSpPr>
+          <p:nvPr/>
+        </p:nvSpPr>
+        <p:spPr>
+          <a:xfrm>
+            <a:off x="559267" y="476411"/>
+            <a:ext cx="9144000" cy="505102"/>
+          </a:xfrm>
+          <a:prstGeom prst="rect">
+            <a:avLst/>
+          </a:prstGeom>
+        </p:spPr>
+        <p:txBody>
+          <a:bodyPr anchor="t">
+            <a:normAutofit fontScale="90000" lnSpcReduction="10000"/>
+          </a:bodyPr>
+          <a:lstStyle>
+            <a:lvl1pPr algn="l" defTabSz="914400" rtl="0" eaLnBrk="1" latinLnBrk="0" hangingPunct="1">
+              <a:lnSpc>
+                <a:spcPct val="90000"/>
+              </a:lnSpc>
+              <a:spcBef>
+                <a:spcPct val="0"/>
+              </a:spcBef>
+              <a:buNone/>
+              <a:defRPr sz="4400" kern="1200">
+                <a:solidFill>
+                  <a:schemeClr val="tx1"/>
+                </a:solidFill>
+                <a:latin typeface="+mj-lt"/>
+                <a:ea typeface="+mj-ea"/>
+                <a:cs typeface="+mj-cs"/>
+              </a:defRPr>
+            </a:lvl1pPr>
+          </a:lstStyle>
+          <a:p>
+            <a:r>
+              <a:rPr lang="pt-BR" sz="3600" b="1" dirty="0">
+                <a:latin typeface="Arial" panose="020B0604020202020204" pitchFamily="34" charset="0"/>
+                <a:cs typeface="Arial" panose="020B0604020202020204" pitchFamily="34" charset="0"/>
+              </a:rPr>
+              <a:t>Metodologia de análise adotada</a:t>
+            </a:r>
+          </a:p>
+        </p:txBody>
+      </p:sp>
+      <p:sp>
+        <p:nvSpPr>
+          <p:cNvPr id="4" name="Subtitle 3">
+            <a:extLst>
+              <a:ext uri="{FF2B5EF4-FFF2-40B4-BE49-F238E27FC236}">
+                <a16:creationId xmlns:a16="http://schemas.microsoft.com/office/drawing/2014/main" id="{DF980482-2E20-43F7-B7B5-FFF3CF67BC3E}"/>
+              </a:ext>
+            </a:extLst>
+          </p:cNvPr>
+          <p:cNvSpPr txBox="1">
+            <a:spLocks/>
+          </p:cNvSpPr>
+          <p:nvPr/>
+        </p:nvSpPr>
+        <p:spPr>
+          <a:xfrm>
+            <a:off x="559266" y="1286677"/>
+            <a:ext cx="10925261" cy="846906"/>
+          </a:xfrm>
+          <a:prstGeom prst="rect">
+            <a:avLst/>
+          </a:prstGeom>
+        </p:spPr>
+        <p:txBody>
+          <a:bodyPr anchor="t"/>
+          <a:lstStyle>
+            <a:lvl1pPr marL="228600" indent="-228600" algn="l" defTabSz="914400" rtl="0" eaLnBrk="1" latinLnBrk="0" hangingPunct="1">
+              <a:lnSpc>
+                <a:spcPct val="90000"/>
+              </a:lnSpc>
+              <a:spcBef>
+                <a:spcPts val="1000"/>
+              </a:spcBef>
+              <a:buFont typeface="Arial" panose="020B0604020202020204" pitchFamily="34" charset="0"/>
+              <a:buChar char="•"/>
+              <a:defRPr sz="2800" kern="1200">
+                <a:solidFill>
+                  <a:schemeClr val="tx1"/>
+                </a:solidFill>
+                <a:latin typeface="+mn-lt"/>
+                <a:ea typeface="+mn-ea"/>
+                <a:cs typeface="+mn-cs"/>
+              </a:defRPr>
+            </a:lvl1pPr>
+            <a:lvl2pPr marL="685800" indent="-228600" algn="l" defTabSz="914400" rtl="0" eaLnBrk="1" latinLnBrk="0" hangingPunct="1">
+              <a:lnSpc>
+                <a:spcPct val="90000"/>
+              </a:lnSpc>
+              <a:spcBef>
+                <a:spcPts val="500"/>
+              </a:spcBef>
+              <a:buFont typeface="Arial" panose="020B0604020202020204" pitchFamily="34" charset="0"/>
+              <a:buChar char="•"/>
+              <a:defRPr sz="2400" kern="1200">
+                <a:solidFill>
+                  <a:schemeClr val="tx1"/>
+                </a:solidFill>
+                <a:latin typeface="+mn-lt"/>
+                <a:ea typeface="+mn-ea"/>
+                <a:cs typeface="+mn-cs"/>
+              </a:defRPr>
+            </a:lvl2pPr>
+            <a:lvl3pPr marL="1143000" indent="-228600" algn="l" defTabSz="914400" rtl="0" eaLnBrk="1" latinLnBrk="0" hangingPunct="1">
+              <a:lnSpc>
+                <a:spcPct val="90000"/>
+              </a:lnSpc>
+              <a:spcBef>
+                <a:spcPts val="500"/>
+              </a:spcBef>
+              <a:buFont typeface="Arial" panose="020B0604020202020204" pitchFamily="34" charset="0"/>
+              <a:buChar char="•"/>
+              <a:defRPr sz="2000" kern="1200">
+                <a:solidFill>
+                  <a:schemeClr val="tx1"/>
+                </a:solidFill>
+                <a:latin typeface="+mn-lt"/>
+                <a:ea typeface="+mn-ea"/>
+                <a:cs typeface="+mn-cs"/>
+              </a:defRPr>
+            </a:lvl3pPr>
+            <a:lvl4pPr marL="1600200" indent="-228600" algn="l" defTabSz="914400" rtl="0" eaLnBrk="1" latinLnBrk="0" hangingPunct="1">
+              <a:lnSpc>
+                <a:spcPct val="90000"/>
+              </a:lnSpc>
+              <a:spcBef>
+                <a:spcPts val="500"/>
+              </a:spcBef>
+              <a:buFont typeface="Arial" panose="020B0604020202020204" pitchFamily="34" charset="0"/>
+              <a:buChar char="•"/>
+              <a:defRPr sz="1800" kern="1200">
+                <a:solidFill>
+                  <a:schemeClr val="tx1"/>
+                </a:solidFill>
+                <a:latin typeface="+mn-lt"/>
+                <a:ea typeface="+mn-ea"/>
+                <a:cs typeface="+mn-cs"/>
+              </a:defRPr>
+            </a:lvl4pPr>
+            <a:lvl5pPr marL="2057400" indent="-228600" algn="l" defTabSz="914400" rtl="0" eaLnBrk="1" latinLnBrk="0" hangingPunct="1">
+              <a:lnSpc>
+                <a:spcPct val="90000"/>
+              </a:lnSpc>
+              <a:spcBef>
+                <a:spcPts val="500"/>
+              </a:spcBef>
+              <a:buFont typeface="Arial" panose="020B0604020202020204" pitchFamily="34" charset="0"/>
+              <a:buChar char="•"/>
+              <a:defRPr sz="1800" kern="1200">
+                <a:solidFill>
+                  <a:schemeClr val="tx1"/>
+                </a:solidFill>
+                <a:latin typeface="+mn-lt"/>
+                <a:ea typeface="+mn-ea"/>
+                <a:cs typeface="+mn-cs"/>
+              </a:defRPr>
+            </a:lvl5pPr>
+            <a:lvl6pPr marL="2514600" indent="-228600" algn="l" defTabSz="914400" rtl="0" eaLnBrk="1" latinLnBrk="0" hangingPunct="1">
+              <a:lnSpc>
+                <a:spcPct val="90000"/>
+              </a:lnSpc>
+              <a:spcBef>
+                <a:spcPts val="500"/>
+              </a:spcBef>
+              <a:buFont typeface="Arial" panose="020B0604020202020204" pitchFamily="34" charset="0"/>
+              <a:buChar char="•"/>
+              <a:defRPr sz="1800" kern="1200">
+                <a:solidFill>
+                  <a:schemeClr val="tx1"/>
+                </a:solidFill>
+                <a:latin typeface="+mn-lt"/>
+                <a:ea typeface="+mn-ea"/>
+                <a:cs typeface="+mn-cs"/>
+              </a:defRPr>
+            </a:lvl6pPr>
+            <a:lvl7pPr marL="2971800" indent="-228600" algn="l" defTabSz="914400" rtl="0" eaLnBrk="1" latinLnBrk="0" hangingPunct="1">
+              <a:lnSpc>
+                <a:spcPct val="90000"/>
+              </a:lnSpc>
+              <a:spcBef>
+                <a:spcPts val="500"/>
+              </a:spcBef>
+              <a:buFont typeface="Arial" panose="020B0604020202020204" pitchFamily="34" charset="0"/>
+              <a:buChar char="•"/>
+              <a:defRPr sz="1800" kern="1200">
+                <a:solidFill>
+                  <a:schemeClr val="tx1"/>
+                </a:solidFill>
+                <a:latin typeface="+mn-lt"/>
+                <a:ea typeface="+mn-ea"/>
+                <a:cs typeface="+mn-cs"/>
+              </a:defRPr>
+            </a:lvl7pPr>
+            <a:lvl8pPr marL="3429000" indent="-228600" algn="l" defTabSz="914400" rtl="0" eaLnBrk="1" latinLnBrk="0" hangingPunct="1">
+              <a:lnSpc>
+                <a:spcPct val="90000"/>
+              </a:lnSpc>
+              <a:spcBef>
+                <a:spcPts val="500"/>
+              </a:spcBef>
+              <a:buFont typeface="Arial" panose="020B0604020202020204" pitchFamily="34" charset="0"/>
+              <a:buChar char="•"/>
+              <a:defRPr sz="1800" kern="1200">
+                <a:solidFill>
+                  <a:schemeClr val="tx1"/>
+                </a:solidFill>
+                <a:latin typeface="+mn-lt"/>
+                <a:ea typeface="+mn-ea"/>
+                <a:cs typeface="+mn-cs"/>
+              </a:defRPr>
+            </a:lvl8pPr>
+            <a:lvl9pPr marL="3886200" indent="-228600" algn="l" defTabSz="914400" rtl="0" eaLnBrk="1" latinLnBrk="0" hangingPunct="1">
+              <a:lnSpc>
+                <a:spcPct val="90000"/>
+              </a:lnSpc>
+              <a:spcBef>
+                <a:spcPts val="500"/>
+              </a:spcBef>
+              <a:buFont typeface="Arial" panose="020B0604020202020204" pitchFamily="34" charset="0"/>
+              <a:buChar char="•"/>
+              <a:defRPr sz="1800" kern="1200">
+                <a:solidFill>
+                  <a:schemeClr val="tx1"/>
+                </a:solidFill>
+                <a:latin typeface="+mn-lt"/>
+                <a:ea typeface="+mn-ea"/>
+                <a:cs typeface="+mn-cs"/>
+              </a:defRPr>
+            </a:lvl9pPr>
+          </a:lstStyle>
+          <a:p>
+            <a:pPr marL="0" indent="0">
+              <a:buNone/>
+            </a:pPr>
+            <a:r>
+              <a:rPr lang="pt-BR" sz="2400" dirty="0">
+                <a:latin typeface="Arial" panose="020B0604020202020204" pitchFamily="34" charset="0"/>
+                <a:cs typeface="Arial" panose="020B0604020202020204" pitchFamily="34" charset="0"/>
+              </a:rPr>
+              <a:t>Escopo de análise mínimo</a:t>
+            </a:r>
+          </a:p>
+          <a:p>
+            <a:r>
+              <a:rPr lang="pt-BR" sz="1800" dirty="0">
+                <a:latin typeface="Arial" panose="020B0604020202020204" pitchFamily="34" charset="0"/>
+                <a:cs typeface="Arial" panose="020B0604020202020204" pitchFamily="34" charset="0"/>
+              </a:rPr>
+              <a:t>Terceiro passo: MCV engastado no momento do toque da linha no solo</a:t>
+            </a:r>
+          </a:p>
+        </p:txBody>
+      </p:sp>
+      <p:sp>
+        <p:nvSpPr>
+          <p:cNvPr id="6" name="Subtitle 3">
+            <a:extLst>
+              <a:ext uri="{FF2B5EF4-FFF2-40B4-BE49-F238E27FC236}">
+                <a16:creationId xmlns:a16="http://schemas.microsoft.com/office/drawing/2014/main" id="{1FB6053F-E372-4A05-B989-D1E2D05916DA}"/>
+              </a:ext>
+            </a:extLst>
+          </p:cNvPr>
+          <p:cNvSpPr txBox="1">
+            <a:spLocks/>
+          </p:cNvSpPr>
+          <p:nvPr/>
+        </p:nvSpPr>
+        <p:spPr>
+          <a:xfrm>
+            <a:off x="684528" y="2133583"/>
+            <a:ext cx="10800000" cy="1295417"/>
+          </a:xfrm>
+          <a:prstGeom prst="rect">
+            <a:avLst/>
+          </a:prstGeom>
+        </p:spPr>
+        <p:txBody>
+          <a:bodyPr anchor="ctr"/>
+          <a:lstStyle>
+            <a:lvl1pPr marL="228600" indent="-228600" algn="l" defTabSz="914400" rtl="0" eaLnBrk="1" latinLnBrk="0" hangingPunct="1">
+              <a:lnSpc>
+                <a:spcPct val="90000"/>
+              </a:lnSpc>
+              <a:spcBef>
+                <a:spcPts val="1000"/>
+              </a:spcBef>
+              <a:buFont typeface="Arial" panose="020B0604020202020204" pitchFamily="34" charset="0"/>
+              <a:buChar char="•"/>
+              <a:defRPr sz="2800" kern="1200">
+                <a:solidFill>
+                  <a:schemeClr val="tx1"/>
+                </a:solidFill>
+                <a:latin typeface="+mn-lt"/>
+                <a:ea typeface="+mn-ea"/>
+                <a:cs typeface="+mn-cs"/>
+              </a:defRPr>
+            </a:lvl1pPr>
+            <a:lvl2pPr marL="685800" indent="-228600" algn="l" defTabSz="914400" rtl="0" eaLnBrk="1" latinLnBrk="0" hangingPunct="1">
+              <a:lnSpc>
+                <a:spcPct val="90000"/>
+              </a:lnSpc>
+              <a:spcBef>
+                <a:spcPts val="500"/>
+              </a:spcBef>
+              <a:buFont typeface="Arial" panose="020B0604020202020204" pitchFamily="34" charset="0"/>
+              <a:buChar char="•"/>
+              <a:defRPr sz="2400" kern="1200">
+                <a:solidFill>
+                  <a:schemeClr val="tx1"/>
+                </a:solidFill>
+                <a:latin typeface="+mn-lt"/>
+                <a:ea typeface="+mn-ea"/>
+                <a:cs typeface="+mn-cs"/>
+              </a:defRPr>
+            </a:lvl2pPr>
+            <a:lvl3pPr marL="1143000" indent="-228600" algn="l" defTabSz="914400" rtl="0" eaLnBrk="1" latinLnBrk="0" hangingPunct="1">
+              <a:lnSpc>
+                <a:spcPct val="90000"/>
+              </a:lnSpc>
+              <a:spcBef>
+                <a:spcPts val="500"/>
+              </a:spcBef>
+              <a:buFont typeface="Arial" panose="020B0604020202020204" pitchFamily="34" charset="0"/>
+              <a:buChar char="•"/>
+              <a:defRPr sz="2000" kern="1200">
+                <a:solidFill>
+                  <a:schemeClr val="tx1"/>
+                </a:solidFill>
+                <a:latin typeface="+mn-lt"/>
+                <a:ea typeface="+mn-ea"/>
+                <a:cs typeface="+mn-cs"/>
+              </a:defRPr>
+            </a:lvl3pPr>
+            <a:lvl4pPr marL="1600200" indent="-228600" algn="l" defTabSz="914400" rtl="0" eaLnBrk="1" latinLnBrk="0" hangingPunct="1">
+              <a:lnSpc>
+                <a:spcPct val="90000"/>
+              </a:lnSpc>
+              <a:spcBef>
+                <a:spcPts val="500"/>
+              </a:spcBef>
+              <a:buFont typeface="Arial" panose="020B0604020202020204" pitchFamily="34" charset="0"/>
+              <a:buChar char="•"/>
+              <a:defRPr sz="1800" kern="1200">
+                <a:solidFill>
+                  <a:schemeClr val="tx1"/>
+                </a:solidFill>
+                <a:latin typeface="+mn-lt"/>
+                <a:ea typeface="+mn-ea"/>
+                <a:cs typeface="+mn-cs"/>
+              </a:defRPr>
+            </a:lvl4pPr>
+            <a:lvl5pPr marL="2057400" indent="-228600" algn="l" defTabSz="914400" rtl="0" eaLnBrk="1" latinLnBrk="0" hangingPunct="1">
+              <a:lnSpc>
+                <a:spcPct val="90000"/>
+              </a:lnSpc>
+              <a:spcBef>
+                <a:spcPts val="500"/>
+              </a:spcBef>
+              <a:buFont typeface="Arial" panose="020B0604020202020204" pitchFamily="34" charset="0"/>
+              <a:buChar char="•"/>
+              <a:defRPr sz="1800" kern="1200">
+                <a:solidFill>
+                  <a:schemeClr val="tx1"/>
+                </a:solidFill>
+                <a:latin typeface="+mn-lt"/>
+                <a:ea typeface="+mn-ea"/>
+                <a:cs typeface="+mn-cs"/>
+              </a:defRPr>
+            </a:lvl5pPr>
+            <a:lvl6pPr marL="2514600" indent="-228600" algn="l" defTabSz="914400" rtl="0" eaLnBrk="1" latinLnBrk="0" hangingPunct="1">
+              <a:lnSpc>
+                <a:spcPct val="90000"/>
+              </a:lnSpc>
+              <a:spcBef>
+                <a:spcPts val="500"/>
+              </a:spcBef>
+              <a:buFont typeface="Arial" panose="020B0604020202020204" pitchFamily="34" charset="0"/>
+              <a:buChar char="•"/>
+              <a:defRPr sz="1800" kern="1200">
+                <a:solidFill>
+                  <a:schemeClr val="tx1"/>
+                </a:solidFill>
+                <a:latin typeface="+mn-lt"/>
+                <a:ea typeface="+mn-ea"/>
+                <a:cs typeface="+mn-cs"/>
+              </a:defRPr>
+            </a:lvl6pPr>
+            <a:lvl7pPr marL="2971800" indent="-228600" algn="l" defTabSz="914400" rtl="0" eaLnBrk="1" latinLnBrk="0" hangingPunct="1">
+              <a:lnSpc>
+                <a:spcPct val="90000"/>
+              </a:lnSpc>
+              <a:spcBef>
+                <a:spcPts val="500"/>
+              </a:spcBef>
+              <a:buFont typeface="Arial" panose="020B0604020202020204" pitchFamily="34" charset="0"/>
+              <a:buChar char="•"/>
+              <a:defRPr sz="1800" kern="1200">
+                <a:solidFill>
+                  <a:schemeClr val="tx1"/>
+                </a:solidFill>
+                <a:latin typeface="+mn-lt"/>
+                <a:ea typeface="+mn-ea"/>
+                <a:cs typeface="+mn-cs"/>
+              </a:defRPr>
+            </a:lvl7pPr>
+            <a:lvl8pPr marL="3429000" indent="-228600" algn="l" defTabSz="914400" rtl="0" eaLnBrk="1" latinLnBrk="0" hangingPunct="1">
+              <a:lnSpc>
+                <a:spcPct val="90000"/>
+              </a:lnSpc>
+              <a:spcBef>
+                <a:spcPts val="500"/>
+              </a:spcBef>
+              <a:buFont typeface="Arial" panose="020B0604020202020204" pitchFamily="34" charset="0"/>
+              <a:buChar char="•"/>
+              <a:defRPr sz="1800" kern="1200">
+                <a:solidFill>
+                  <a:schemeClr val="tx1"/>
+                </a:solidFill>
+                <a:latin typeface="+mn-lt"/>
+                <a:ea typeface="+mn-ea"/>
+                <a:cs typeface="+mn-cs"/>
+              </a:defRPr>
+            </a:lvl8pPr>
+            <a:lvl9pPr marL="3886200" indent="-228600" algn="l" defTabSz="914400" rtl="0" eaLnBrk="1" latinLnBrk="0" hangingPunct="1">
+              <a:lnSpc>
+                <a:spcPct val="90000"/>
+              </a:lnSpc>
+              <a:spcBef>
+                <a:spcPts val="500"/>
+              </a:spcBef>
+              <a:buFont typeface="Arial" panose="020B0604020202020204" pitchFamily="34" charset="0"/>
+              <a:buChar char="•"/>
+              <a:defRPr sz="1800" kern="1200">
+                <a:solidFill>
+                  <a:schemeClr val="tx1"/>
+                </a:solidFill>
+                <a:latin typeface="+mn-lt"/>
+                <a:ea typeface="+mn-ea"/>
+                <a:cs typeface="+mn-cs"/>
+              </a:defRPr>
+            </a:lvl9pPr>
+          </a:lstStyle>
+          <a:p>
+            <a:pPr marL="0" indent="0">
+              <a:buNone/>
+            </a:pPr>
+            <a:r>
+              <a:rPr lang="pt-BR" sz="1800" dirty="0">
+                <a:latin typeface="Arial" panose="020B0604020202020204" pitchFamily="34" charset="0"/>
+                <a:cs typeface="Arial" panose="020B0604020202020204" pitchFamily="34" charset="0"/>
+              </a:rPr>
+              <a:t>Este caso representa a situação em que ocorre o primeiro contato da linha com o solo marinho, após a conexão do MCV no hub.</a:t>
+            </a:r>
+          </a:p>
+        </p:txBody>
+      </p:sp>
+      <p:pic>
+        <p:nvPicPr>
+          <p:cNvPr id="5" name="Imagem 4">
+            <a:extLst>
+              <a:ext uri="{FF2B5EF4-FFF2-40B4-BE49-F238E27FC236}">
+                <a16:creationId xmlns:a16="http://schemas.microsoft.com/office/drawing/2014/main" id="{9FE01535-CA2D-4F42-A9AC-4811AC9E8E6C}"/>
+              </a:ext>
+            </a:extLst>
+          </p:cNvPr>
+          <p:cNvPicPr>
+            <a:picLocks noChangeAspect="1"/>
+          </p:cNvPicPr>
+          <p:nvPr/>
+        </p:nvPicPr>
+        <p:blipFill>
+          <a:blip r:embed="rId2"/>
+          <a:stretch>
+            <a:fillRect/>
+          </a:stretch>
+        </p:blipFill>
+        <p:spPr>
+          <a:xfrm>
+            <a:off x="3396000" y="3759850"/>
+            <a:ext cx="5400000" cy="2621739"/>
+          </a:xfrm>
+          <a:prstGeom prst="rect">
+            <a:avLst/>
+          </a:prstGeom>
+        </p:spPr>
+      </p:pic>
+    </p:spTree>
+    <p:extLst>
+      <p:ext uri="{BB962C8B-B14F-4D97-AF65-F5344CB8AC3E}">
+        <p14:creationId xmlns:p14="http://schemas.microsoft.com/office/powerpoint/2010/main" val="324684823"/>
+      </p:ext>
+    </p:extLst>
+  </p:cSld>
+  <p:clrMapOvr>
+    <a:masterClrMapping/>
+  </p:clrMapOvr>
+  <mc:AlternateContent xmlns:mc="http://schemas.openxmlformats.org/markup-compatibility/2006">
+    <mc:Choice xmlns:p159="http://schemas.microsoft.com/office/powerpoint/2015/09/main" Requires="p159">
+      <p:transition xmlns:p14="http://schemas.microsoft.com/office/powerpoint/2010/main" spd="slow" p14:dur="2500">
+        <p159:morph option="byObject"/>
+      </p:transition>
+    </mc:Choice>
+    <mc:Fallback>
+      <p:transition spd="slow">
+        <p:fade/>
+      </p:transition>
+    </mc:Fallback>
+  </mc:AlternateContent>
+</p:sld>
+</file>
+
+<file path=ppt/slides/slide7.xml><?xml version="1.0" encoding="utf-8"?>
+<p:sld xmlns:a="http://schemas.openxmlformats.org/drawingml/2006/main" xmlns:r="http://schemas.openxmlformats.org/officeDocument/2006/relationships" xmlns:p="http://schemas.openxmlformats.org/presentationml/2006/main">
+  <p:cSld>
+    <p:spTree>
+      <p:nvGrpSpPr>
+        <p:cNvPr id="1" name=""/>
+        <p:cNvGrpSpPr/>
+        <p:nvPr/>
+      </p:nvGrpSpPr>
+      <p:grpSpPr>
+        <a:xfrm>
+          <a:off x="0" y="0"/>
+          <a:ext cx="0" cy="0"/>
+          <a:chOff x="0" y="0"/>
+          <a:chExt cx="0" cy="0"/>
+        </a:xfrm>
+      </p:grpSpPr>
+      <p:sp>
+        <p:nvSpPr>
+          <p:cNvPr id="2" name="Rectangle 1">
+            <a:extLst>
+              <a:ext uri="{FF2B5EF4-FFF2-40B4-BE49-F238E27FC236}">
+                <a16:creationId xmlns:a16="http://schemas.microsoft.com/office/drawing/2014/main" id="{82A3C9AA-781F-2788-A27C-A4DF89D5F5F7}"/>
+              </a:ext>
+            </a:extLst>
+          </p:cNvPr>
+          <p:cNvSpPr/>
+          <p:nvPr/>
+        </p:nvSpPr>
+        <p:spPr>
+          <a:xfrm>
+            <a:off x="8389" y="8389"/>
+            <a:ext cx="1367406" cy="276837"/>
+          </a:xfrm>
+          <a:prstGeom prst="rect">
+            <a:avLst/>
+          </a:prstGeom>
+          <a:solidFill>
+            <a:schemeClr val="bg1"/>
+          </a:solidFill>
+          <a:ln>
+            <a:solidFill>
+              <a:schemeClr val="bg1"/>
+            </a:solidFill>
+          </a:ln>
+        </p:spPr>
+        <p:style>
+          <a:lnRef idx="2">
+            <a:schemeClr val="accent1">
+              <a:shade val="15000"/>
+            </a:schemeClr>
+          </a:lnRef>
+          <a:fillRef idx="1">
+            <a:schemeClr val="accent1"/>
+          </a:fillRef>
+          <a:effectRef idx="0">
+            <a:schemeClr val="accent1"/>
+          </a:effectRef>
+          <a:fontRef idx="minor">
+            <a:schemeClr val="lt1"/>
+          </a:fontRef>
+        </p:style>
+        <p:txBody>
+          <a:bodyPr rtlCol="0" anchor="ctr"/>
+          <a:lstStyle/>
+          <a:p>
+            <a:pPr algn="ctr"/>
+            <a:endParaRPr lang="pt-BR"/>
+          </a:p>
+        </p:txBody>
+      </p:sp>
+      <p:sp>
+        <p:nvSpPr>
+          <p:cNvPr id="3" name="Title 2">
+            <a:extLst>
+              <a:ext uri="{FF2B5EF4-FFF2-40B4-BE49-F238E27FC236}">
+                <a16:creationId xmlns:a16="http://schemas.microsoft.com/office/drawing/2014/main" id="{EF41C3DC-A068-3CFD-C4B2-D8F09AA1D675}"/>
+              </a:ext>
+            </a:extLst>
+          </p:cNvPr>
+          <p:cNvSpPr txBox="1">
+            <a:spLocks/>
+          </p:cNvSpPr>
+          <p:nvPr/>
+        </p:nvSpPr>
+        <p:spPr>
+          <a:xfrm>
+            <a:off x="559267" y="476411"/>
+            <a:ext cx="9144000" cy="505102"/>
+          </a:xfrm>
+          <a:prstGeom prst="rect">
+            <a:avLst/>
+          </a:prstGeom>
+        </p:spPr>
+        <p:txBody>
+          <a:bodyPr anchor="t">
+            <a:normAutofit fontScale="90000" lnSpcReduction="10000"/>
+          </a:bodyPr>
+          <a:lstStyle>
+            <a:lvl1pPr algn="l" defTabSz="914400" rtl="0" eaLnBrk="1" latinLnBrk="0" hangingPunct="1">
+              <a:lnSpc>
+                <a:spcPct val="90000"/>
+              </a:lnSpc>
+              <a:spcBef>
+                <a:spcPct val="0"/>
+              </a:spcBef>
+              <a:buNone/>
+              <a:defRPr sz="4400" kern="1200">
+                <a:solidFill>
+                  <a:schemeClr val="tx1"/>
+                </a:solidFill>
+                <a:latin typeface="+mj-lt"/>
+                <a:ea typeface="+mj-ea"/>
+                <a:cs typeface="+mj-cs"/>
+              </a:defRPr>
+            </a:lvl1pPr>
+          </a:lstStyle>
+          <a:p>
+            <a:r>
+              <a:rPr lang="pt-BR" sz="3600" b="1" dirty="0">
+                <a:latin typeface="Arial" panose="020B0604020202020204" pitchFamily="34" charset="0"/>
+                <a:cs typeface="Arial" panose="020B0604020202020204" pitchFamily="34" charset="0"/>
+              </a:rPr>
+              <a:t>Metodologia de análise adotada</a:t>
+            </a:r>
+          </a:p>
+        </p:txBody>
+      </p:sp>
+      <p:sp>
+        <p:nvSpPr>
+          <p:cNvPr id="4" name="Subtitle 3">
+            <a:extLst>
+              <a:ext uri="{FF2B5EF4-FFF2-40B4-BE49-F238E27FC236}">
+                <a16:creationId xmlns:a16="http://schemas.microsoft.com/office/drawing/2014/main" id="{DF980482-2E20-43F7-B7B5-FFF3CF67BC3E}"/>
+              </a:ext>
+            </a:extLst>
+          </p:cNvPr>
+          <p:cNvSpPr txBox="1">
+            <a:spLocks/>
+          </p:cNvSpPr>
+          <p:nvPr/>
+        </p:nvSpPr>
+        <p:spPr>
+          <a:xfrm>
+            <a:off x="559266" y="1286678"/>
+            <a:ext cx="6755934" cy="2142322"/>
+          </a:xfrm>
+          <a:prstGeom prst="rect">
+            <a:avLst/>
+          </a:prstGeom>
+        </p:spPr>
+        <p:txBody>
+          <a:bodyPr anchor="t"/>
+          <a:lstStyle>
+            <a:lvl1pPr marL="228600" indent="-228600" algn="l" defTabSz="914400" rtl="0" eaLnBrk="1" latinLnBrk="0" hangingPunct="1">
+              <a:lnSpc>
+                <a:spcPct val="90000"/>
+              </a:lnSpc>
+              <a:spcBef>
+                <a:spcPts val="1000"/>
+              </a:spcBef>
+              <a:buFont typeface="Arial" panose="020B0604020202020204" pitchFamily="34" charset="0"/>
+              <a:buChar char="•"/>
+              <a:defRPr sz="2800" kern="1200">
+                <a:solidFill>
+                  <a:schemeClr val="tx1"/>
+                </a:solidFill>
+                <a:latin typeface="+mn-lt"/>
+                <a:ea typeface="+mn-ea"/>
+                <a:cs typeface="+mn-cs"/>
+              </a:defRPr>
+            </a:lvl1pPr>
+            <a:lvl2pPr marL="685800" indent="-228600" algn="l" defTabSz="914400" rtl="0" eaLnBrk="1" latinLnBrk="0" hangingPunct="1">
+              <a:lnSpc>
+                <a:spcPct val="90000"/>
+              </a:lnSpc>
+              <a:spcBef>
+                <a:spcPts val="500"/>
+              </a:spcBef>
+              <a:buFont typeface="Arial" panose="020B0604020202020204" pitchFamily="34" charset="0"/>
+              <a:buChar char="•"/>
+              <a:defRPr sz="2400" kern="1200">
+                <a:solidFill>
+                  <a:schemeClr val="tx1"/>
+                </a:solidFill>
+                <a:latin typeface="+mn-lt"/>
+                <a:ea typeface="+mn-ea"/>
+                <a:cs typeface="+mn-cs"/>
+              </a:defRPr>
+            </a:lvl2pPr>
+            <a:lvl3pPr marL="1143000" indent="-228600" algn="l" defTabSz="914400" rtl="0" eaLnBrk="1" latinLnBrk="0" hangingPunct="1">
+              <a:lnSpc>
+                <a:spcPct val="90000"/>
+              </a:lnSpc>
+              <a:spcBef>
+                <a:spcPts val="500"/>
+              </a:spcBef>
+              <a:buFont typeface="Arial" panose="020B0604020202020204" pitchFamily="34" charset="0"/>
+              <a:buChar char="•"/>
+              <a:defRPr sz="2000" kern="1200">
+                <a:solidFill>
+                  <a:schemeClr val="tx1"/>
+                </a:solidFill>
+                <a:latin typeface="+mn-lt"/>
+                <a:ea typeface="+mn-ea"/>
+                <a:cs typeface="+mn-cs"/>
+              </a:defRPr>
+            </a:lvl3pPr>
+            <a:lvl4pPr marL="1600200" indent="-228600" algn="l" defTabSz="914400" rtl="0" eaLnBrk="1" latinLnBrk="0" hangingPunct="1">
+              <a:lnSpc>
+                <a:spcPct val="90000"/>
+              </a:lnSpc>
+              <a:spcBef>
+                <a:spcPts val="500"/>
+              </a:spcBef>
+              <a:buFont typeface="Arial" panose="020B0604020202020204" pitchFamily="34" charset="0"/>
+              <a:buChar char="•"/>
+              <a:defRPr sz="1800" kern="1200">
+                <a:solidFill>
+                  <a:schemeClr val="tx1"/>
+                </a:solidFill>
+                <a:latin typeface="+mn-lt"/>
+                <a:ea typeface="+mn-ea"/>
+                <a:cs typeface="+mn-cs"/>
+              </a:defRPr>
+            </a:lvl4pPr>
+            <a:lvl5pPr marL="2057400" indent="-228600" algn="l" defTabSz="914400" rtl="0" eaLnBrk="1" latinLnBrk="0" hangingPunct="1">
+              <a:lnSpc>
+                <a:spcPct val="90000"/>
+              </a:lnSpc>
+              <a:spcBef>
+                <a:spcPts val="500"/>
+              </a:spcBef>
+              <a:buFont typeface="Arial" panose="020B0604020202020204" pitchFamily="34" charset="0"/>
+              <a:buChar char="•"/>
+              <a:defRPr sz="1800" kern="1200">
+                <a:solidFill>
+                  <a:schemeClr val="tx1"/>
+                </a:solidFill>
+                <a:latin typeface="+mn-lt"/>
+                <a:ea typeface="+mn-ea"/>
+                <a:cs typeface="+mn-cs"/>
+              </a:defRPr>
+            </a:lvl5pPr>
+            <a:lvl6pPr marL="2514600" indent="-228600" algn="l" defTabSz="914400" rtl="0" eaLnBrk="1" latinLnBrk="0" hangingPunct="1">
+              <a:lnSpc>
+                <a:spcPct val="90000"/>
+              </a:lnSpc>
+              <a:spcBef>
+                <a:spcPts val="500"/>
+              </a:spcBef>
+              <a:buFont typeface="Arial" panose="020B0604020202020204" pitchFamily="34" charset="0"/>
+              <a:buChar char="•"/>
+              <a:defRPr sz="1800" kern="1200">
+                <a:solidFill>
+                  <a:schemeClr val="tx1"/>
+                </a:solidFill>
+                <a:latin typeface="+mn-lt"/>
+                <a:ea typeface="+mn-ea"/>
+                <a:cs typeface="+mn-cs"/>
+              </a:defRPr>
+            </a:lvl6pPr>
+            <a:lvl7pPr marL="2971800" indent="-228600" algn="l" defTabSz="914400" rtl="0" eaLnBrk="1" latinLnBrk="0" hangingPunct="1">
+              <a:lnSpc>
+                <a:spcPct val="90000"/>
+              </a:lnSpc>
+              <a:spcBef>
+                <a:spcPts val="500"/>
+              </a:spcBef>
+              <a:buFont typeface="Arial" panose="020B0604020202020204" pitchFamily="34" charset="0"/>
+              <a:buChar char="•"/>
+              <a:defRPr sz="1800" kern="1200">
+                <a:solidFill>
+                  <a:schemeClr val="tx1"/>
+                </a:solidFill>
+                <a:latin typeface="+mn-lt"/>
+                <a:ea typeface="+mn-ea"/>
+                <a:cs typeface="+mn-cs"/>
+              </a:defRPr>
+            </a:lvl7pPr>
+            <a:lvl8pPr marL="3429000" indent="-228600" algn="l" defTabSz="914400" rtl="0" eaLnBrk="1" latinLnBrk="0" hangingPunct="1">
+              <a:lnSpc>
+                <a:spcPct val="90000"/>
+              </a:lnSpc>
+              <a:spcBef>
+                <a:spcPts val="500"/>
+              </a:spcBef>
+              <a:buFont typeface="Arial" panose="020B0604020202020204" pitchFamily="34" charset="0"/>
+              <a:buChar char="•"/>
+              <a:defRPr sz="1800" kern="1200">
+                <a:solidFill>
+                  <a:schemeClr val="tx1"/>
+                </a:solidFill>
+                <a:latin typeface="+mn-lt"/>
+                <a:ea typeface="+mn-ea"/>
+                <a:cs typeface="+mn-cs"/>
+              </a:defRPr>
+            </a:lvl8pPr>
+            <a:lvl9pPr marL="3886200" indent="-228600" algn="l" defTabSz="914400" rtl="0" eaLnBrk="1" latinLnBrk="0" hangingPunct="1">
+              <a:lnSpc>
+                <a:spcPct val="90000"/>
+              </a:lnSpc>
+              <a:spcBef>
+                <a:spcPts val="500"/>
+              </a:spcBef>
+              <a:buFont typeface="Arial" panose="020B0604020202020204" pitchFamily="34" charset="0"/>
+              <a:buChar char="•"/>
+              <a:defRPr sz="1800" kern="1200">
+                <a:solidFill>
+                  <a:schemeClr val="tx1"/>
+                </a:solidFill>
+                <a:latin typeface="+mn-lt"/>
+                <a:ea typeface="+mn-ea"/>
+                <a:cs typeface="+mn-cs"/>
+              </a:defRPr>
+            </a:lvl9pPr>
+          </a:lstStyle>
+          <a:p>
+            <a:pPr marL="0" indent="0">
+              <a:buNone/>
+            </a:pPr>
+            <a:r>
+              <a:rPr lang="pt-BR" sz="2400" dirty="0">
+                <a:latin typeface="Arial" panose="020B0604020202020204" pitchFamily="34" charset="0"/>
+                <a:cs typeface="Arial" panose="020B0604020202020204" pitchFamily="34" charset="0"/>
+              </a:rPr>
+              <a:t>Limite estrutural do MCV</a:t>
+            </a:r>
+          </a:p>
+          <a:p>
+            <a:pPr marL="0" indent="0">
+              <a:buNone/>
+            </a:pPr>
+            <a:r>
+              <a:rPr lang="pt-BR" sz="1800" dirty="0">
+                <a:latin typeface="Arial" panose="020B0604020202020204" pitchFamily="34" charset="0"/>
+                <a:cs typeface="Arial" panose="020B0604020202020204" pitchFamily="34" charset="0"/>
+              </a:rPr>
+              <a:t>Para cada operação de CVD, a Petrobras fornece à Instaladora um Relatório Técnico da análise, contendo:</a:t>
+            </a:r>
+          </a:p>
+          <a:p>
+            <a:r>
+              <a:rPr lang="pt-BR" sz="1800" dirty="0">
+                <a:latin typeface="Arial" panose="020B0604020202020204" pitchFamily="34" charset="0"/>
+                <a:cs typeface="Arial" panose="020B0604020202020204" pitchFamily="34" charset="0"/>
+              </a:rPr>
+              <a:t>Os insumos necessários para realizar a análise da instalação.</a:t>
+            </a:r>
+          </a:p>
+          <a:p>
+            <a:r>
+              <a:rPr lang="pt-BR" sz="1800" dirty="0">
+                <a:latin typeface="Arial" panose="020B0604020202020204" pitchFamily="34" charset="0"/>
+                <a:cs typeface="Arial" panose="020B0604020202020204" pitchFamily="34" charset="0"/>
+              </a:rPr>
+              <a:t>Um conjunto de carregamentos estruturais admissíveis para o MCV.</a:t>
+            </a:r>
+          </a:p>
+        </p:txBody>
+      </p:sp>
+      <p:sp>
+        <p:nvSpPr>
+          <p:cNvPr id="6" name="Subtitle 3">
+            <a:extLst>
+              <a:ext uri="{FF2B5EF4-FFF2-40B4-BE49-F238E27FC236}">
+                <a16:creationId xmlns:a16="http://schemas.microsoft.com/office/drawing/2014/main" id="{1FB6053F-E372-4A05-B989-D1E2D05916DA}"/>
+              </a:ext>
+            </a:extLst>
+          </p:cNvPr>
+          <p:cNvSpPr txBox="1">
+            <a:spLocks/>
+          </p:cNvSpPr>
+          <p:nvPr/>
+        </p:nvSpPr>
+        <p:spPr>
+          <a:xfrm>
+            <a:off x="684528" y="3429001"/>
+            <a:ext cx="6438167" cy="2314073"/>
+          </a:xfrm>
+          <a:prstGeom prst="rect">
+            <a:avLst/>
+          </a:prstGeom>
+        </p:spPr>
+        <p:txBody>
+          <a:bodyPr anchor="ctr"/>
+          <a:lstStyle>
+            <a:lvl1pPr marL="228600" indent="-228600" algn="l" defTabSz="914400" rtl="0" eaLnBrk="1" latinLnBrk="0" hangingPunct="1">
+              <a:lnSpc>
+                <a:spcPct val="90000"/>
+              </a:lnSpc>
+              <a:spcBef>
+                <a:spcPts val="1000"/>
+              </a:spcBef>
+              <a:buFont typeface="Arial" panose="020B0604020202020204" pitchFamily="34" charset="0"/>
+              <a:buChar char="•"/>
+              <a:defRPr sz="2800" kern="1200">
+                <a:solidFill>
+                  <a:schemeClr val="tx1"/>
+                </a:solidFill>
+                <a:latin typeface="+mn-lt"/>
+                <a:ea typeface="+mn-ea"/>
+                <a:cs typeface="+mn-cs"/>
+              </a:defRPr>
+            </a:lvl1pPr>
+            <a:lvl2pPr marL="685800" indent="-228600" algn="l" defTabSz="914400" rtl="0" eaLnBrk="1" latinLnBrk="0" hangingPunct="1">
+              <a:lnSpc>
+                <a:spcPct val="90000"/>
+              </a:lnSpc>
+              <a:spcBef>
+                <a:spcPts val="500"/>
+              </a:spcBef>
+              <a:buFont typeface="Arial" panose="020B0604020202020204" pitchFamily="34" charset="0"/>
+              <a:buChar char="•"/>
+              <a:defRPr sz="2400" kern="1200">
+                <a:solidFill>
+                  <a:schemeClr val="tx1"/>
+                </a:solidFill>
+                <a:latin typeface="+mn-lt"/>
+                <a:ea typeface="+mn-ea"/>
+                <a:cs typeface="+mn-cs"/>
+              </a:defRPr>
+            </a:lvl2pPr>
+            <a:lvl3pPr marL="1143000" indent="-228600" algn="l" defTabSz="914400" rtl="0" eaLnBrk="1" latinLnBrk="0" hangingPunct="1">
+              <a:lnSpc>
+                <a:spcPct val="90000"/>
+              </a:lnSpc>
+              <a:spcBef>
+                <a:spcPts val="500"/>
+              </a:spcBef>
+              <a:buFont typeface="Arial" panose="020B0604020202020204" pitchFamily="34" charset="0"/>
+              <a:buChar char="•"/>
+              <a:defRPr sz="2000" kern="1200">
+                <a:solidFill>
+                  <a:schemeClr val="tx1"/>
+                </a:solidFill>
+                <a:latin typeface="+mn-lt"/>
+                <a:ea typeface="+mn-ea"/>
+                <a:cs typeface="+mn-cs"/>
+              </a:defRPr>
+            </a:lvl3pPr>
+            <a:lvl4pPr marL="1600200" indent="-228600" algn="l" defTabSz="914400" rtl="0" eaLnBrk="1" latinLnBrk="0" hangingPunct="1">
+              <a:lnSpc>
+                <a:spcPct val="90000"/>
+              </a:lnSpc>
+              <a:spcBef>
+                <a:spcPts val="500"/>
+              </a:spcBef>
+              <a:buFont typeface="Arial" panose="020B0604020202020204" pitchFamily="34" charset="0"/>
+              <a:buChar char="•"/>
+              <a:defRPr sz="1800" kern="1200">
+                <a:solidFill>
+                  <a:schemeClr val="tx1"/>
+                </a:solidFill>
+                <a:latin typeface="+mn-lt"/>
+                <a:ea typeface="+mn-ea"/>
+                <a:cs typeface="+mn-cs"/>
+              </a:defRPr>
+            </a:lvl4pPr>
+            <a:lvl5pPr marL="2057400" indent="-228600" algn="l" defTabSz="914400" rtl="0" eaLnBrk="1" latinLnBrk="0" hangingPunct="1">
+              <a:lnSpc>
+                <a:spcPct val="90000"/>
+              </a:lnSpc>
+              <a:spcBef>
+                <a:spcPts val="500"/>
+              </a:spcBef>
+              <a:buFont typeface="Arial" panose="020B0604020202020204" pitchFamily="34" charset="0"/>
+              <a:buChar char="•"/>
+              <a:defRPr sz="1800" kern="1200">
+                <a:solidFill>
+                  <a:schemeClr val="tx1"/>
+                </a:solidFill>
+                <a:latin typeface="+mn-lt"/>
+                <a:ea typeface="+mn-ea"/>
+                <a:cs typeface="+mn-cs"/>
+              </a:defRPr>
+            </a:lvl5pPr>
+            <a:lvl6pPr marL="2514600" indent="-228600" algn="l" defTabSz="914400" rtl="0" eaLnBrk="1" latinLnBrk="0" hangingPunct="1">
+              <a:lnSpc>
+                <a:spcPct val="90000"/>
+              </a:lnSpc>
+              <a:spcBef>
+                <a:spcPts val="500"/>
+              </a:spcBef>
+              <a:buFont typeface="Arial" panose="020B0604020202020204" pitchFamily="34" charset="0"/>
+              <a:buChar char="•"/>
+              <a:defRPr sz="1800" kern="1200">
+                <a:solidFill>
+                  <a:schemeClr val="tx1"/>
+                </a:solidFill>
+                <a:latin typeface="+mn-lt"/>
+                <a:ea typeface="+mn-ea"/>
+                <a:cs typeface="+mn-cs"/>
+              </a:defRPr>
+            </a:lvl6pPr>
+            <a:lvl7pPr marL="2971800" indent="-228600" algn="l" defTabSz="914400" rtl="0" eaLnBrk="1" latinLnBrk="0" hangingPunct="1">
+              <a:lnSpc>
+                <a:spcPct val="90000"/>
+              </a:lnSpc>
+              <a:spcBef>
+                <a:spcPts val="500"/>
+              </a:spcBef>
+              <a:buFont typeface="Arial" panose="020B0604020202020204" pitchFamily="34" charset="0"/>
+              <a:buChar char="•"/>
+              <a:defRPr sz="1800" kern="1200">
+                <a:solidFill>
+                  <a:schemeClr val="tx1"/>
+                </a:solidFill>
+                <a:latin typeface="+mn-lt"/>
+                <a:ea typeface="+mn-ea"/>
+                <a:cs typeface="+mn-cs"/>
+              </a:defRPr>
+            </a:lvl7pPr>
+            <a:lvl8pPr marL="3429000" indent="-228600" algn="l" defTabSz="914400" rtl="0" eaLnBrk="1" latinLnBrk="0" hangingPunct="1">
+              <a:lnSpc>
+                <a:spcPct val="90000"/>
+              </a:lnSpc>
+              <a:spcBef>
+                <a:spcPts val="500"/>
+              </a:spcBef>
+              <a:buFont typeface="Arial" panose="020B0604020202020204" pitchFamily="34" charset="0"/>
+              <a:buChar char="•"/>
+              <a:defRPr sz="1800" kern="1200">
+                <a:solidFill>
+                  <a:schemeClr val="tx1"/>
+                </a:solidFill>
+                <a:latin typeface="+mn-lt"/>
+                <a:ea typeface="+mn-ea"/>
+                <a:cs typeface="+mn-cs"/>
+              </a:defRPr>
+            </a:lvl8pPr>
+            <a:lvl9pPr marL="3886200" indent="-228600" algn="l" defTabSz="914400" rtl="0" eaLnBrk="1" latinLnBrk="0" hangingPunct="1">
+              <a:lnSpc>
+                <a:spcPct val="90000"/>
+              </a:lnSpc>
+              <a:spcBef>
+                <a:spcPts val="500"/>
+              </a:spcBef>
+              <a:buFont typeface="Arial" panose="020B0604020202020204" pitchFamily="34" charset="0"/>
+              <a:buChar char="•"/>
+              <a:defRPr sz="1800" kern="1200">
+                <a:solidFill>
+                  <a:schemeClr val="tx1"/>
+                </a:solidFill>
+                <a:latin typeface="+mn-lt"/>
+                <a:ea typeface="+mn-ea"/>
+                <a:cs typeface="+mn-cs"/>
+              </a:defRPr>
+            </a:lvl9pPr>
+          </a:lstStyle>
+          <a:p>
+            <a:pPr marL="0" indent="0">
+              <a:buNone/>
+            </a:pPr>
+            <a:r>
+              <a:rPr lang="pt-BR" sz="1800" dirty="0">
+                <a:latin typeface="Arial" panose="020B0604020202020204" pitchFamily="34" charset="0"/>
+                <a:cs typeface="Arial" panose="020B0604020202020204" pitchFamily="34" charset="0"/>
+              </a:rPr>
+              <a:t>Obs. 1: Neste tópico a ET indica que se evite o travamento da vértebra. Porém, em caso de impossibilidade, deve-se buscar não exceder o momento fletor admissível da vértebra.</a:t>
+            </a:r>
+          </a:p>
+          <a:p>
+            <a:pPr marL="0" indent="0">
+              <a:buNone/>
+            </a:pPr>
+            <a:endParaRPr lang="pt-BR" sz="1800" dirty="0">
+              <a:latin typeface="Arial" panose="020B0604020202020204" pitchFamily="34" charset="0"/>
+              <a:cs typeface="Arial" panose="020B0604020202020204" pitchFamily="34" charset="0"/>
+            </a:endParaRPr>
+          </a:p>
+          <a:p>
+            <a:pPr marL="0" indent="0">
+              <a:buNone/>
+            </a:pPr>
+            <a:r>
+              <a:rPr lang="pt-BR" sz="1800" dirty="0">
+                <a:latin typeface="Arial" panose="020B0604020202020204" pitchFamily="34" charset="0"/>
+                <a:cs typeface="Arial" panose="020B0604020202020204" pitchFamily="34" charset="0"/>
+              </a:rPr>
+              <a:t>Obs. 2: A ET indica que a comparação dos carregamentos deve ser feita de modo individual e em módulo.</a:t>
+            </a:r>
+          </a:p>
+        </p:txBody>
+      </p:sp>
+      <p:pic>
+        <p:nvPicPr>
+          <p:cNvPr id="8" name="Imagem 7">
+            <a:extLst>
+              <a:ext uri="{FF2B5EF4-FFF2-40B4-BE49-F238E27FC236}">
+                <a16:creationId xmlns:a16="http://schemas.microsoft.com/office/drawing/2014/main" id="{F5D2AD10-823C-4291-8926-609837561C8D}"/>
+              </a:ext>
+            </a:extLst>
+          </p:cNvPr>
+          <p:cNvPicPr>
+            <a:picLocks noChangeAspect="1"/>
+          </p:cNvPicPr>
+          <p:nvPr/>
+        </p:nvPicPr>
+        <p:blipFill>
+          <a:blip r:embed="rId2"/>
+          <a:stretch>
+            <a:fillRect/>
+          </a:stretch>
+        </p:blipFill>
+        <p:spPr>
+          <a:xfrm>
+            <a:off x="7754814" y="369000"/>
+            <a:ext cx="3522469" cy="6120000"/>
+          </a:xfrm>
+          <a:prstGeom prst="rect">
+            <a:avLst/>
+          </a:prstGeom>
+        </p:spPr>
+      </p:pic>
+    </p:spTree>
+    <p:extLst>
+      <p:ext uri="{BB962C8B-B14F-4D97-AF65-F5344CB8AC3E}">
+        <p14:creationId xmlns:p14="http://schemas.microsoft.com/office/powerpoint/2010/main" val="43439899"/>
+      </p:ext>
+    </p:extLst>
+  </p:cSld>
+  <p:clrMapOvr>
+    <a:masterClrMapping/>
+  </p:clrMapOvr>
+  <mc:AlternateContent xmlns:mc="http://schemas.openxmlformats.org/markup-compatibility/2006">
+    <mc:Choice xmlns:p159="http://schemas.microsoft.com/office/powerpoint/2015/09/main" Requires="p159">
+      <p:transition xmlns:p14="http://schemas.microsoft.com/office/powerpoint/2010/main" spd="slow" p14:dur="2500">
+        <p159:morph option="byObject"/>
+      </p:transition>
+    </mc:Choice>
+    <mc:Fallback>
+      <p:transition spd="slow">
+        <p:fade/>
+      </p:transition>
+    </mc:Fallback>
+  </mc:AlternateContent>
+</p:sld>
+</file>
+
+<file path=ppt/slides/slide8.xml><?xml version="1.0" encoding="utf-8"?>
+<p:sld xmlns:a="http://schemas.openxmlformats.org/drawingml/2006/main" xmlns:r="http://schemas.openxmlformats.org/officeDocument/2006/relationships" xmlns:p="http://schemas.openxmlformats.org/presentationml/2006/main">
+  <p:cSld>
+    <p:spTree>
+      <p:nvGrpSpPr>
+        <p:cNvPr id="1" name=""/>
+        <p:cNvGrpSpPr/>
+        <p:nvPr/>
+      </p:nvGrpSpPr>
+      <p:grpSpPr>
+        <a:xfrm>
+          <a:off x="0" y="0"/>
+          <a:ext cx="0" cy="0"/>
+          <a:chOff x="0" y="0"/>
+          <a:chExt cx="0" cy="0"/>
+        </a:xfrm>
+      </p:grpSpPr>
+      <p:sp>
+        <p:nvSpPr>
+          <p:cNvPr id="2" name="Rectangle 1">
+            <a:extLst>
+              <a:ext uri="{FF2B5EF4-FFF2-40B4-BE49-F238E27FC236}">
+                <a16:creationId xmlns:a16="http://schemas.microsoft.com/office/drawing/2014/main" id="{82A3C9AA-781F-2788-A27C-A4DF89D5F5F7}"/>
+              </a:ext>
+            </a:extLst>
+          </p:cNvPr>
+          <p:cNvSpPr/>
+          <p:nvPr/>
+        </p:nvSpPr>
+        <p:spPr>
+          <a:xfrm>
+            <a:off x="8389" y="8389"/>
+            <a:ext cx="1367406" cy="276837"/>
+          </a:xfrm>
+          <a:prstGeom prst="rect">
+            <a:avLst/>
+          </a:prstGeom>
+          <a:solidFill>
+            <a:schemeClr val="bg1"/>
+          </a:solidFill>
+          <a:ln>
+            <a:solidFill>
+              <a:schemeClr val="bg1"/>
+            </a:solidFill>
+          </a:ln>
+        </p:spPr>
+        <p:style>
+          <a:lnRef idx="2">
+            <a:schemeClr val="accent1">
+              <a:shade val="15000"/>
+            </a:schemeClr>
+          </a:lnRef>
+          <a:fillRef idx="1">
+            <a:schemeClr val="accent1"/>
+          </a:fillRef>
+          <a:effectRef idx="0">
+            <a:schemeClr val="accent1"/>
+          </a:effectRef>
+          <a:fontRef idx="minor">
+            <a:schemeClr val="lt1"/>
+          </a:fontRef>
+        </p:style>
+        <p:txBody>
+          <a:bodyPr rtlCol="0" anchor="ctr"/>
+          <a:lstStyle/>
+          <a:p>
+            <a:pPr algn="ctr"/>
+            <a:endParaRPr lang="pt-BR"/>
+          </a:p>
+        </p:txBody>
+      </p:sp>
+      <p:sp>
+        <p:nvSpPr>
+          <p:cNvPr id="3" name="Title 2">
+            <a:extLst>
+              <a:ext uri="{FF2B5EF4-FFF2-40B4-BE49-F238E27FC236}">
+                <a16:creationId xmlns:a16="http://schemas.microsoft.com/office/drawing/2014/main" id="{EF41C3DC-A068-3CFD-C4B2-D8F09AA1D675}"/>
+              </a:ext>
+            </a:extLst>
+          </p:cNvPr>
+          <p:cNvSpPr txBox="1">
+            <a:spLocks/>
+          </p:cNvSpPr>
+          <p:nvPr/>
+        </p:nvSpPr>
+        <p:spPr>
+          <a:xfrm>
+            <a:off x="559267" y="476411"/>
+            <a:ext cx="9144000" cy="505102"/>
+          </a:xfrm>
+          <a:prstGeom prst="rect">
+            <a:avLst/>
+          </a:prstGeom>
+        </p:spPr>
+        <p:txBody>
+          <a:bodyPr anchor="t">
+            <a:normAutofit fontScale="90000" lnSpcReduction="10000"/>
+          </a:bodyPr>
+          <a:lstStyle>
+            <a:lvl1pPr algn="l" defTabSz="914400" rtl="0" eaLnBrk="1" latinLnBrk="0" hangingPunct="1">
+              <a:lnSpc>
+                <a:spcPct val="90000"/>
+              </a:lnSpc>
+              <a:spcBef>
+                <a:spcPct val="0"/>
+              </a:spcBef>
+              <a:buNone/>
+              <a:defRPr sz="4400" kern="1200">
+                <a:solidFill>
+                  <a:schemeClr val="tx1"/>
+                </a:solidFill>
+                <a:latin typeface="+mj-lt"/>
+                <a:ea typeface="+mj-ea"/>
+                <a:cs typeface="+mj-cs"/>
+              </a:defRPr>
+            </a:lvl1pPr>
+          </a:lstStyle>
+          <a:p>
+            <a:r>
+              <a:rPr lang="pt-BR" sz="3600" b="1" dirty="0">
+                <a:latin typeface="Arial" panose="020B0604020202020204" pitchFamily="34" charset="0"/>
+                <a:cs typeface="Arial" panose="020B0604020202020204" pitchFamily="34" charset="0"/>
+              </a:rPr>
+              <a:t>Metodologia de análise adotada</a:t>
+            </a:r>
+          </a:p>
+        </p:txBody>
+      </p:sp>
+      <p:sp>
+        <p:nvSpPr>
+          <p:cNvPr id="4" name="Subtitle 3">
+            <a:extLst>
+              <a:ext uri="{FF2B5EF4-FFF2-40B4-BE49-F238E27FC236}">
+                <a16:creationId xmlns:a16="http://schemas.microsoft.com/office/drawing/2014/main" id="{DF980482-2E20-43F7-B7B5-FFF3CF67BC3E}"/>
+              </a:ext>
+            </a:extLst>
+          </p:cNvPr>
+          <p:cNvSpPr txBox="1">
+            <a:spLocks/>
+          </p:cNvSpPr>
+          <p:nvPr/>
+        </p:nvSpPr>
+        <p:spPr>
+          <a:xfrm>
+            <a:off x="559266" y="1286677"/>
+            <a:ext cx="10925261" cy="505102"/>
+          </a:xfrm>
+          <a:prstGeom prst="rect">
+            <a:avLst/>
+          </a:prstGeom>
+        </p:spPr>
+        <p:txBody>
+          <a:bodyPr anchor="t"/>
+          <a:lstStyle>
+            <a:lvl1pPr marL="228600" indent="-228600" algn="l" defTabSz="914400" rtl="0" eaLnBrk="1" latinLnBrk="0" hangingPunct="1">
+              <a:lnSpc>
+                <a:spcPct val="90000"/>
+              </a:lnSpc>
+              <a:spcBef>
+                <a:spcPts val="1000"/>
+              </a:spcBef>
+              <a:buFont typeface="Arial" panose="020B0604020202020204" pitchFamily="34" charset="0"/>
+              <a:buChar char="•"/>
+              <a:defRPr sz="2800" kern="1200">
+                <a:solidFill>
+                  <a:schemeClr val="tx1"/>
+                </a:solidFill>
+                <a:latin typeface="+mn-lt"/>
+                <a:ea typeface="+mn-ea"/>
+                <a:cs typeface="+mn-cs"/>
+              </a:defRPr>
+            </a:lvl1pPr>
+            <a:lvl2pPr marL="685800" indent="-228600" algn="l" defTabSz="914400" rtl="0" eaLnBrk="1" latinLnBrk="0" hangingPunct="1">
+              <a:lnSpc>
+                <a:spcPct val="90000"/>
+              </a:lnSpc>
+              <a:spcBef>
+                <a:spcPts val="500"/>
+              </a:spcBef>
+              <a:buFont typeface="Arial" panose="020B0604020202020204" pitchFamily="34" charset="0"/>
+              <a:buChar char="•"/>
+              <a:defRPr sz="2400" kern="1200">
+                <a:solidFill>
+                  <a:schemeClr val="tx1"/>
+                </a:solidFill>
+                <a:latin typeface="+mn-lt"/>
+                <a:ea typeface="+mn-ea"/>
+                <a:cs typeface="+mn-cs"/>
+              </a:defRPr>
+            </a:lvl2pPr>
+            <a:lvl3pPr marL="1143000" indent="-228600" algn="l" defTabSz="914400" rtl="0" eaLnBrk="1" latinLnBrk="0" hangingPunct="1">
+              <a:lnSpc>
+                <a:spcPct val="90000"/>
+              </a:lnSpc>
+              <a:spcBef>
+                <a:spcPts val="500"/>
+              </a:spcBef>
+              <a:buFont typeface="Arial" panose="020B0604020202020204" pitchFamily="34" charset="0"/>
+              <a:buChar char="•"/>
+              <a:defRPr sz="2000" kern="1200">
+                <a:solidFill>
+                  <a:schemeClr val="tx1"/>
+                </a:solidFill>
+                <a:latin typeface="+mn-lt"/>
+                <a:ea typeface="+mn-ea"/>
+                <a:cs typeface="+mn-cs"/>
+              </a:defRPr>
+            </a:lvl3pPr>
+            <a:lvl4pPr marL="1600200" indent="-228600" algn="l" defTabSz="914400" rtl="0" eaLnBrk="1" latinLnBrk="0" hangingPunct="1">
+              <a:lnSpc>
+                <a:spcPct val="90000"/>
+              </a:lnSpc>
+              <a:spcBef>
+                <a:spcPts val="500"/>
+              </a:spcBef>
+              <a:buFont typeface="Arial" panose="020B0604020202020204" pitchFamily="34" charset="0"/>
+              <a:buChar char="•"/>
+              <a:defRPr sz="1800" kern="1200">
+                <a:solidFill>
+                  <a:schemeClr val="tx1"/>
+                </a:solidFill>
+                <a:latin typeface="+mn-lt"/>
+                <a:ea typeface="+mn-ea"/>
+                <a:cs typeface="+mn-cs"/>
+              </a:defRPr>
+            </a:lvl4pPr>
+            <a:lvl5pPr marL="2057400" indent="-228600" algn="l" defTabSz="914400" rtl="0" eaLnBrk="1" latinLnBrk="0" hangingPunct="1">
+              <a:lnSpc>
+                <a:spcPct val="90000"/>
+              </a:lnSpc>
+              <a:spcBef>
+                <a:spcPts val="500"/>
+              </a:spcBef>
+              <a:buFont typeface="Arial" panose="020B0604020202020204" pitchFamily="34" charset="0"/>
+              <a:buChar char="•"/>
+              <a:defRPr sz="1800" kern="1200">
+                <a:solidFill>
+                  <a:schemeClr val="tx1"/>
+                </a:solidFill>
+                <a:latin typeface="+mn-lt"/>
+                <a:ea typeface="+mn-ea"/>
+                <a:cs typeface="+mn-cs"/>
+              </a:defRPr>
+            </a:lvl5pPr>
+            <a:lvl6pPr marL="2514600" indent="-228600" algn="l" defTabSz="914400" rtl="0" eaLnBrk="1" latinLnBrk="0" hangingPunct="1">
+              <a:lnSpc>
+                <a:spcPct val="90000"/>
+              </a:lnSpc>
+              <a:spcBef>
+                <a:spcPts val="500"/>
+              </a:spcBef>
+              <a:buFont typeface="Arial" panose="020B0604020202020204" pitchFamily="34" charset="0"/>
+              <a:buChar char="•"/>
+              <a:defRPr sz="1800" kern="1200">
+                <a:solidFill>
+                  <a:schemeClr val="tx1"/>
+                </a:solidFill>
+                <a:latin typeface="+mn-lt"/>
+                <a:ea typeface="+mn-ea"/>
+                <a:cs typeface="+mn-cs"/>
+              </a:defRPr>
+            </a:lvl6pPr>
+            <a:lvl7pPr marL="2971800" indent="-228600" algn="l" defTabSz="914400" rtl="0" eaLnBrk="1" latinLnBrk="0" hangingPunct="1">
+              <a:lnSpc>
+                <a:spcPct val="90000"/>
+              </a:lnSpc>
+              <a:spcBef>
+                <a:spcPts val="500"/>
+              </a:spcBef>
+              <a:buFont typeface="Arial" panose="020B0604020202020204" pitchFamily="34" charset="0"/>
+              <a:buChar char="•"/>
+              <a:defRPr sz="1800" kern="1200">
+                <a:solidFill>
+                  <a:schemeClr val="tx1"/>
+                </a:solidFill>
+                <a:latin typeface="+mn-lt"/>
+                <a:ea typeface="+mn-ea"/>
+                <a:cs typeface="+mn-cs"/>
+              </a:defRPr>
+            </a:lvl7pPr>
+            <a:lvl8pPr marL="3429000" indent="-228600" algn="l" defTabSz="914400" rtl="0" eaLnBrk="1" latinLnBrk="0" hangingPunct="1">
+              <a:lnSpc>
+                <a:spcPct val="90000"/>
+              </a:lnSpc>
+              <a:spcBef>
+                <a:spcPts val="500"/>
+              </a:spcBef>
+              <a:buFont typeface="Arial" panose="020B0604020202020204" pitchFamily="34" charset="0"/>
+              <a:buChar char="•"/>
+              <a:defRPr sz="1800" kern="1200">
+                <a:solidFill>
+                  <a:schemeClr val="tx1"/>
+                </a:solidFill>
+                <a:latin typeface="+mn-lt"/>
+                <a:ea typeface="+mn-ea"/>
+                <a:cs typeface="+mn-cs"/>
+              </a:defRPr>
+            </a:lvl8pPr>
+            <a:lvl9pPr marL="3886200" indent="-228600" algn="l" defTabSz="914400" rtl="0" eaLnBrk="1" latinLnBrk="0" hangingPunct="1">
+              <a:lnSpc>
+                <a:spcPct val="90000"/>
+              </a:lnSpc>
+              <a:spcBef>
+                <a:spcPts val="500"/>
+              </a:spcBef>
+              <a:buFont typeface="Arial" panose="020B0604020202020204" pitchFamily="34" charset="0"/>
+              <a:buChar char="•"/>
+              <a:defRPr sz="1800" kern="1200">
+                <a:solidFill>
+                  <a:schemeClr val="tx1"/>
+                </a:solidFill>
+                <a:latin typeface="+mn-lt"/>
+                <a:ea typeface="+mn-ea"/>
+                <a:cs typeface="+mn-cs"/>
+              </a:defRPr>
+            </a:lvl9pPr>
+          </a:lstStyle>
+          <a:p>
+            <a:pPr marL="0" indent="0">
+              <a:buNone/>
+            </a:pPr>
+            <a:r>
+              <a:rPr lang="pt-BR" sz="2400" dirty="0">
+                <a:latin typeface="Arial" panose="020B0604020202020204" pitchFamily="34" charset="0"/>
+                <a:cs typeface="Arial" panose="020B0604020202020204" pitchFamily="34" charset="0"/>
+              </a:rPr>
+              <a:t>Verificação da verticalização do MCV no Campo (Antes do acoplamento)</a:t>
+            </a:r>
+            <a:endParaRPr lang="pt-BR" sz="1800" dirty="0">
+              <a:latin typeface="Arial" panose="020B0604020202020204" pitchFamily="34" charset="0"/>
+              <a:cs typeface="Arial" panose="020B0604020202020204" pitchFamily="34" charset="0"/>
+            </a:endParaRPr>
+          </a:p>
+        </p:txBody>
+      </p:sp>
+      <p:pic>
+        <p:nvPicPr>
+          <p:cNvPr id="5" name="Imagem 4">
+            <a:extLst>
+              <a:ext uri="{FF2B5EF4-FFF2-40B4-BE49-F238E27FC236}">
+                <a16:creationId xmlns:a16="http://schemas.microsoft.com/office/drawing/2014/main" id="{7E4EA26A-3723-4870-8759-4B20735D0293}"/>
+              </a:ext>
+            </a:extLst>
+          </p:cNvPr>
+          <p:cNvPicPr>
+            <a:picLocks noChangeAspect="1"/>
+          </p:cNvPicPr>
+          <p:nvPr/>
+        </p:nvPicPr>
+        <p:blipFill>
+          <a:blip r:embed="rId2"/>
+          <a:stretch>
+            <a:fillRect/>
+          </a:stretch>
+        </p:blipFill>
+        <p:spPr>
+          <a:xfrm>
+            <a:off x="696000" y="3011649"/>
+            <a:ext cx="10800000" cy="3549826"/>
+          </a:xfrm>
+          <a:prstGeom prst="rect">
+            <a:avLst/>
+          </a:prstGeom>
+        </p:spPr>
+      </p:pic>
+      <p:sp>
+        <p:nvSpPr>
+          <p:cNvPr id="6" name="Subtitle 3">
+            <a:extLst>
+              <a:ext uri="{FF2B5EF4-FFF2-40B4-BE49-F238E27FC236}">
+                <a16:creationId xmlns:a16="http://schemas.microsoft.com/office/drawing/2014/main" id="{A20F401E-F40D-4E16-8CD2-A8F41A37AAA7}"/>
+              </a:ext>
+            </a:extLst>
+          </p:cNvPr>
+          <p:cNvSpPr txBox="1">
+            <a:spLocks/>
+          </p:cNvSpPr>
+          <p:nvPr/>
+        </p:nvSpPr>
+        <p:spPr>
+          <a:xfrm>
+            <a:off x="684528" y="1791780"/>
+            <a:ext cx="10800000" cy="1219870"/>
+          </a:xfrm>
+          <a:prstGeom prst="rect">
+            <a:avLst/>
+          </a:prstGeom>
+        </p:spPr>
+        <p:txBody>
+          <a:bodyPr anchor="ctr"/>
+          <a:lstStyle>
+            <a:lvl1pPr marL="228600" indent="-228600" algn="l" defTabSz="914400" rtl="0" eaLnBrk="1" latinLnBrk="0" hangingPunct="1">
+              <a:lnSpc>
+                <a:spcPct val="90000"/>
+              </a:lnSpc>
+              <a:spcBef>
+                <a:spcPts val="1000"/>
+              </a:spcBef>
+              <a:buFont typeface="Arial" panose="020B0604020202020204" pitchFamily="34" charset="0"/>
+              <a:buChar char="•"/>
+              <a:defRPr sz="2800" kern="1200">
+                <a:solidFill>
+                  <a:schemeClr val="tx1"/>
+                </a:solidFill>
+                <a:latin typeface="+mn-lt"/>
+                <a:ea typeface="+mn-ea"/>
+                <a:cs typeface="+mn-cs"/>
+              </a:defRPr>
+            </a:lvl1pPr>
+            <a:lvl2pPr marL="685800" indent="-228600" algn="l" defTabSz="914400" rtl="0" eaLnBrk="1" latinLnBrk="0" hangingPunct="1">
+              <a:lnSpc>
+                <a:spcPct val="90000"/>
+              </a:lnSpc>
+              <a:spcBef>
+                <a:spcPts val="500"/>
+              </a:spcBef>
+              <a:buFont typeface="Arial" panose="020B0604020202020204" pitchFamily="34" charset="0"/>
+              <a:buChar char="•"/>
+              <a:defRPr sz="2400" kern="1200">
+                <a:solidFill>
+                  <a:schemeClr val="tx1"/>
+                </a:solidFill>
+                <a:latin typeface="+mn-lt"/>
+                <a:ea typeface="+mn-ea"/>
+                <a:cs typeface="+mn-cs"/>
+              </a:defRPr>
+            </a:lvl2pPr>
+            <a:lvl3pPr marL="1143000" indent="-228600" algn="l" defTabSz="914400" rtl="0" eaLnBrk="1" latinLnBrk="0" hangingPunct="1">
+              <a:lnSpc>
+                <a:spcPct val="90000"/>
+              </a:lnSpc>
+              <a:spcBef>
+                <a:spcPts val="500"/>
+              </a:spcBef>
+              <a:buFont typeface="Arial" panose="020B0604020202020204" pitchFamily="34" charset="0"/>
+              <a:buChar char="•"/>
+              <a:defRPr sz="2000" kern="1200">
+                <a:solidFill>
+                  <a:schemeClr val="tx1"/>
+                </a:solidFill>
+                <a:latin typeface="+mn-lt"/>
+                <a:ea typeface="+mn-ea"/>
+                <a:cs typeface="+mn-cs"/>
+              </a:defRPr>
+            </a:lvl3pPr>
+            <a:lvl4pPr marL="1600200" indent="-228600" algn="l" defTabSz="914400" rtl="0" eaLnBrk="1" latinLnBrk="0" hangingPunct="1">
+              <a:lnSpc>
+                <a:spcPct val="90000"/>
+              </a:lnSpc>
+              <a:spcBef>
+                <a:spcPts val="500"/>
+              </a:spcBef>
+              <a:buFont typeface="Arial" panose="020B0604020202020204" pitchFamily="34" charset="0"/>
+              <a:buChar char="•"/>
+              <a:defRPr sz="1800" kern="1200">
+                <a:solidFill>
+                  <a:schemeClr val="tx1"/>
+                </a:solidFill>
+                <a:latin typeface="+mn-lt"/>
+                <a:ea typeface="+mn-ea"/>
+                <a:cs typeface="+mn-cs"/>
+              </a:defRPr>
+            </a:lvl4pPr>
+            <a:lvl5pPr marL="2057400" indent="-228600" algn="l" defTabSz="914400" rtl="0" eaLnBrk="1" latinLnBrk="0" hangingPunct="1">
+              <a:lnSpc>
+                <a:spcPct val="90000"/>
+              </a:lnSpc>
+              <a:spcBef>
+                <a:spcPts val="500"/>
+              </a:spcBef>
+              <a:buFont typeface="Arial" panose="020B0604020202020204" pitchFamily="34" charset="0"/>
+              <a:buChar char="•"/>
+              <a:defRPr sz="1800" kern="1200">
+                <a:solidFill>
+                  <a:schemeClr val="tx1"/>
+                </a:solidFill>
+                <a:latin typeface="+mn-lt"/>
+                <a:ea typeface="+mn-ea"/>
+                <a:cs typeface="+mn-cs"/>
+              </a:defRPr>
+            </a:lvl5pPr>
+            <a:lvl6pPr marL="2514600" indent="-228600" algn="l" defTabSz="914400" rtl="0" eaLnBrk="1" latinLnBrk="0" hangingPunct="1">
+              <a:lnSpc>
+                <a:spcPct val="90000"/>
+              </a:lnSpc>
+              <a:spcBef>
+                <a:spcPts val="500"/>
+              </a:spcBef>
+              <a:buFont typeface="Arial" panose="020B0604020202020204" pitchFamily="34" charset="0"/>
+              <a:buChar char="•"/>
+              <a:defRPr sz="1800" kern="1200">
+                <a:solidFill>
+                  <a:schemeClr val="tx1"/>
+                </a:solidFill>
+                <a:latin typeface="+mn-lt"/>
+                <a:ea typeface="+mn-ea"/>
+                <a:cs typeface="+mn-cs"/>
+              </a:defRPr>
+            </a:lvl6pPr>
+            <a:lvl7pPr marL="2971800" indent="-228600" algn="l" defTabSz="914400" rtl="0" eaLnBrk="1" latinLnBrk="0" hangingPunct="1">
+              <a:lnSpc>
+                <a:spcPct val="90000"/>
+              </a:lnSpc>
+              <a:spcBef>
+                <a:spcPts val="500"/>
+              </a:spcBef>
+              <a:buFont typeface="Arial" panose="020B0604020202020204" pitchFamily="34" charset="0"/>
+              <a:buChar char="•"/>
+              <a:defRPr sz="1800" kern="1200">
+                <a:solidFill>
+                  <a:schemeClr val="tx1"/>
+                </a:solidFill>
+                <a:latin typeface="+mn-lt"/>
+                <a:ea typeface="+mn-ea"/>
+                <a:cs typeface="+mn-cs"/>
+              </a:defRPr>
+            </a:lvl7pPr>
+            <a:lvl8pPr marL="3429000" indent="-228600" algn="l" defTabSz="914400" rtl="0" eaLnBrk="1" latinLnBrk="0" hangingPunct="1">
+              <a:lnSpc>
+                <a:spcPct val="90000"/>
+              </a:lnSpc>
+              <a:spcBef>
+                <a:spcPts val="500"/>
+              </a:spcBef>
+              <a:buFont typeface="Arial" panose="020B0604020202020204" pitchFamily="34" charset="0"/>
+              <a:buChar char="•"/>
+              <a:defRPr sz="1800" kern="1200">
+                <a:solidFill>
+                  <a:schemeClr val="tx1"/>
+                </a:solidFill>
+                <a:latin typeface="+mn-lt"/>
+                <a:ea typeface="+mn-ea"/>
+                <a:cs typeface="+mn-cs"/>
+              </a:defRPr>
+            </a:lvl8pPr>
+            <a:lvl9pPr marL="3886200" indent="-228600" algn="l" defTabSz="914400" rtl="0" eaLnBrk="1" latinLnBrk="0" hangingPunct="1">
+              <a:lnSpc>
+                <a:spcPct val="90000"/>
+              </a:lnSpc>
+              <a:spcBef>
+                <a:spcPts val="500"/>
+              </a:spcBef>
+              <a:buFont typeface="Arial" panose="020B0604020202020204" pitchFamily="34" charset="0"/>
+              <a:buChar char="•"/>
+              <a:defRPr sz="1800" kern="1200">
+                <a:solidFill>
+                  <a:schemeClr val="tx1"/>
+                </a:solidFill>
+                <a:latin typeface="+mn-lt"/>
+                <a:ea typeface="+mn-ea"/>
+                <a:cs typeface="+mn-cs"/>
+              </a:defRPr>
+            </a:lvl9pPr>
+          </a:lstStyle>
+          <a:p>
+            <a:pPr marL="0" indent="0">
+              <a:buNone/>
+            </a:pPr>
+            <a:r>
+              <a:rPr lang="pt-BR" sz="1800" dirty="0">
+                <a:latin typeface="Arial" panose="020B0604020202020204" pitchFamily="34" charset="0"/>
+                <a:cs typeface="Arial" panose="020B0604020202020204" pitchFamily="34" charset="0"/>
+              </a:rPr>
+              <a:t>Obs.: No caso das linhas da fabricante GE, as análises da instalação consideram modelagem com a curva de rigidez à flexão com anular alagado.</a:t>
+            </a:r>
+          </a:p>
+        </p:txBody>
+      </p:sp>
+    </p:spTree>
+    <p:extLst>
+      <p:ext uri="{BB962C8B-B14F-4D97-AF65-F5344CB8AC3E}">
+        <p14:creationId xmlns:p14="http://schemas.microsoft.com/office/powerpoint/2010/main" val="2694854849"/>
+      </p:ext>
+    </p:extLst>
+  </p:cSld>
+  <p:clrMapOvr>
+    <a:masterClrMapping/>
+  </p:clrMapOvr>
+  <mc:AlternateContent xmlns:mc="http://schemas.openxmlformats.org/markup-compatibility/2006">
+    <mc:Choice xmlns:p159="http://schemas.microsoft.com/office/powerpoint/2015/09/main" Requires="p159">
+      <p:transition xmlns:p14="http://schemas.microsoft.com/office/powerpoint/2010/main" spd="slow" p14:dur="2500">
+        <p159:morph option="byObject"/>
+      </p:transition>
+    </mc:Choice>
+    <mc:Fallback>
+      <p:transition spd="slow">
+        <p:fade/>
+      </p:transition>
+    </mc:Fallback>
+  </mc:AlternateContent>
+</p:sld>
+</file>
+
+<file path=ppt/slides/slide9.xml><?xml version="1.0" encoding="utf-8"?>
+<p:sld xmlns:a="http://schemas.openxmlformats.org/drawingml/2006/main" xmlns:r="http://schemas.openxmlformats.org/officeDocument/2006/relationships" xmlns:p="http://schemas.openxmlformats.org/presentationml/2006/main">
+  <p:cSld>
+    <p:spTree>
+      <p:nvGrpSpPr>
+        <p:cNvPr id="1" name=""/>
+        <p:cNvGrpSpPr/>
+        <p:nvPr/>
+      </p:nvGrpSpPr>
+      <p:grpSpPr>
+        <a:xfrm>
+          <a:off x="0" y="0"/>
+          <a:ext cx="0" cy="0"/>
+          <a:chOff x="0" y="0"/>
+          <a:chExt cx="0" cy="0"/>
+        </a:xfrm>
+      </p:grpSpPr>
+      <p:sp>
+        <p:nvSpPr>
+          <p:cNvPr id="2" name="Rectangle 1">
+            <a:extLst>
+              <a:ext uri="{FF2B5EF4-FFF2-40B4-BE49-F238E27FC236}">
+                <a16:creationId xmlns:a16="http://schemas.microsoft.com/office/drawing/2014/main" id="{82A3C9AA-781F-2788-A27C-A4DF89D5F5F7}"/>
+              </a:ext>
+            </a:extLst>
+          </p:cNvPr>
+          <p:cNvSpPr/>
+          <p:nvPr/>
+        </p:nvSpPr>
+        <p:spPr>
+          <a:xfrm>
+            <a:off x="8389" y="8389"/>
+            <a:ext cx="1367406" cy="276837"/>
+          </a:xfrm>
+          <a:prstGeom prst="rect">
+            <a:avLst/>
+          </a:prstGeom>
+          <a:solidFill>
+            <a:schemeClr val="bg1"/>
+          </a:solidFill>
+          <a:ln>
+            <a:solidFill>
+              <a:schemeClr val="bg1"/>
+            </a:solidFill>
+          </a:ln>
+        </p:spPr>
+        <p:style>
+          <a:lnRef idx="2">
+            <a:schemeClr val="accent1">
+              <a:shade val="15000"/>
+            </a:schemeClr>
+          </a:lnRef>
+          <a:fillRef idx="1">
+            <a:schemeClr val="accent1"/>
+          </a:fillRef>
+          <a:effectRef idx="0">
+            <a:schemeClr val="accent1"/>
+          </a:effectRef>
+          <a:fontRef idx="minor">
+            <a:schemeClr val="lt1"/>
+          </a:fontRef>
+        </p:style>
+        <p:txBody>
+          <a:bodyPr rtlCol="0" anchor="ctr"/>
+          <a:lstStyle/>
+          <a:p>
+            <a:pPr algn="ctr"/>
+            <a:endParaRPr lang="pt-BR"/>
+          </a:p>
+        </p:txBody>
+      </p:sp>
+      <p:sp>
+        <p:nvSpPr>
+          <p:cNvPr id="3" name="Title 2">
+            <a:extLst>
+              <a:ext uri="{FF2B5EF4-FFF2-40B4-BE49-F238E27FC236}">
+                <a16:creationId xmlns:a16="http://schemas.microsoft.com/office/drawing/2014/main" id="{EF41C3DC-A068-3CFD-C4B2-D8F09AA1D675}"/>
+              </a:ext>
+            </a:extLst>
+          </p:cNvPr>
+          <p:cNvSpPr txBox="1">
+            <a:spLocks/>
+          </p:cNvSpPr>
+          <p:nvPr/>
+        </p:nvSpPr>
+        <p:spPr>
+          <a:xfrm>
+            <a:off x="559267" y="476411"/>
+            <a:ext cx="9144000" cy="505102"/>
+          </a:xfrm>
+          <a:prstGeom prst="rect">
+            <a:avLst/>
+          </a:prstGeom>
+        </p:spPr>
+        <p:txBody>
+          <a:bodyPr anchor="t">
+            <a:normAutofit fontScale="90000" lnSpcReduction="10000"/>
+          </a:bodyPr>
+          <a:lstStyle>
+            <a:lvl1pPr algn="l" defTabSz="914400" rtl="0" eaLnBrk="1" latinLnBrk="0" hangingPunct="1">
+              <a:lnSpc>
+                <a:spcPct val="90000"/>
+              </a:lnSpc>
+              <a:spcBef>
+                <a:spcPct val="0"/>
+              </a:spcBef>
+              <a:buNone/>
+              <a:defRPr sz="4400" kern="1200">
+                <a:solidFill>
+                  <a:schemeClr val="tx1"/>
+                </a:solidFill>
+                <a:latin typeface="+mj-lt"/>
+                <a:ea typeface="+mj-ea"/>
+                <a:cs typeface="+mj-cs"/>
+              </a:defRPr>
+            </a:lvl1pPr>
+          </a:lstStyle>
+          <a:p>
+            <a:r>
+              <a:rPr lang="pt-BR" sz="3600" b="1" dirty="0">
+                <a:latin typeface="Arial" panose="020B0604020202020204" pitchFamily="34" charset="0"/>
+                <a:cs typeface="Arial" panose="020B0604020202020204" pitchFamily="34" charset="0"/>
+              </a:rPr>
+              <a:t>Metodologia de análise adotada</a:t>
+            </a:r>
+          </a:p>
+        </p:txBody>
+      </p:sp>
+      <p:sp>
+        <p:nvSpPr>
+          <p:cNvPr id="4" name="Subtitle 3">
+            <a:extLst>
+              <a:ext uri="{FF2B5EF4-FFF2-40B4-BE49-F238E27FC236}">
+                <a16:creationId xmlns:a16="http://schemas.microsoft.com/office/drawing/2014/main" id="{DF980482-2E20-43F7-B7B5-FFF3CF67BC3E}"/>
+              </a:ext>
+            </a:extLst>
+          </p:cNvPr>
+          <p:cNvSpPr txBox="1">
+            <a:spLocks/>
+          </p:cNvSpPr>
+          <p:nvPr/>
+        </p:nvSpPr>
+        <p:spPr>
+          <a:xfrm>
+            <a:off x="559266" y="1286676"/>
+            <a:ext cx="10925261" cy="5094913"/>
+          </a:xfrm>
+          <a:prstGeom prst="rect">
+            <a:avLst/>
+          </a:prstGeom>
+        </p:spPr>
+        <p:txBody>
+          <a:bodyPr anchor="t"/>
+          <a:lstStyle>
+            <a:lvl1pPr marL="228600" indent="-228600" algn="l" defTabSz="914400" rtl="0" eaLnBrk="1" latinLnBrk="0" hangingPunct="1">
+              <a:lnSpc>
+                <a:spcPct val="90000"/>
+              </a:lnSpc>
+              <a:spcBef>
+                <a:spcPts val="1000"/>
+              </a:spcBef>
+              <a:buFont typeface="Arial" panose="020B0604020202020204" pitchFamily="34" charset="0"/>
+              <a:buChar char="•"/>
+              <a:defRPr sz="2800" kern="1200">
+                <a:solidFill>
+                  <a:schemeClr val="tx1"/>
+                </a:solidFill>
+                <a:latin typeface="+mn-lt"/>
+                <a:ea typeface="+mn-ea"/>
+                <a:cs typeface="+mn-cs"/>
+              </a:defRPr>
+            </a:lvl1pPr>
+            <a:lvl2pPr marL="685800" indent="-228600" algn="l" defTabSz="914400" rtl="0" eaLnBrk="1" latinLnBrk="0" hangingPunct="1">
+              <a:lnSpc>
+                <a:spcPct val="90000"/>
+              </a:lnSpc>
+              <a:spcBef>
+                <a:spcPts val="500"/>
+              </a:spcBef>
+              <a:buFont typeface="Arial" panose="020B0604020202020204" pitchFamily="34" charset="0"/>
+              <a:buChar char="•"/>
+              <a:defRPr sz="2400" kern="1200">
+                <a:solidFill>
+                  <a:schemeClr val="tx1"/>
+                </a:solidFill>
+                <a:latin typeface="+mn-lt"/>
+                <a:ea typeface="+mn-ea"/>
+                <a:cs typeface="+mn-cs"/>
+              </a:defRPr>
+            </a:lvl2pPr>
+            <a:lvl3pPr marL="1143000" indent="-228600" algn="l" defTabSz="914400" rtl="0" eaLnBrk="1" latinLnBrk="0" hangingPunct="1">
+              <a:lnSpc>
+                <a:spcPct val="90000"/>
+              </a:lnSpc>
+              <a:spcBef>
+                <a:spcPts val="500"/>
+              </a:spcBef>
+              <a:buFont typeface="Arial" panose="020B0604020202020204" pitchFamily="34" charset="0"/>
+              <a:buChar char="•"/>
+              <a:defRPr sz="2000" kern="1200">
+                <a:solidFill>
+                  <a:schemeClr val="tx1"/>
+                </a:solidFill>
+                <a:latin typeface="+mn-lt"/>
+                <a:ea typeface="+mn-ea"/>
+                <a:cs typeface="+mn-cs"/>
+              </a:defRPr>
+            </a:lvl3pPr>
+            <a:lvl4pPr marL="1600200" indent="-228600" algn="l" defTabSz="914400" rtl="0" eaLnBrk="1" latinLnBrk="0" hangingPunct="1">
+              <a:lnSpc>
+                <a:spcPct val="90000"/>
+              </a:lnSpc>
+              <a:spcBef>
+                <a:spcPts val="500"/>
+              </a:spcBef>
+              <a:buFont typeface="Arial" panose="020B0604020202020204" pitchFamily="34" charset="0"/>
+              <a:buChar char="•"/>
+              <a:defRPr sz="1800" kern="1200">
+                <a:solidFill>
+                  <a:schemeClr val="tx1"/>
+                </a:solidFill>
+                <a:latin typeface="+mn-lt"/>
+                <a:ea typeface="+mn-ea"/>
+                <a:cs typeface="+mn-cs"/>
+              </a:defRPr>
+            </a:lvl4pPr>
+            <a:lvl5pPr marL="2057400" indent="-228600" algn="l" defTabSz="914400" rtl="0" eaLnBrk="1" latinLnBrk="0" hangingPunct="1">
+              <a:lnSpc>
+                <a:spcPct val="90000"/>
+              </a:lnSpc>
+              <a:spcBef>
+                <a:spcPts val="500"/>
+              </a:spcBef>
+              <a:buFont typeface="Arial" panose="020B0604020202020204" pitchFamily="34" charset="0"/>
+              <a:buChar char="•"/>
+              <a:defRPr sz="1800" kern="1200">
+                <a:solidFill>
+                  <a:schemeClr val="tx1"/>
+                </a:solidFill>
+                <a:latin typeface="+mn-lt"/>
+                <a:ea typeface="+mn-ea"/>
+                <a:cs typeface="+mn-cs"/>
+              </a:defRPr>
+            </a:lvl5pPr>
+            <a:lvl6pPr marL="2514600" indent="-228600" algn="l" defTabSz="914400" rtl="0" eaLnBrk="1" latinLnBrk="0" hangingPunct="1">
+              <a:lnSpc>
+                <a:spcPct val="90000"/>
+              </a:lnSpc>
+              <a:spcBef>
+                <a:spcPts val="500"/>
+              </a:spcBef>
+              <a:buFont typeface="Arial" panose="020B0604020202020204" pitchFamily="34" charset="0"/>
+              <a:buChar char="•"/>
+              <a:defRPr sz="1800" kern="1200">
+                <a:solidFill>
+                  <a:schemeClr val="tx1"/>
+                </a:solidFill>
+                <a:latin typeface="+mn-lt"/>
+                <a:ea typeface="+mn-ea"/>
+                <a:cs typeface="+mn-cs"/>
+              </a:defRPr>
+            </a:lvl6pPr>
+            <a:lvl7pPr marL="2971800" indent="-228600" algn="l" defTabSz="914400" rtl="0" eaLnBrk="1" latinLnBrk="0" hangingPunct="1">
+              <a:lnSpc>
+                <a:spcPct val="90000"/>
+              </a:lnSpc>
+              <a:spcBef>
+                <a:spcPts val="500"/>
+              </a:spcBef>
+              <a:buFont typeface="Arial" panose="020B0604020202020204" pitchFamily="34" charset="0"/>
+              <a:buChar char="•"/>
+              <a:defRPr sz="1800" kern="1200">
+                <a:solidFill>
+                  <a:schemeClr val="tx1"/>
+                </a:solidFill>
+                <a:latin typeface="+mn-lt"/>
+                <a:ea typeface="+mn-ea"/>
+                <a:cs typeface="+mn-cs"/>
+              </a:defRPr>
+            </a:lvl7pPr>
+            <a:lvl8pPr marL="3429000" indent="-228600" algn="l" defTabSz="914400" rtl="0" eaLnBrk="1" latinLnBrk="0" hangingPunct="1">
+              <a:lnSpc>
+                <a:spcPct val="90000"/>
+              </a:lnSpc>
+              <a:spcBef>
+                <a:spcPts val="500"/>
+              </a:spcBef>
+              <a:buFont typeface="Arial" panose="020B0604020202020204" pitchFamily="34" charset="0"/>
+              <a:buChar char="•"/>
+              <a:defRPr sz="1800" kern="1200">
+                <a:solidFill>
+                  <a:schemeClr val="tx1"/>
+                </a:solidFill>
+                <a:latin typeface="+mn-lt"/>
+                <a:ea typeface="+mn-ea"/>
+                <a:cs typeface="+mn-cs"/>
+              </a:defRPr>
+            </a:lvl8pPr>
+            <a:lvl9pPr marL="3886200" indent="-228600" algn="l" defTabSz="914400" rtl="0" eaLnBrk="1" latinLnBrk="0" hangingPunct="1">
+              <a:lnSpc>
+                <a:spcPct val="90000"/>
+              </a:lnSpc>
+              <a:spcBef>
+                <a:spcPts val="500"/>
+              </a:spcBef>
+              <a:buFont typeface="Arial" panose="020B0604020202020204" pitchFamily="34" charset="0"/>
+              <a:buChar char="•"/>
+              <a:defRPr sz="1800" kern="1200">
+                <a:solidFill>
+                  <a:schemeClr val="tx1"/>
+                </a:solidFill>
+                <a:latin typeface="+mn-lt"/>
+                <a:ea typeface="+mn-ea"/>
+                <a:cs typeface="+mn-cs"/>
+              </a:defRPr>
+            </a:lvl9pPr>
+          </a:lstStyle>
+          <a:p>
+            <a:pPr marL="0" indent="0">
+              <a:buNone/>
+            </a:pPr>
+            <a:r>
+              <a:rPr lang="pt-BR" sz="2400" dirty="0">
+                <a:latin typeface="Arial" panose="020B0604020202020204" pitchFamily="34" charset="0"/>
+                <a:cs typeface="Arial" panose="020B0604020202020204" pitchFamily="34" charset="0"/>
+              </a:rPr>
+              <a:t>Manobra de verticalização do MCV (Contingências)</a:t>
+            </a:r>
+          </a:p>
+          <a:p>
+            <a:pPr marL="0" indent="0">
+              <a:buNone/>
+            </a:pPr>
+            <a:endParaRPr lang="pt-BR" sz="1800" dirty="0">
+              <a:latin typeface="Arial" panose="020B0604020202020204" pitchFamily="34" charset="0"/>
+              <a:cs typeface="Arial" panose="020B0604020202020204" pitchFamily="34" charset="0"/>
+            </a:endParaRPr>
+          </a:p>
+          <a:p>
+            <a:pPr marL="0" indent="0">
+              <a:buNone/>
+            </a:pPr>
+            <a:r>
+              <a:rPr lang="pt-BR" sz="1800" dirty="0">
+                <a:latin typeface="Arial" panose="020B0604020202020204" pitchFamily="34" charset="0"/>
+                <a:cs typeface="Arial" panose="020B0604020202020204" pitchFamily="34" charset="0"/>
+              </a:rPr>
+              <a:t>Após acoplamento do MCV no hub pode ser necessária a realização de alguma manobra de soft landing.</a:t>
+            </a:r>
+          </a:p>
+          <a:p>
+            <a:pPr marL="0" indent="0">
+              <a:buNone/>
+            </a:pPr>
+            <a:endParaRPr lang="pt-BR" sz="1800" dirty="0">
+              <a:latin typeface="Arial" panose="020B0604020202020204" pitchFamily="34" charset="0"/>
+              <a:cs typeface="Arial" panose="020B0604020202020204" pitchFamily="34" charset="0"/>
+            </a:endParaRPr>
+          </a:p>
+          <a:p>
+            <a:pPr marL="0" indent="0">
+              <a:buNone/>
+            </a:pPr>
+            <a:r>
+              <a:rPr lang="pt-BR" sz="1800" dirty="0">
+                <a:latin typeface="Arial" panose="020B0604020202020204" pitchFamily="34" charset="0"/>
+                <a:cs typeface="Arial" panose="020B0604020202020204" pitchFamily="34" charset="0"/>
+              </a:rPr>
+              <a:t>Obs. 1: Devem ser avaliadas 2 posições onde as alças serão previamente instaladas.</a:t>
+            </a:r>
+          </a:p>
+          <a:p>
+            <a:pPr marL="0" indent="0">
+              <a:buNone/>
+            </a:pPr>
+            <a:r>
+              <a:rPr lang="pt-BR" sz="1800" dirty="0">
+                <a:latin typeface="Arial" panose="020B0604020202020204" pitchFamily="34" charset="0"/>
+                <a:cs typeface="Arial" panose="020B0604020202020204" pitchFamily="34" charset="0"/>
+              </a:rPr>
+              <a:t>Obs. 2: O modelo numérico deve considerar o MCV engastado.</a:t>
+            </a:r>
+            <a:endParaRPr lang="pt-BR" sz="1600" dirty="0">
+              <a:latin typeface="Arial" panose="020B0604020202020204" pitchFamily="34" charset="0"/>
+              <a:cs typeface="Arial" panose="020B0604020202020204" pitchFamily="34" charset="0"/>
+            </a:endParaRPr>
+          </a:p>
+        </p:txBody>
+      </p:sp>
+    </p:spTree>
+    <p:extLst>
+      <p:ext uri="{BB962C8B-B14F-4D97-AF65-F5344CB8AC3E}">
+        <p14:creationId xmlns:p14="http://schemas.microsoft.com/office/powerpoint/2010/main" val="721368893"/>
+      </p:ext>
+    </p:extLst>
+  </p:cSld>
+  <p:clrMapOvr>
+    <a:masterClrMapping/>
+  </p:clrMapOvr>
+  <mc:AlternateContent xmlns:mc="http://schemas.openxmlformats.org/markup-compatibility/2006">
+    <mc:Choice xmlns:p159="http://schemas.microsoft.com/office/powerpoint/2015/09/main" Requires="p159">
+      <p:transition xmlns:p14="http://schemas.microsoft.com/office/powerpoint/2010/main" spd="slow" p14:dur="2500">
+        <p159:morph option="byObject"/>
+      </p:transition>
+    </mc:Choice>
+    <mc:Fallback>
+      <p:transition spd="slow">
+        <p:fade/>
+      </p:transition>
+    </mc:Fallback>
+  </mc:AlternateContent>
 </p:sld>
 </file>
 
@@ -5603,15 +11276,6 @@
 </file>
 
 <file path=customXml/item2.xml><?xml version="1.0" encoding="utf-8"?>
-<?mso-contentType ?>
-<FormTemplates xmlns="http://schemas.microsoft.com/sharepoint/v3/contenttype/forms">
-  <Display>DocumentLibraryForm</Display>
-  <Edit>DocumentLibraryForm</Edit>
-  <New>DocumentLibraryForm</New>
-</FormTemplates>
-</file>
-
-<file path=customXml/item3.xml><?xml version="1.0" encoding="utf-8"?>
 <ct:contentTypeSchema xmlns:ct="http://schemas.microsoft.com/office/2006/metadata/contentType" xmlns:ma="http://schemas.microsoft.com/office/2006/metadata/properties/metaAttributes" ct:_="" ma:_="" ma:contentTypeName="Documento" ma:contentTypeID="0x01010069E487C1B5A6A7469ECF295E300FC521" ma:contentTypeVersion="14" ma:contentTypeDescription="Crie um novo documento." ma:contentTypeScope="" ma:versionID="0960ac6fc61b40489ab078022ce7de8d">
   <xsd:schema xmlns:xsd="http://www.w3.org/2001/XMLSchema" xmlns:xs="http://www.w3.org/2001/XMLSchema" xmlns:p="http://schemas.microsoft.com/office/2006/metadata/properties" xmlns:ns2="509bbd28-9a6d-445a-83dd-f5d328eece76" xmlns:ns3="903036b2-f8dc-4ca8-82df-457cf2fff651" xmlns:ns4="461c5b05-e7ae-45a9-96d4-4a689e060405" targetNamespace="http://schemas.microsoft.com/office/2006/metadata/properties" ma:root="true" ma:fieldsID="d2f069df8fef6df821bd87bc04dd1b2c" ns2:_="" ns3:_="" ns4:_="">
     <xsd:import namespace="509bbd28-9a6d-445a-83dd-f5d328eece76"/>
@@ -5851,6 +11515,15 @@
 </ct:contentTypeSchema>
 </file>
 
+<file path=customXml/item3.xml><?xml version="1.0" encoding="utf-8"?>
+<?mso-contentType ?>
+<FormTemplates xmlns="http://schemas.microsoft.com/sharepoint/v3/contenttype/forms">
+  <Display>DocumentLibraryForm</Display>
+  <Edit>DocumentLibraryForm</Edit>
+  <New>DocumentLibraryForm</New>
+</FormTemplates>
+</file>
+
 <file path=customXml/itemProps1.xml><?xml version="1.0" encoding="utf-8"?>
 <ds:datastoreItem xmlns:ds="http://schemas.openxmlformats.org/officeDocument/2006/customXml" ds:itemID="{950C1921-19CB-4359-896C-69A38E74F7DB}">
   <ds:schemaRefs>
@@ -5863,14 +11536,6 @@
 </file>
 
 <file path=customXml/itemProps2.xml><?xml version="1.0" encoding="utf-8"?>
-<ds:datastoreItem xmlns:ds="http://schemas.openxmlformats.org/officeDocument/2006/customXml" ds:itemID="{C4B1ED71-98D9-469C-8854-4477B5CB1BC1}">
-  <ds:schemaRefs>
-    <ds:schemaRef ds:uri="http://schemas.microsoft.com/sharepoint/v3/contenttype/forms"/>
-  </ds:schemaRefs>
-</ds:datastoreItem>
-</file>
-
-<file path=customXml/itemProps3.xml><?xml version="1.0" encoding="utf-8"?>
 <ds:datastoreItem xmlns:ds="http://schemas.openxmlformats.org/officeDocument/2006/customXml" ds:itemID="{4A39C60F-836F-4E30-B441-C27CD7D042E1}">
   <ds:schemaRefs>
     <ds:schemaRef ds:uri="http://schemas.microsoft.com/office/2006/metadata/contentType"/>
@@ -5888,4 +11553,12 @@
     <ds:schemaRef ds:uri="http://schemas.microsoft.com/internal/obd"/>
   </ds:schemaRefs>
 </ds:datastoreItem>
+</file>
+
+<file path=customXml/itemProps3.xml><?xml version="1.0" encoding="utf-8"?>
+<ds:datastoreItem xmlns:ds="http://schemas.openxmlformats.org/officeDocument/2006/customXml" ds:itemID="{C4B1ED71-98D9-469C-8854-4477B5CB1BC1}">
+  <ds:schemaRefs>
+    <ds:schemaRef ds:uri="http://schemas.microsoft.com/sharepoint/v3/contenttype/forms"/>
+  </ds:schemaRefs>
+</ds:datastoreItem>
 </file>